--- a/CryoREAD_tutorial.pptx
+++ b/CryoREAD_tutorial.pptx
@@ -7,18 +7,24 @@
   <p:sldIdLst>
     <p:sldId id="256" r:id="rId2"/>
     <p:sldId id="257" r:id="rId3"/>
-    <p:sldId id="258" r:id="rId4"/>
-    <p:sldId id="259" r:id="rId5"/>
-    <p:sldId id="260" r:id="rId6"/>
-    <p:sldId id="271" r:id="rId7"/>
-    <p:sldId id="261" r:id="rId8"/>
-    <p:sldId id="262" r:id="rId9"/>
-    <p:sldId id="263" r:id="rId10"/>
-    <p:sldId id="264" r:id="rId11"/>
-    <p:sldId id="265" r:id="rId12"/>
-    <p:sldId id="267" r:id="rId13"/>
-    <p:sldId id="269" r:id="rId14"/>
-    <p:sldId id="270" r:id="rId15"/>
+    <p:sldId id="272" r:id="rId4"/>
+    <p:sldId id="273" r:id="rId5"/>
+    <p:sldId id="274" r:id="rId6"/>
+    <p:sldId id="275" r:id="rId7"/>
+    <p:sldId id="276" r:id="rId8"/>
+    <p:sldId id="277" r:id="rId9"/>
+    <p:sldId id="271" r:id="rId10"/>
+    <p:sldId id="258" r:id="rId11"/>
+    <p:sldId id="259" r:id="rId12"/>
+    <p:sldId id="260" r:id="rId13"/>
+    <p:sldId id="261" r:id="rId14"/>
+    <p:sldId id="262" r:id="rId15"/>
+    <p:sldId id="263" r:id="rId16"/>
+    <p:sldId id="264" r:id="rId17"/>
+    <p:sldId id="265" r:id="rId18"/>
+    <p:sldId id="267" r:id="rId19"/>
+    <p:sldId id="269" r:id="rId20"/>
+    <p:sldId id="270" r:id="rId21"/>
   </p:sldIdLst>
   <p:sldSz cx="12192000" cy="6858000"/>
   <p:notesSz cx="6858000" cy="9144000"/>
@@ -272,7 +278,7 @@
           <a:p>
             <a:fld id="{A34051EF-B733-5D40-9B07-183057610474}" type="datetimeFigureOut">
               <a:rPr lang="en-US" smtClean="0"/>
-              <a:t>5/15/23</a:t>
+              <a:t>11/14/23</a:t>
             </a:fld>
             <a:endParaRPr lang="en-US"/>
           </a:p>
@@ -470,7 +476,7 @@
           <a:p>
             <a:fld id="{A34051EF-B733-5D40-9B07-183057610474}" type="datetimeFigureOut">
               <a:rPr lang="en-US" smtClean="0"/>
-              <a:t>5/15/23</a:t>
+              <a:t>11/14/23</a:t>
             </a:fld>
             <a:endParaRPr lang="en-US"/>
           </a:p>
@@ -678,7 +684,7 @@
           <a:p>
             <a:fld id="{A34051EF-B733-5D40-9B07-183057610474}" type="datetimeFigureOut">
               <a:rPr lang="en-US" smtClean="0"/>
-              <a:t>5/15/23</a:t>
+              <a:t>11/14/23</a:t>
             </a:fld>
             <a:endParaRPr lang="en-US"/>
           </a:p>
@@ -876,7 +882,7 @@
           <a:p>
             <a:fld id="{A34051EF-B733-5D40-9B07-183057610474}" type="datetimeFigureOut">
               <a:rPr lang="en-US" smtClean="0"/>
-              <a:t>5/15/23</a:t>
+              <a:t>11/14/23</a:t>
             </a:fld>
             <a:endParaRPr lang="en-US"/>
           </a:p>
@@ -1151,7 +1157,7 @@
           <a:p>
             <a:fld id="{A34051EF-B733-5D40-9B07-183057610474}" type="datetimeFigureOut">
               <a:rPr lang="en-US" smtClean="0"/>
-              <a:t>5/15/23</a:t>
+              <a:t>11/14/23</a:t>
             </a:fld>
             <a:endParaRPr lang="en-US"/>
           </a:p>
@@ -1416,7 +1422,7 @@
           <a:p>
             <a:fld id="{A34051EF-B733-5D40-9B07-183057610474}" type="datetimeFigureOut">
               <a:rPr lang="en-US" smtClean="0"/>
-              <a:t>5/15/23</a:t>
+              <a:t>11/14/23</a:t>
             </a:fld>
             <a:endParaRPr lang="en-US"/>
           </a:p>
@@ -1828,7 +1834,7 @@
           <a:p>
             <a:fld id="{A34051EF-B733-5D40-9B07-183057610474}" type="datetimeFigureOut">
               <a:rPr lang="en-US" smtClean="0"/>
-              <a:t>5/15/23</a:t>
+              <a:t>11/14/23</a:t>
             </a:fld>
             <a:endParaRPr lang="en-US"/>
           </a:p>
@@ -1969,7 +1975,7 @@
           <a:p>
             <a:fld id="{A34051EF-B733-5D40-9B07-183057610474}" type="datetimeFigureOut">
               <a:rPr lang="en-US" smtClean="0"/>
-              <a:t>5/15/23</a:t>
+              <a:t>11/14/23</a:t>
             </a:fld>
             <a:endParaRPr lang="en-US"/>
           </a:p>
@@ -2082,7 +2088,7 @@
           <a:p>
             <a:fld id="{A34051EF-B733-5D40-9B07-183057610474}" type="datetimeFigureOut">
               <a:rPr lang="en-US" smtClean="0"/>
-              <a:t>5/15/23</a:t>
+              <a:t>11/14/23</a:t>
             </a:fld>
             <a:endParaRPr lang="en-US"/>
           </a:p>
@@ -2393,7 +2399,7 @@
           <a:p>
             <a:fld id="{A34051EF-B733-5D40-9B07-183057610474}" type="datetimeFigureOut">
               <a:rPr lang="en-US" smtClean="0"/>
-              <a:t>5/15/23</a:t>
+              <a:t>11/14/23</a:t>
             </a:fld>
             <a:endParaRPr lang="en-US"/>
           </a:p>
@@ -2681,7 +2687,7 @@
           <a:p>
             <a:fld id="{A34051EF-B733-5D40-9B07-183057610474}" type="datetimeFigureOut">
               <a:rPr lang="en-US" smtClean="0"/>
-              <a:t>5/15/23</a:t>
+              <a:t>11/14/23</a:t>
             </a:fld>
             <a:endParaRPr lang="en-US"/>
           </a:p>
@@ -2922,7 +2928,7 @@
           <a:p>
             <a:fld id="{A34051EF-B733-5D40-9B07-183057610474}" type="datetimeFigureOut">
               <a:rPr lang="en-US" smtClean="0"/>
-              <a:t>5/15/23</a:t>
+              <a:t>11/14/23</a:t>
             </a:fld>
             <a:endParaRPr lang="en-US"/>
           </a:p>
@@ -3475,1683 +3481,6 @@
       </p:grpSpPr>
       <p:pic>
         <p:nvPicPr>
-          <p:cNvPr id="10" name="Picture 9">
-            <a:extLst>
-              <a:ext uri="{FF2B5EF4-FFF2-40B4-BE49-F238E27FC236}">
-                <a16:creationId xmlns:a16="http://schemas.microsoft.com/office/drawing/2014/main" id="{024A5703-FE53-BDF1-6B1D-7515790B09F1}"/>
-              </a:ext>
-            </a:extLst>
-          </p:cNvPr>
-          <p:cNvPicPr>
-            <a:picLocks noChangeAspect="1"/>
-          </p:cNvPicPr>
-          <p:nvPr/>
-        </p:nvPicPr>
-        <p:blipFill>
-          <a:blip r:embed="rId2"/>
-          <a:stretch>
-            <a:fillRect/>
-          </a:stretch>
-        </p:blipFill>
-        <p:spPr>
-          <a:xfrm>
-            <a:off x="838200" y="1690687"/>
-            <a:ext cx="11258384" cy="1809879"/>
-          </a:xfrm>
-          <a:prstGeom prst="rect">
-            <a:avLst/>
-          </a:prstGeom>
-        </p:spPr>
-      </p:pic>
-      <p:sp>
-        <p:nvSpPr>
-          <p:cNvPr id="2" name="Title 1">
-            <a:extLst>
-              <a:ext uri="{FF2B5EF4-FFF2-40B4-BE49-F238E27FC236}">
-                <a16:creationId xmlns:a16="http://schemas.microsoft.com/office/drawing/2014/main" id="{3EEE09D7-F2E1-274E-A3C4-6BE2F945C53F}"/>
-              </a:ext>
-            </a:extLst>
-          </p:cNvPr>
-          <p:cNvSpPr>
-            <a:spLocks noGrp="1"/>
-          </p:cNvSpPr>
-          <p:nvPr>
-            <p:ph type="title"/>
-          </p:nvPr>
-        </p:nvSpPr>
-        <p:spPr/>
-        <p:txBody>
-          <a:bodyPr/>
-          <a:lstStyle/>
-          <a:p>
-            <a:r>
-              <a:rPr lang="en-US" altLang="zh-CN" dirty="0"/>
-              <a:t>8</a:t>
-            </a:r>
-            <a:r>
-              <a:rPr lang="en-US" altLang="zh-CN" baseline="30000" dirty="0"/>
-              <a:t>th</a:t>
-            </a:r>
-            <a:r>
-              <a:rPr lang="zh-CN" altLang="en-US" dirty="0"/>
-              <a:t> </a:t>
-            </a:r>
-            <a:r>
-              <a:rPr lang="en-US" altLang="zh-CN" dirty="0"/>
-              <a:t>step:</a:t>
-            </a:r>
-            <a:r>
-              <a:rPr lang="zh-CN" altLang="en-US" dirty="0"/>
-              <a:t> </a:t>
-            </a:r>
-            <a:r>
-              <a:rPr lang="en-US" altLang="zh-CN" dirty="0"/>
-              <a:t>Run</a:t>
-            </a:r>
-            <a:r>
-              <a:rPr lang="zh-CN" altLang="en-US" dirty="0"/>
-              <a:t> </a:t>
-            </a:r>
-            <a:r>
-              <a:rPr lang="en-US" altLang="zh-CN" dirty="0" err="1"/>
-              <a:t>CryoREAD</a:t>
-            </a:r>
-            <a:endParaRPr lang="en-US" dirty="0"/>
-          </a:p>
-        </p:txBody>
-      </p:sp>
-      <p:sp>
-        <p:nvSpPr>
-          <p:cNvPr id="5" name="Rectangle 4">
-            <a:extLst>
-              <a:ext uri="{FF2B5EF4-FFF2-40B4-BE49-F238E27FC236}">
-                <a16:creationId xmlns:a16="http://schemas.microsoft.com/office/drawing/2014/main" id="{0E551044-7F1E-2347-9ED2-012290DC460A}"/>
-              </a:ext>
-            </a:extLst>
-          </p:cNvPr>
-          <p:cNvSpPr/>
-          <p:nvPr/>
-        </p:nvSpPr>
-        <p:spPr>
-          <a:xfrm>
-            <a:off x="1021279" y="2171732"/>
-            <a:ext cx="249382" cy="297360"/>
-          </a:xfrm>
-          <a:prstGeom prst="rect">
-            <a:avLst/>
-          </a:prstGeom>
-          <a:noFill/>
-          <a:ln w="28575">
-            <a:solidFill>
-              <a:srgbClr val="FF0000"/>
-            </a:solidFill>
-          </a:ln>
-        </p:spPr>
-        <p:style>
-          <a:lnRef idx="2">
-            <a:schemeClr val="dk1"/>
-          </a:lnRef>
-          <a:fillRef idx="1">
-            <a:schemeClr val="lt1"/>
-          </a:fillRef>
-          <a:effectRef idx="0">
-            <a:schemeClr val="dk1"/>
-          </a:effectRef>
-          <a:fontRef idx="minor">
-            <a:schemeClr val="dk1"/>
-          </a:fontRef>
-        </p:style>
-        <p:txBody>
-          <a:bodyPr rtlCol="0" anchor="ctr"/>
-          <a:lstStyle/>
-          <a:p>
-            <a:pPr algn="ctr"/>
-            <a:endParaRPr lang="en-US"/>
-          </a:p>
-        </p:txBody>
-      </p:sp>
-      <p:sp>
-        <p:nvSpPr>
-          <p:cNvPr id="6" name="TextBox 5">
-            <a:extLst>
-              <a:ext uri="{FF2B5EF4-FFF2-40B4-BE49-F238E27FC236}">
-                <a16:creationId xmlns:a16="http://schemas.microsoft.com/office/drawing/2014/main" id="{18E7C53D-E8E0-0A4E-8ADF-36A4AA042DBB}"/>
-              </a:ext>
-            </a:extLst>
-          </p:cNvPr>
-          <p:cNvSpPr txBox="1"/>
-          <p:nvPr/>
-        </p:nvSpPr>
-        <p:spPr>
-          <a:xfrm>
-            <a:off x="1332838" y="1951080"/>
-            <a:ext cx="3621977" cy="369332"/>
-          </a:xfrm>
-          <a:prstGeom prst="rect">
-            <a:avLst/>
-          </a:prstGeom>
-          <a:noFill/>
-        </p:spPr>
-        <p:txBody>
-          <a:bodyPr wrap="square" rtlCol="0">
-            <a:spAutoFit/>
-          </a:bodyPr>
-          <a:lstStyle/>
-          <a:p>
-            <a:r>
-              <a:rPr lang="en-US" altLang="zh-CN" dirty="0">
-                <a:solidFill>
-                  <a:srgbClr val="FF0000"/>
-                </a:solidFill>
-              </a:rPr>
-              <a:t>Click</a:t>
-            </a:r>
-            <a:r>
-              <a:rPr lang="zh-CN" altLang="en-US" dirty="0">
-                <a:solidFill>
-                  <a:srgbClr val="FF0000"/>
-                </a:solidFill>
-              </a:rPr>
-              <a:t> </a:t>
-            </a:r>
-            <a:r>
-              <a:rPr lang="en-US" altLang="zh-CN" dirty="0">
-                <a:solidFill>
-                  <a:srgbClr val="FF0000"/>
-                </a:solidFill>
-              </a:rPr>
-              <a:t>here</a:t>
-            </a:r>
-            <a:r>
-              <a:rPr lang="zh-CN" altLang="en-US" dirty="0">
-                <a:solidFill>
-                  <a:srgbClr val="FF0000"/>
-                </a:solidFill>
-              </a:rPr>
-              <a:t> </a:t>
-            </a:r>
-            <a:r>
-              <a:rPr lang="en-US" altLang="zh-CN" dirty="0">
-                <a:solidFill>
-                  <a:srgbClr val="FF0000"/>
-                </a:solidFill>
-              </a:rPr>
-              <a:t>to</a:t>
-            </a:r>
-            <a:r>
-              <a:rPr lang="zh-CN" altLang="en-US" dirty="0">
-                <a:solidFill>
-                  <a:srgbClr val="FF0000"/>
-                </a:solidFill>
-              </a:rPr>
-              <a:t> </a:t>
-            </a:r>
-            <a:r>
-              <a:rPr lang="en-US" altLang="zh-CN" dirty="0">
-                <a:solidFill>
-                  <a:srgbClr val="FF0000"/>
-                </a:solidFill>
-              </a:rPr>
-              <a:t>run</a:t>
-            </a:r>
-            <a:endParaRPr lang="en-US" dirty="0">
-              <a:solidFill>
-                <a:srgbClr val="FF0000"/>
-              </a:solidFill>
-            </a:endParaRPr>
-          </a:p>
-        </p:txBody>
-      </p:sp>
-      <p:sp>
-        <p:nvSpPr>
-          <p:cNvPr id="8" name="TextBox 7">
-            <a:extLst>
-              <a:ext uri="{FF2B5EF4-FFF2-40B4-BE49-F238E27FC236}">
-                <a16:creationId xmlns:a16="http://schemas.microsoft.com/office/drawing/2014/main" id="{929AF83A-2341-9A4A-8B05-B5839BF4031E}"/>
-              </a:ext>
-            </a:extLst>
-          </p:cNvPr>
-          <p:cNvSpPr txBox="1"/>
-          <p:nvPr/>
-        </p:nvSpPr>
-        <p:spPr>
-          <a:xfrm>
-            <a:off x="635000" y="3888061"/>
-            <a:ext cx="5017655" cy="369332"/>
-          </a:xfrm>
-          <a:prstGeom prst="rect">
-            <a:avLst/>
-          </a:prstGeom>
-          <a:noFill/>
-        </p:spPr>
-        <p:txBody>
-          <a:bodyPr wrap="square" rtlCol="0">
-            <a:spAutoFit/>
-          </a:bodyPr>
-          <a:lstStyle/>
-          <a:p>
-            <a:r>
-              <a:rPr lang="en-US" altLang="zh-CN" dirty="0">
-                <a:solidFill>
-                  <a:srgbClr val="FF0000"/>
-                </a:solidFill>
-              </a:rPr>
-              <a:t>Successful</a:t>
-            </a:r>
-            <a:r>
-              <a:rPr lang="zh-CN" altLang="en-US" dirty="0">
-                <a:solidFill>
-                  <a:srgbClr val="FF0000"/>
-                </a:solidFill>
-              </a:rPr>
-              <a:t> </a:t>
-            </a:r>
-            <a:r>
-              <a:rPr lang="en-US" altLang="zh-CN" dirty="0">
-                <a:solidFill>
-                  <a:srgbClr val="FF0000"/>
-                </a:solidFill>
-              </a:rPr>
-              <a:t>running</a:t>
-            </a:r>
-            <a:r>
-              <a:rPr lang="zh-CN" altLang="en-US" dirty="0">
-                <a:solidFill>
-                  <a:srgbClr val="FF0000"/>
-                </a:solidFill>
-              </a:rPr>
-              <a:t> </a:t>
-            </a:r>
-            <a:r>
-              <a:rPr lang="en-US" altLang="zh-CN" dirty="0">
-                <a:solidFill>
-                  <a:srgbClr val="FF0000"/>
-                </a:solidFill>
-              </a:rPr>
-              <a:t>message:</a:t>
-            </a:r>
-            <a:endParaRPr lang="en-US" dirty="0">
-              <a:solidFill>
-                <a:srgbClr val="FF0000"/>
-              </a:solidFill>
-            </a:endParaRPr>
-          </a:p>
-        </p:txBody>
-      </p:sp>
-      <p:pic>
-        <p:nvPicPr>
-          <p:cNvPr id="11" name="Picture 10">
-            <a:extLst>
-              <a:ext uri="{FF2B5EF4-FFF2-40B4-BE49-F238E27FC236}">
-                <a16:creationId xmlns:a16="http://schemas.microsoft.com/office/drawing/2014/main" id="{8FF7577D-98A3-1056-2D99-D42420575027}"/>
-              </a:ext>
-            </a:extLst>
-          </p:cNvPr>
-          <p:cNvPicPr>
-            <a:picLocks noChangeAspect="1"/>
-          </p:cNvPicPr>
-          <p:nvPr/>
-        </p:nvPicPr>
-        <p:blipFill>
-          <a:blip r:embed="rId3"/>
-          <a:stretch>
-            <a:fillRect/>
-          </a:stretch>
-        </p:blipFill>
-        <p:spPr>
-          <a:xfrm>
-            <a:off x="1766455" y="4403133"/>
-            <a:ext cx="7772400" cy="2051633"/>
-          </a:xfrm>
-          <a:prstGeom prst="rect">
-            <a:avLst/>
-          </a:prstGeom>
-        </p:spPr>
-      </p:pic>
-    </p:spTree>
-    <p:extLst>
-      <p:ext uri="{BB962C8B-B14F-4D97-AF65-F5344CB8AC3E}">
-        <p14:creationId xmlns:p14="http://schemas.microsoft.com/office/powerpoint/2010/main" val="3069183508"/>
-      </p:ext>
-    </p:extLst>
-  </p:cSld>
-  <p:clrMapOvr>
-    <a:masterClrMapping/>
-  </p:clrMapOvr>
-</p:sld>
-</file>
-
-<file path=ppt/slides/slide11.xml><?xml version="1.0" encoding="utf-8"?>
-<p:sld xmlns:a="http://schemas.openxmlformats.org/drawingml/2006/main" xmlns:r="http://schemas.openxmlformats.org/officeDocument/2006/relationships" xmlns:p="http://schemas.openxmlformats.org/presentationml/2006/main">
-  <p:cSld>
-    <p:spTree>
-      <p:nvGrpSpPr>
-        <p:cNvPr id="1" name=""/>
-        <p:cNvGrpSpPr/>
-        <p:nvPr/>
-      </p:nvGrpSpPr>
-      <p:grpSpPr>
-        <a:xfrm>
-          <a:off x="0" y="0"/>
-          <a:ext cx="0" cy="0"/>
-          <a:chOff x="0" y="0"/>
-          <a:chExt cx="0" cy="0"/>
-        </a:xfrm>
-      </p:grpSpPr>
-      <p:pic>
-        <p:nvPicPr>
-          <p:cNvPr id="8" name="Picture 7">
-            <a:extLst>
-              <a:ext uri="{FF2B5EF4-FFF2-40B4-BE49-F238E27FC236}">
-                <a16:creationId xmlns:a16="http://schemas.microsoft.com/office/drawing/2014/main" id="{69E92F4C-5D09-E0B3-94AC-8798276A8C84}"/>
-              </a:ext>
-            </a:extLst>
-          </p:cNvPr>
-          <p:cNvPicPr>
-            <a:picLocks noChangeAspect="1"/>
-          </p:cNvPicPr>
-          <p:nvPr/>
-        </p:nvPicPr>
-        <p:blipFill>
-          <a:blip r:embed="rId2"/>
-          <a:stretch>
-            <a:fillRect/>
-          </a:stretch>
-        </p:blipFill>
-        <p:spPr>
-          <a:xfrm>
-            <a:off x="707571" y="1473963"/>
-            <a:ext cx="10452225" cy="1955037"/>
-          </a:xfrm>
-          <a:prstGeom prst="rect">
-            <a:avLst/>
-          </a:prstGeom>
-        </p:spPr>
-      </p:pic>
-      <p:sp>
-        <p:nvSpPr>
-          <p:cNvPr id="2" name="Title 1">
-            <a:extLst>
-              <a:ext uri="{FF2B5EF4-FFF2-40B4-BE49-F238E27FC236}">
-                <a16:creationId xmlns:a16="http://schemas.microsoft.com/office/drawing/2014/main" id="{669D4382-E589-544A-A7D2-05F56A1BD64A}"/>
-              </a:ext>
-            </a:extLst>
-          </p:cNvPr>
-          <p:cNvSpPr>
-            <a:spLocks noGrp="1"/>
-          </p:cNvSpPr>
-          <p:nvPr>
-            <p:ph type="title"/>
-          </p:nvPr>
-        </p:nvSpPr>
-        <p:spPr/>
-        <p:txBody>
-          <a:bodyPr/>
-          <a:lstStyle/>
-          <a:p>
-            <a:r>
-              <a:rPr lang="en-US" altLang="zh-CN" dirty="0"/>
-              <a:t>9</a:t>
-            </a:r>
-            <a:r>
-              <a:rPr lang="en-US" altLang="zh-CN" baseline="30000" dirty="0"/>
-              <a:t>th</a:t>
-            </a:r>
-            <a:r>
-              <a:rPr lang="zh-CN" altLang="en-US" dirty="0"/>
-              <a:t> </a:t>
-            </a:r>
-            <a:r>
-              <a:rPr lang="en-US" altLang="zh-CN" dirty="0"/>
-              <a:t>step:</a:t>
-            </a:r>
-            <a:r>
-              <a:rPr lang="zh-CN" altLang="en-US" dirty="0"/>
-              <a:t> </a:t>
-            </a:r>
-            <a:r>
-              <a:rPr lang="en-US" altLang="zh-CN" dirty="0"/>
-              <a:t>Download</a:t>
-            </a:r>
-            <a:r>
-              <a:rPr lang="zh-CN" altLang="en-US" dirty="0"/>
-              <a:t> </a:t>
-            </a:r>
-            <a:r>
-              <a:rPr lang="en-US" altLang="zh-CN" dirty="0"/>
-              <a:t>detection</a:t>
-            </a:r>
-            <a:r>
-              <a:rPr lang="zh-CN" altLang="en-US" dirty="0"/>
-              <a:t> </a:t>
-            </a:r>
-            <a:r>
-              <a:rPr lang="en-US" altLang="zh-CN" dirty="0"/>
-              <a:t>and</a:t>
-            </a:r>
-            <a:r>
-              <a:rPr lang="zh-CN" altLang="en-US" dirty="0"/>
-              <a:t> </a:t>
-            </a:r>
-            <a:r>
-              <a:rPr lang="en-US" altLang="zh-CN" dirty="0" err="1"/>
-              <a:t>pdb</a:t>
-            </a:r>
-            <a:r>
-              <a:rPr lang="zh-CN" altLang="en-US" dirty="0"/>
-              <a:t> </a:t>
-            </a:r>
-            <a:r>
-              <a:rPr lang="en-US" altLang="zh-CN" dirty="0"/>
-              <a:t>files</a:t>
-            </a:r>
-            <a:r>
-              <a:rPr lang="zh-CN" altLang="en-US" dirty="0"/>
-              <a:t> </a:t>
-            </a:r>
-            <a:r>
-              <a:rPr lang="en-US" altLang="zh-CN" dirty="0"/>
-              <a:t>locally</a:t>
-            </a:r>
-            <a:endParaRPr lang="en-US" dirty="0"/>
-          </a:p>
-        </p:txBody>
-      </p:sp>
-      <p:sp>
-        <p:nvSpPr>
-          <p:cNvPr id="5" name="Rectangle 4">
-            <a:extLst>
-              <a:ext uri="{FF2B5EF4-FFF2-40B4-BE49-F238E27FC236}">
-                <a16:creationId xmlns:a16="http://schemas.microsoft.com/office/drawing/2014/main" id="{58CF30E3-15CA-DC40-A583-76989D0959ED}"/>
-              </a:ext>
-            </a:extLst>
-          </p:cNvPr>
-          <p:cNvSpPr/>
-          <p:nvPr/>
-        </p:nvSpPr>
-        <p:spPr>
-          <a:xfrm>
-            <a:off x="838200" y="1780821"/>
-            <a:ext cx="308757" cy="373954"/>
-          </a:xfrm>
-          <a:prstGeom prst="rect">
-            <a:avLst/>
-          </a:prstGeom>
-          <a:noFill/>
-          <a:ln w="28575">
-            <a:solidFill>
-              <a:srgbClr val="FF0000"/>
-            </a:solidFill>
-          </a:ln>
-        </p:spPr>
-        <p:style>
-          <a:lnRef idx="2">
-            <a:schemeClr val="dk1"/>
-          </a:lnRef>
-          <a:fillRef idx="1">
-            <a:schemeClr val="lt1"/>
-          </a:fillRef>
-          <a:effectRef idx="0">
-            <a:schemeClr val="dk1"/>
-          </a:effectRef>
-          <a:fontRef idx="minor">
-            <a:schemeClr val="dk1"/>
-          </a:fontRef>
-        </p:style>
-        <p:txBody>
-          <a:bodyPr rtlCol="0" anchor="ctr"/>
-          <a:lstStyle/>
-          <a:p>
-            <a:pPr algn="ctr"/>
-            <a:endParaRPr lang="en-US"/>
-          </a:p>
-        </p:txBody>
-      </p:sp>
-      <p:sp>
-        <p:nvSpPr>
-          <p:cNvPr id="6" name="TextBox 5">
-            <a:extLst>
-              <a:ext uri="{FF2B5EF4-FFF2-40B4-BE49-F238E27FC236}">
-                <a16:creationId xmlns:a16="http://schemas.microsoft.com/office/drawing/2014/main" id="{11CE65E4-76AB-1744-A722-15AE543F5B17}"/>
-              </a:ext>
-            </a:extLst>
-          </p:cNvPr>
-          <p:cNvSpPr txBox="1"/>
-          <p:nvPr/>
-        </p:nvSpPr>
-        <p:spPr>
-          <a:xfrm>
-            <a:off x="1146957" y="1692111"/>
-            <a:ext cx="3621977" cy="369332"/>
-          </a:xfrm>
-          <a:prstGeom prst="rect">
-            <a:avLst/>
-          </a:prstGeom>
-          <a:noFill/>
-        </p:spPr>
-        <p:txBody>
-          <a:bodyPr wrap="square" rtlCol="0">
-            <a:spAutoFit/>
-          </a:bodyPr>
-          <a:lstStyle/>
-          <a:p>
-            <a:r>
-              <a:rPr lang="en-US" altLang="zh-CN" dirty="0">
-                <a:solidFill>
-                  <a:srgbClr val="FF0000"/>
-                </a:solidFill>
-              </a:rPr>
-              <a:t>Click</a:t>
-            </a:r>
-            <a:r>
-              <a:rPr lang="zh-CN" altLang="en-US" dirty="0">
-                <a:solidFill>
-                  <a:srgbClr val="FF0000"/>
-                </a:solidFill>
-              </a:rPr>
-              <a:t> </a:t>
-            </a:r>
-            <a:r>
-              <a:rPr lang="en-US" altLang="zh-CN" dirty="0">
-                <a:solidFill>
-                  <a:srgbClr val="FF0000"/>
-                </a:solidFill>
-              </a:rPr>
-              <a:t>here</a:t>
-            </a:r>
-            <a:r>
-              <a:rPr lang="zh-CN" altLang="en-US" dirty="0">
-                <a:solidFill>
-                  <a:srgbClr val="FF0000"/>
-                </a:solidFill>
-              </a:rPr>
-              <a:t> </a:t>
-            </a:r>
-            <a:r>
-              <a:rPr lang="en-US" altLang="zh-CN" dirty="0">
-                <a:solidFill>
-                  <a:srgbClr val="FF0000"/>
-                </a:solidFill>
-              </a:rPr>
-              <a:t>to</a:t>
-            </a:r>
-            <a:r>
-              <a:rPr lang="zh-CN" altLang="en-US" dirty="0">
-                <a:solidFill>
-                  <a:srgbClr val="FF0000"/>
-                </a:solidFill>
-              </a:rPr>
-              <a:t> </a:t>
-            </a:r>
-            <a:r>
-              <a:rPr lang="en-US" altLang="zh-CN" dirty="0">
-                <a:solidFill>
-                  <a:srgbClr val="FF0000"/>
-                </a:solidFill>
-              </a:rPr>
-              <a:t>download</a:t>
-            </a:r>
-            <a:endParaRPr lang="en-US" dirty="0">
-              <a:solidFill>
-                <a:srgbClr val="FF0000"/>
-              </a:solidFill>
-            </a:endParaRPr>
-          </a:p>
-        </p:txBody>
-      </p:sp>
-      <p:pic>
-        <p:nvPicPr>
-          <p:cNvPr id="9" name="Picture 8">
-            <a:extLst>
-              <a:ext uri="{FF2B5EF4-FFF2-40B4-BE49-F238E27FC236}">
-                <a16:creationId xmlns:a16="http://schemas.microsoft.com/office/drawing/2014/main" id="{362FD642-5B3B-6472-910D-1277AEE770B8}"/>
-              </a:ext>
-            </a:extLst>
-          </p:cNvPr>
-          <p:cNvPicPr>
-            <a:picLocks noChangeAspect="1"/>
-          </p:cNvPicPr>
-          <p:nvPr/>
-        </p:nvPicPr>
-        <p:blipFill>
-          <a:blip r:embed="rId3"/>
-          <a:stretch>
-            <a:fillRect/>
-          </a:stretch>
-        </p:blipFill>
-        <p:spPr>
-          <a:xfrm>
-            <a:off x="707571" y="3976811"/>
-            <a:ext cx="5155266" cy="2449286"/>
-          </a:xfrm>
-          <a:prstGeom prst="rect">
-            <a:avLst/>
-          </a:prstGeom>
-        </p:spPr>
-      </p:pic>
-      <p:sp>
-        <p:nvSpPr>
-          <p:cNvPr id="10" name="TextBox 9">
-            <a:extLst>
-              <a:ext uri="{FF2B5EF4-FFF2-40B4-BE49-F238E27FC236}">
-                <a16:creationId xmlns:a16="http://schemas.microsoft.com/office/drawing/2014/main" id="{F12FA132-40B4-4FE8-47FD-3B9961E1403E}"/>
-              </a:ext>
-            </a:extLst>
-          </p:cNvPr>
-          <p:cNvSpPr txBox="1"/>
-          <p:nvPr/>
-        </p:nvSpPr>
-        <p:spPr>
-          <a:xfrm>
-            <a:off x="818407" y="3517710"/>
-            <a:ext cx="5277593" cy="369332"/>
-          </a:xfrm>
-          <a:prstGeom prst="rect">
-            <a:avLst/>
-          </a:prstGeom>
-          <a:noFill/>
-        </p:spPr>
-        <p:txBody>
-          <a:bodyPr wrap="square" rtlCol="0">
-            <a:spAutoFit/>
-          </a:bodyPr>
-          <a:lstStyle/>
-          <a:p>
-            <a:r>
-              <a:rPr lang="en-US" altLang="zh-CN" dirty="0">
-                <a:solidFill>
-                  <a:srgbClr val="FF0000"/>
-                </a:solidFill>
-              </a:rPr>
-              <a:t>Detection</a:t>
-            </a:r>
-            <a:r>
-              <a:rPr lang="zh-CN" altLang="en-US" dirty="0">
-                <a:solidFill>
-                  <a:srgbClr val="FF0000"/>
-                </a:solidFill>
-              </a:rPr>
-              <a:t> </a:t>
-            </a:r>
-            <a:r>
-              <a:rPr lang="en-US" altLang="zh-CN" dirty="0">
-                <a:solidFill>
-                  <a:srgbClr val="FF0000"/>
-                </a:solidFill>
-              </a:rPr>
-              <a:t>Results</a:t>
-            </a:r>
-            <a:r>
-              <a:rPr lang="zh-CN" altLang="en-US" dirty="0">
-                <a:solidFill>
-                  <a:srgbClr val="FF0000"/>
-                </a:solidFill>
-              </a:rPr>
-              <a:t> </a:t>
-            </a:r>
-            <a:r>
-              <a:rPr lang="en-US" altLang="zh-CN" dirty="0">
-                <a:solidFill>
-                  <a:srgbClr val="FF0000"/>
-                </a:solidFill>
-              </a:rPr>
-              <a:t>and</a:t>
-            </a:r>
-            <a:r>
-              <a:rPr lang="zh-CN" altLang="en-US" dirty="0">
-                <a:solidFill>
-                  <a:srgbClr val="FF0000"/>
-                </a:solidFill>
-              </a:rPr>
-              <a:t> </a:t>
-            </a:r>
-            <a:r>
-              <a:rPr lang="en-US" altLang="zh-CN" dirty="0">
-                <a:solidFill>
-                  <a:srgbClr val="FF0000"/>
-                </a:solidFill>
-              </a:rPr>
-              <a:t>structure</a:t>
-            </a:r>
-            <a:r>
-              <a:rPr lang="zh-CN" altLang="en-US" dirty="0">
-                <a:solidFill>
-                  <a:srgbClr val="FF0000"/>
-                </a:solidFill>
-              </a:rPr>
-              <a:t> </a:t>
-            </a:r>
-            <a:r>
-              <a:rPr lang="en-US" altLang="zh-CN" dirty="0" err="1">
-                <a:solidFill>
-                  <a:srgbClr val="FF0000"/>
-                </a:solidFill>
-              </a:rPr>
-              <a:t>pdb</a:t>
-            </a:r>
-            <a:r>
-              <a:rPr lang="zh-CN" altLang="en-US" dirty="0">
-                <a:solidFill>
-                  <a:srgbClr val="FF0000"/>
-                </a:solidFill>
-              </a:rPr>
-              <a:t> </a:t>
-            </a:r>
-            <a:r>
-              <a:rPr lang="en-US" altLang="zh-CN" dirty="0">
-                <a:solidFill>
-                  <a:srgbClr val="FF0000"/>
-                </a:solidFill>
-              </a:rPr>
-              <a:t>files</a:t>
-            </a:r>
-            <a:endParaRPr lang="en-US" dirty="0">
-              <a:solidFill>
-                <a:srgbClr val="FF0000"/>
-              </a:solidFill>
-            </a:endParaRPr>
-          </a:p>
-        </p:txBody>
-      </p:sp>
-    </p:spTree>
-    <p:extLst>
-      <p:ext uri="{BB962C8B-B14F-4D97-AF65-F5344CB8AC3E}">
-        <p14:creationId xmlns:p14="http://schemas.microsoft.com/office/powerpoint/2010/main" val="2273542674"/>
-      </p:ext>
-    </p:extLst>
-  </p:cSld>
-  <p:clrMapOvr>
-    <a:masterClrMapping/>
-  </p:clrMapOvr>
-</p:sld>
-</file>
-
-<file path=ppt/slides/slide12.xml><?xml version="1.0" encoding="utf-8"?>
-<p:sld xmlns:a="http://schemas.openxmlformats.org/drawingml/2006/main" xmlns:r="http://schemas.openxmlformats.org/officeDocument/2006/relationships" xmlns:p="http://schemas.openxmlformats.org/presentationml/2006/main">
-  <p:cSld>
-    <p:spTree>
-      <p:nvGrpSpPr>
-        <p:cNvPr id="1" name=""/>
-        <p:cNvGrpSpPr/>
-        <p:nvPr/>
-      </p:nvGrpSpPr>
-      <p:grpSpPr>
-        <a:xfrm>
-          <a:off x="0" y="0"/>
-          <a:ext cx="0" cy="0"/>
-          <a:chOff x="0" y="0"/>
-          <a:chExt cx="0" cy="0"/>
-        </a:xfrm>
-      </p:grpSpPr>
-      <p:pic>
-        <p:nvPicPr>
-          <p:cNvPr id="3" name="Picture 2">
-            <a:extLst>
-              <a:ext uri="{FF2B5EF4-FFF2-40B4-BE49-F238E27FC236}">
-                <a16:creationId xmlns:a16="http://schemas.microsoft.com/office/drawing/2014/main" id="{A0A0EC22-66EC-CEAB-8DE0-98F3EBDD8F7F}"/>
-              </a:ext>
-            </a:extLst>
-          </p:cNvPr>
-          <p:cNvPicPr>
-            <a:picLocks noChangeAspect="1"/>
-          </p:cNvPicPr>
-          <p:nvPr/>
-        </p:nvPicPr>
-        <p:blipFill>
-          <a:blip r:embed="rId2"/>
-          <a:stretch>
-            <a:fillRect/>
-          </a:stretch>
-        </p:blipFill>
-        <p:spPr>
-          <a:xfrm>
-            <a:off x="1209909" y="1205453"/>
-            <a:ext cx="9772182" cy="1628697"/>
-          </a:xfrm>
-          <a:prstGeom prst="rect">
-            <a:avLst/>
-          </a:prstGeom>
-        </p:spPr>
-      </p:pic>
-      <p:sp>
-        <p:nvSpPr>
-          <p:cNvPr id="2" name="Title 1">
-            <a:extLst>
-              <a:ext uri="{FF2B5EF4-FFF2-40B4-BE49-F238E27FC236}">
-                <a16:creationId xmlns:a16="http://schemas.microsoft.com/office/drawing/2014/main" id="{1FEDE80B-BEC2-8045-94AB-8DB0B282E18C}"/>
-              </a:ext>
-            </a:extLst>
-          </p:cNvPr>
-          <p:cNvSpPr>
-            <a:spLocks noGrp="1"/>
-          </p:cNvSpPr>
-          <p:nvPr>
-            <p:ph type="title"/>
-          </p:nvPr>
-        </p:nvSpPr>
-        <p:spPr/>
-        <p:txBody>
-          <a:bodyPr/>
-          <a:lstStyle/>
-          <a:p>
-            <a:r>
-              <a:rPr lang="en-US" altLang="zh-CN" dirty="0"/>
-              <a:t>10</a:t>
-            </a:r>
-            <a:r>
-              <a:rPr lang="en-US" altLang="zh-CN" baseline="30000" dirty="0"/>
-              <a:t>th</a:t>
-            </a:r>
-            <a:r>
-              <a:rPr lang="zh-CN" altLang="en-US" dirty="0"/>
-              <a:t> </a:t>
-            </a:r>
-            <a:r>
-              <a:rPr lang="en-US" altLang="zh-CN" dirty="0"/>
-              <a:t>Structure</a:t>
-            </a:r>
-            <a:r>
-              <a:rPr lang="zh-CN" altLang="en-US" dirty="0"/>
-              <a:t> </a:t>
-            </a:r>
-            <a:r>
-              <a:rPr lang="en-US" altLang="zh-CN" dirty="0"/>
-              <a:t>Visualization</a:t>
-            </a:r>
-            <a:endParaRPr lang="en-US" dirty="0"/>
-          </a:p>
-        </p:txBody>
-      </p:sp>
-      <p:sp>
-        <p:nvSpPr>
-          <p:cNvPr id="5" name="Rectangle 4">
-            <a:extLst>
-              <a:ext uri="{FF2B5EF4-FFF2-40B4-BE49-F238E27FC236}">
-                <a16:creationId xmlns:a16="http://schemas.microsoft.com/office/drawing/2014/main" id="{7A0AF655-6B31-524D-AEAC-3B2AC8834DAD}"/>
-              </a:ext>
-            </a:extLst>
-          </p:cNvPr>
-          <p:cNvSpPr/>
-          <p:nvPr/>
-        </p:nvSpPr>
-        <p:spPr>
-          <a:xfrm>
-            <a:off x="1325088" y="1645848"/>
-            <a:ext cx="308757" cy="373954"/>
-          </a:xfrm>
-          <a:prstGeom prst="rect">
-            <a:avLst/>
-          </a:prstGeom>
-          <a:noFill/>
-          <a:ln w="28575">
-            <a:solidFill>
-              <a:srgbClr val="FF0000"/>
-            </a:solidFill>
-          </a:ln>
-        </p:spPr>
-        <p:style>
-          <a:lnRef idx="2">
-            <a:schemeClr val="dk1"/>
-          </a:lnRef>
-          <a:fillRef idx="1">
-            <a:schemeClr val="lt1"/>
-          </a:fillRef>
-          <a:effectRef idx="0">
-            <a:schemeClr val="dk1"/>
-          </a:effectRef>
-          <a:fontRef idx="minor">
-            <a:schemeClr val="dk1"/>
-          </a:fontRef>
-        </p:style>
-        <p:txBody>
-          <a:bodyPr rtlCol="0" anchor="ctr"/>
-          <a:lstStyle/>
-          <a:p>
-            <a:pPr algn="ctr"/>
-            <a:endParaRPr lang="en-US"/>
-          </a:p>
-        </p:txBody>
-      </p:sp>
-      <p:sp>
-        <p:nvSpPr>
-          <p:cNvPr id="6" name="TextBox 5">
-            <a:extLst>
-              <a:ext uri="{FF2B5EF4-FFF2-40B4-BE49-F238E27FC236}">
-                <a16:creationId xmlns:a16="http://schemas.microsoft.com/office/drawing/2014/main" id="{CD011359-B87D-4840-B956-B27285520642}"/>
-              </a:ext>
-            </a:extLst>
-          </p:cNvPr>
-          <p:cNvSpPr txBox="1"/>
-          <p:nvPr/>
-        </p:nvSpPr>
-        <p:spPr>
-          <a:xfrm>
-            <a:off x="648194" y="2108259"/>
-            <a:ext cx="3621977" cy="369332"/>
-          </a:xfrm>
-          <a:prstGeom prst="rect">
-            <a:avLst/>
-          </a:prstGeom>
-          <a:noFill/>
-        </p:spPr>
-        <p:txBody>
-          <a:bodyPr wrap="square" rtlCol="0">
-            <a:spAutoFit/>
-          </a:bodyPr>
-          <a:lstStyle/>
-          <a:p>
-            <a:r>
-              <a:rPr lang="en-US" altLang="zh-CN" dirty="0">
-                <a:solidFill>
-                  <a:srgbClr val="FF0000"/>
-                </a:solidFill>
-              </a:rPr>
-              <a:t>Click</a:t>
-            </a:r>
-            <a:r>
-              <a:rPr lang="zh-CN" altLang="en-US" dirty="0">
-                <a:solidFill>
-                  <a:srgbClr val="FF0000"/>
-                </a:solidFill>
-              </a:rPr>
-              <a:t> </a:t>
-            </a:r>
-            <a:r>
-              <a:rPr lang="en-US" altLang="zh-CN" dirty="0">
-                <a:solidFill>
-                  <a:srgbClr val="FF0000"/>
-                </a:solidFill>
-              </a:rPr>
-              <a:t>here</a:t>
-            </a:r>
-            <a:r>
-              <a:rPr lang="zh-CN" altLang="en-US" dirty="0">
-                <a:solidFill>
-                  <a:srgbClr val="FF0000"/>
-                </a:solidFill>
-              </a:rPr>
-              <a:t> </a:t>
-            </a:r>
-            <a:r>
-              <a:rPr lang="en-US" altLang="zh-CN" dirty="0">
-                <a:solidFill>
-                  <a:srgbClr val="FF0000"/>
-                </a:solidFill>
-              </a:rPr>
-              <a:t>to</a:t>
-            </a:r>
-            <a:r>
-              <a:rPr lang="zh-CN" altLang="en-US" dirty="0">
-                <a:solidFill>
-                  <a:srgbClr val="FF0000"/>
-                </a:solidFill>
-              </a:rPr>
-              <a:t> </a:t>
-            </a:r>
-            <a:r>
-              <a:rPr lang="en-US" altLang="zh-CN" dirty="0">
-                <a:solidFill>
-                  <a:srgbClr val="FF0000"/>
-                </a:solidFill>
-              </a:rPr>
-              <a:t>visualize</a:t>
-            </a:r>
-            <a:endParaRPr lang="en-US" dirty="0">
-              <a:solidFill>
-                <a:srgbClr val="FF0000"/>
-              </a:solidFill>
-            </a:endParaRPr>
-          </a:p>
-        </p:txBody>
-      </p:sp>
-      <p:pic>
-        <p:nvPicPr>
-          <p:cNvPr id="9" name="Picture 8">
-            <a:extLst>
-              <a:ext uri="{FF2B5EF4-FFF2-40B4-BE49-F238E27FC236}">
-                <a16:creationId xmlns:a16="http://schemas.microsoft.com/office/drawing/2014/main" id="{2E9C6102-6F06-06E8-DB9E-883983A4A16F}"/>
-              </a:ext>
-            </a:extLst>
-          </p:cNvPr>
-          <p:cNvPicPr>
-            <a:picLocks noChangeAspect="1"/>
-          </p:cNvPicPr>
-          <p:nvPr/>
-        </p:nvPicPr>
-        <p:blipFill>
-          <a:blip r:embed="rId3"/>
-          <a:stretch>
-            <a:fillRect/>
-          </a:stretch>
-        </p:blipFill>
-        <p:spPr>
-          <a:xfrm>
-            <a:off x="2771156" y="2895162"/>
-            <a:ext cx="5295900" cy="3213100"/>
-          </a:xfrm>
-          <a:prstGeom prst="rect">
-            <a:avLst/>
-          </a:prstGeom>
-        </p:spPr>
-      </p:pic>
-    </p:spTree>
-    <p:extLst>
-      <p:ext uri="{BB962C8B-B14F-4D97-AF65-F5344CB8AC3E}">
-        <p14:creationId xmlns:p14="http://schemas.microsoft.com/office/powerpoint/2010/main" val="1378924758"/>
-      </p:ext>
-    </p:extLst>
-  </p:cSld>
-  <p:clrMapOvr>
-    <a:masterClrMapping/>
-  </p:clrMapOvr>
-</p:sld>
-</file>
-
-<file path=ppt/slides/slide13.xml><?xml version="1.0" encoding="utf-8"?>
-<p:sld xmlns:a="http://schemas.openxmlformats.org/drawingml/2006/main" xmlns:r="http://schemas.openxmlformats.org/officeDocument/2006/relationships" xmlns:p="http://schemas.openxmlformats.org/presentationml/2006/main">
-  <p:cSld>
-    <p:spTree>
-      <p:nvGrpSpPr>
-        <p:cNvPr id="1" name=""/>
-        <p:cNvGrpSpPr/>
-        <p:nvPr/>
-      </p:nvGrpSpPr>
-      <p:grpSpPr>
-        <a:xfrm>
-          <a:off x="0" y="0"/>
-          <a:ext cx="0" cy="0"/>
-          <a:chOff x="0" y="0"/>
-          <a:chExt cx="0" cy="0"/>
-        </a:xfrm>
-      </p:grpSpPr>
-      <p:sp>
-        <p:nvSpPr>
-          <p:cNvPr id="2" name="Title 1">
-            <a:extLst>
-              <a:ext uri="{FF2B5EF4-FFF2-40B4-BE49-F238E27FC236}">
-                <a16:creationId xmlns:a16="http://schemas.microsoft.com/office/drawing/2014/main" id="{2060A6F2-FD51-CC47-A5B7-AD93C32E1369}"/>
-              </a:ext>
-            </a:extLst>
-          </p:cNvPr>
-          <p:cNvSpPr>
-            <a:spLocks noGrp="1"/>
-          </p:cNvSpPr>
-          <p:nvPr>
-            <p:ph type="title"/>
-          </p:nvPr>
-        </p:nvSpPr>
-        <p:spPr/>
-        <p:txBody>
-          <a:bodyPr/>
-          <a:lstStyle/>
-          <a:p>
-            <a:r>
-              <a:rPr lang="en-US" altLang="zh-CN" dirty="0"/>
-              <a:t>Contact</a:t>
-            </a:r>
-            <a:endParaRPr lang="en-US" dirty="0"/>
-          </a:p>
-        </p:txBody>
-      </p:sp>
-      <p:sp>
-        <p:nvSpPr>
-          <p:cNvPr id="3" name="Content Placeholder 2">
-            <a:extLst>
-              <a:ext uri="{FF2B5EF4-FFF2-40B4-BE49-F238E27FC236}">
-                <a16:creationId xmlns:a16="http://schemas.microsoft.com/office/drawing/2014/main" id="{D937B5BC-CBD2-2A45-A5ED-5CDB32CD6103}"/>
-              </a:ext>
-            </a:extLst>
-          </p:cNvPr>
-          <p:cNvSpPr>
-            <a:spLocks noGrp="1"/>
-          </p:cNvSpPr>
-          <p:nvPr>
-            <p:ph idx="1"/>
-          </p:nvPr>
-        </p:nvSpPr>
-        <p:spPr/>
-        <p:txBody>
-          <a:bodyPr/>
-          <a:lstStyle/>
-          <a:p>
-            <a:r>
-              <a:rPr lang="en-US" altLang="zh-CN" dirty="0"/>
-              <a:t>Professor:</a:t>
-            </a:r>
-          </a:p>
-          <a:p>
-            <a:r>
-              <a:rPr lang="en-US" altLang="zh-CN" dirty="0"/>
-              <a:t>Daisuke</a:t>
-            </a:r>
-            <a:r>
-              <a:rPr lang="zh-CN" altLang="en-US" dirty="0"/>
-              <a:t> </a:t>
-            </a:r>
-            <a:r>
-              <a:rPr lang="en-US" altLang="zh-CN" dirty="0" err="1"/>
-              <a:t>Kihara</a:t>
-            </a:r>
-            <a:r>
-              <a:rPr lang="zh-CN" altLang="en-US" dirty="0"/>
-              <a:t> </a:t>
-            </a:r>
-            <a:r>
-              <a:rPr lang="en-US" altLang="zh-CN" dirty="0"/>
-              <a:t>(</a:t>
-            </a:r>
-            <a:r>
-              <a:rPr lang="en-US" altLang="zh-CN" dirty="0">
-                <a:hlinkClick r:id="rId2"/>
-              </a:rPr>
-              <a:t>dkihara@purdue.edu</a:t>
-            </a:r>
-            <a:r>
-              <a:rPr lang="en-US" altLang="zh-CN" dirty="0"/>
-              <a:t>)</a:t>
-            </a:r>
-          </a:p>
-          <a:p>
-            <a:endParaRPr lang="en-US" dirty="0"/>
-          </a:p>
-          <a:p>
-            <a:r>
-              <a:rPr lang="en-US" altLang="zh-CN" dirty="0"/>
-              <a:t>Developer:</a:t>
-            </a:r>
-          </a:p>
-          <a:p>
-            <a:r>
-              <a:rPr lang="en-US" altLang="zh-CN" dirty="0"/>
-              <a:t>Xiao</a:t>
-            </a:r>
-            <a:r>
-              <a:rPr lang="zh-CN" altLang="en-US" dirty="0"/>
-              <a:t> </a:t>
-            </a:r>
-            <a:r>
-              <a:rPr lang="en-US" altLang="zh-CN" dirty="0"/>
-              <a:t>Wang</a:t>
-            </a:r>
-            <a:r>
-              <a:rPr lang="zh-CN" altLang="en-US" dirty="0"/>
-              <a:t> </a:t>
-            </a:r>
-            <a:r>
-              <a:rPr lang="en-US" altLang="zh-CN" dirty="0"/>
-              <a:t>(</a:t>
-            </a:r>
-            <a:r>
-              <a:rPr lang="en-US" altLang="zh-CN" dirty="0">
-                <a:hlinkClick r:id="rId3"/>
-              </a:rPr>
-              <a:t>wang3702@purdue.edu</a:t>
-            </a:r>
-            <a:r>
-              <a:rPr lang="en-US" altLang="zh-CN" dirty="0"/>
-              <a:t>)</a:t>
-            </a:r>
-            <a:endParaRPr lang="en-US" dirty="0"/>
-          </a:p>
-        </p:txBody>
-      </p:sp>
-    </p:spTree>
-    <p:extLst>
-      <p:ext uri="{BB962C8B-B14F-4D97-AF65-F5344CB8AC3E}">
-        <p14:creationId xmlns:p14="http://schemas.microsoft.com/office/powerpoint/2010/main" val="3490670645"/>
-      </p:ext>
-    </p:extLst>
-  </p:cSld>
-  <p:clrMapOvr>
-    <a:masterClrMapping/>
-  </p:clrMapOvr>
-</p:sld>
-</file>
-
-<file path=ppt/slides/slide14.xml><?xml version="1.0" encoding="utf-8"?>
-<p:sld xmlns:a="http://schemas.openxmlformats.org/drawingml/2006/main" xmlns:r="http://schemas.openxmlformats.org/officeDocument/2006/relationships" xmlns:p="http://schemas.openxmlformats.org/presentationml/2006/main">
-  <p:cSld>
-    <p:spTree>
-      <p:nvGrpSpPr>
-        <p:cNvPr id="1" name=""/>
-        <p:cNvGrpSpPr/>
-        <p:nvPr/>
-      </p:nvGrpSpPr>
-      <p:grpSpPr>
-        <a:xfrm>
-          <a:off x="0" y="0"/>
-          <a:ext cx="0" cy="0"/>
-          <a:chOff x="0" y="0"/>
-          <a:chExt cx="0" cy="0"/>
-        </a:xfrm>
-      </p:grpSpPr>
-      <p:sp>
-        <p:nvSpPr>
-          <p:cNvPr id="2" name="Rectangle 1">
-            <a:extLst>
-              <a:ext uri="{FF2B5EF4-FFF2-40B4-BE49-F238E27FC236}">
-                <a16:creationId xmlns:a16="http://schemas.microsoft.com/office/drawing/2014/main" id="{0AB11C23-7A95-EC48-9EF8-4998FEAAE2B7}"/>
-              </a:ext>
-            </a:extLst>
-          </p:cNvPr>
-          <p:cNvSpPr/>
-          <p:nvPr/>
-        </p:nvSpPr>
-        <p:spPr>
-          <a:xfrm>
-            <a:off x="4408517" y="2967335"/>
-            <a:ext cx="3374963" cy="923330"/>
-          </a:xfrm>
-          <a:prstGeom prst="rect">
-            <a:avLst/>
-          </a:prstGeom>
-          <a:noFill/>
-        </p:spPr>
-        <p:txBody>
-          <a:bodyPr wrap="none" lIns="91440" tIns="45720" rIns="91440" bIns="45720">
-            <a:spAutoFit/>
-          </a:bodyPr>
-          <a:lstStyle/>
-          <a:p>
-            <a:pPr algn="ctr"/>
-            <a:r>
-              <a:rPr lang="en-US" altLang="zh-CN" sz="5400" b="1" cap="none" spc="0" dirty="0">
-                <a:ln w="9525">
-                  <a:solidFill>
-                    <a:schemeClr val="bg1"/>
-                  </a:solidFill>
-                  <a:prstDash val="solid"/>
-                </a:ln>
-                <a:solidFill>
-                  <a:schemeClr val="accent5"/>
-                </a:solidFill>
-                <a:effectLst>
-                  <a:outerShdw blurRad="12700" dist="38100" dir="2700000" algn="tl" rotWithShape="0">
-                    <a:schemeClr val="accent5">
-                      <a:lumMod val="60000"/>
-                      <a:lumOff val="40000"/>
-                    </a:schemeClr>
-                  </a:outerShdw>
-                </a:effectLst>
-              </a:rPr>
-              <a:t>Thank</a:t>
-            </a:r>
-            <a:r>
-              <a:rPr lang="zh-CN" altLang="en-US" sz="5400" b="1" cap="none" spc="0" dirty="0">
-                <a:ln w="9525">
-                  <a:solidFill>
-                    <a:schemeClr val="bg1"/>
-                  </a:solidFill>
-                  <a:prstDash val="solid"/>
-                </a:ln>
-                <a:solidFill>
-                  <a:schemeClr val="accent5"/>
-                </a:solidFill>
-                <a:effectLst>
-                  <a:outerShdw blurRad="12700" dist="38100" dir="2700000" algn="tl" rotWithShape="0">
-                    <a:schemeClr val="accent5">
-                      <a:lumMod val="60000"/>
-                      <a:lumOff val="40000"/>
-                    </a:schemeClr>
-                  </a:outerShdw>
-                </a:effectLst>
-              </a:rPr>
-              <a:t> </a:t>
-            </a:r>
-            <a:r>
-              <a:rPr lang="en-US" altLang="zh-CN" sz="5400" b="1" cap="none" spc="0" dirty="0">
-                <a:ln w="9525">
-                  <a:solidFill>
-                    <a:schemeClr val="bg1"/>
-                  </a:solidFill>
-                  <a:prstDash val="solid"/>
-                </a:ln>
-                <a:solidFill>
-                  <a:schemeClr val="accent5"/>
-                </a:solidFill>
-                <a:effectLst>
-                  <a:outerShdw blurRad="12700" dist="38100" dir="2700000" algn="tl" rotWithShape="0">
-                    <a:schemeClr val="accent5">
-                      <a:lumMod val="60000"/>
-                      <a:lumOff val="40000"/>
-                    </a:schemeClr>
-                  </a:outerShdw>
-                </a:effectLst>
-              </a:rPr>
-              <a:t>You</a:t>
-            </a:r>
-            <a:r>
-              <a:rPr lang="en-US" altLang="zh-CN" sz="5400" b="1" dirty="0">
-                <a:ln w="9525">
-                  <a:solidFill>
-                    <a:schemeClr val="bg1"/>
-                  </a:solidFill>
-                  <a:prstDash val="solid"/>
-                </a:ln>
-                <a:solidFill>
-                  <a:schemeClr val="accent5"/>
-                </a:solidFill>
-                <a:effectLst>
-                  <a:outerShdw blurRad="12700" dist="38100" dir="2700000" algn="tl" rotWithShape="0">
-                    <a:schemeClr val="accent5">
-                      <a:lumMod val="60000"/>
-                      <a:lumOff val="40000"/>
-                    </a:schemeClr>
-                  </a:outerShdw>
-                </a:effectLst>
-              </a:rPr>
-              <a:t>!</a:t>
-            </a:r>
-            <a:endParaRPr lang="en-US" sz="5400" b="1" cap="none" spc="0" dirty="0">
-              <a:ln w="9525">
-                <a:solidFill>
-                  <a:schemeClr val="bg1"/>
-                </a:solidFill>
-                <a:prstDash val="solid"/>
-              </a:ln>
-              <a:solidFill>
-                <a:schemeClr val="accent5"/>
-              </a:solidFill>
-              <a:effectLst>
-                <a:outerShdw blurRad="12700" dist="38100" dir="2700000" algn="tl" rotWithShape="0">
-                  <a:schemeClr val="accent5">
-                    <a:lumMod val="60000"/>
-                    <a:lumOff val="40000"/>
-                  </a:schemeClr>
-                </a:outerShdw>
-              </a:effectLst>
-            </a:endParaRPr>
-          </a:p>
-        </p:txBody>
-      </p:sp>
-    </p:spTree>
-    <p:extLst>
-      <p:ext uri="{BB962C8B-B14F-4D97-AF65-F5344CB8AC3E}">
-        <p14:creationId xmlns:p14="http://schemas.microsoft.com/office/powerpoint/2010/main" val="230687441"/>
-      </p:ext>
-    </p:extLst>
-  </p:cSld>
-  <p:clrMapOvr>
-    <a:masterClrMapping/>
-  </p:clrMapOvr>
-</p:sld>
-</file>
-
-<file path=ppt/slides/slide2.xml><?xml version="1.0" encoding="utf-8"?>
-<p:sld xmlns:a="http://schemas.openxmlformats.org/drawingml/2006/main" xmlns:r="http://schemas.openxmlformats.org/officeDocument/2006/relationships" xmlns:p="http://schemas.openxmlformats.org/presentationml/2006/main">
-  <p:cSld>
-    <p:spTree>
-      <p:nvGrpSpPr>
-        <p:cNvPr id="1" name=""/>
-        <p:cNvGrpSpPr/>
-        <p:nvPr/>
-      </p:nvGrpSpPr>
-      <p:grpSpPr>
-        <a:xfrm>
-          <a:off x="0" y="0"/>
-          <a:ext cx="0" cy="0"/>
-          <a:chOff x="0" y="0"/>
-          <a:chExt cx="0" cy="0"/>
-        </a:xfrm>
-      </p:grpSpPr>
-      <p:sp>
-        <p:nvSpPr>
-          <p:cNvPr id="2" name="Title 1">
-            <a:extLst>
-              <a:ext uri="{FF2B5EF4-FFF2-40B4-BE49-F238E27FC236}">
-                <a16:creationId xmlns:a16="http://schemas.microsoft.com/office/drawing/2014/main" id="{5B26988A-2AEC-3E45-BAD6-DC7D92F75D0A}"/>
-              </a:ext>
-            </a:extLst>
-          </p:cNvPr>
-          <p:cNvSpPr>
-            <a:spLocks noGrp="1"/>
-          </p:cNvSpPr>
-          <p:nvPr>
-            <p:ph type="title"/>
-          </p:nvPr>
-        </p:nvSpPr>
-        <p:spPr/>
-        <p:txBody>
-          <a:bodyPr/>
-          <a:lstStyle/>
-          <a:p>
-            <a:r>
-              <a:rPr lang="en-US" altLang="zh-CN" dirty="0"/>
-              <a:t>Code</a:t>
-            </a:r>
-            <a:r>
-              <a:rPr lang="zh-CN" altLang="en-US" dirty="0"/>
-              <a:t> </a:t>
-            </a:r>
-            <a:r>
-              <a:rPr lang="en-US" altLang="zh-CN" dirty="0"/>
-              <a:t>and</a:t>
-            </a:r>
-            <a:r>
-              <a:rPr lang="zh-CN" altLang="en-US" dirty="0"/>
-              <a:t> </a:t>
-            </a:r>
-            <a:r>
-              <a:rPr lang="en-US" altLang="zh-CN" dirty="0"/>
-              <a:t>Platform</a:t>
-            </a:r>
-            <a:endParaRPr lang="en-US" dirty="0"/>
-          </a:p>
-        </p:txBody>
-      </p:sp>
-      <p:sp>
-        <p:nvSpPr>
-          <p:cNvPr id="3" name="Content Placeholder 2">
-            <a:extLst>
-              <a:ext uri="{FF2B5EF4-FFF2-40B4-BE49-F238E27FC236}">
-                <a16:creationId xmlns:a16="http://schemas.microsoft.com/office/drawing/2014/main" id="{7B1E136A-903A-DD41-9C51-3F472339321B}"/>
-              </a:ext>
-            </a:extLst>
-          </p:cNvPr>
-          <p:cNvSpPr>
-            <a:spLocks noGrp="1"/>
-          </p:cNvSpPr>
-          <p:nvPr>
-            <p:ph idx="1"/>
-          </p:nvPr>
-        </p:nvSpPr>
-        <p:spPr/>
-        <p:txBody>
-          <a:bodyPr/>
-          <a:lstStyle/>
-          <a:p>
-            <a:r>
-              <a:rPr lang="en-US" altLang="zh-CN" dirty="0"/>
-              <a:t>Code:</a:t>
-            </a:r>
-          </a:p>
-          <a:p>
-            <a:r>
-              <a:rPr lang="en-US" dirty="0">
-                <a:hlinkClick r:id="rId2"/>
-              </a:rPr>
-              <a:t>https://github.com/kiharalab/CryoREAD</a:t>
-            </a:r>
-            <a:r>
-              <a:rPr lang="zh-CN" altLang="en-US" dirty="0"/>
-              <a:t> </a:t>
-            </a:r>
-            <a:endParaRPr lang="en-US" dirty="0"/>
-          </a:p>
-          <a:p>
-            <a:r>
-              <a:rPr lang="en-US" altLang="zh-CN" dirty="0"/>
-              <a:t>Platform:</a:t>
-            </a:r>
-          </a:p>
-          <a:p>
-            <a:r>
-              <a:rPr lang="en-US" dirty="0">
-                <a:hlinkClick r:id="rId3"/>
-              </a:rPr>
-              <a:t>https://bit.ly/CryoREAD</a:t>
-            </a:r>
-            <a:r>
-              <a:rPr lang="zh-CN" altLang="en-US" dirty="0"/>
-              <a:t> </a:t>
-            </a:r>
-            <a:endParaRPr lang="en-US" dirty="0"/>
-          </a:p>
-          <a:p>
-            <a:r>
-              <a:rPr lang="en-US" altLang="zh-CN" dirty="0"/>
-              <a:t>We</a:t>
-            </a:r>
-            <a:r>
-              <a:rPr lang="zh-CN" altLang="en-US" dirty="0"/>
-              <a:t> </a:t>
-            </a:r>
-            <a:r>
-              <a:rPr lang="en-US" altLang="zh-CN" dirty="0"/>
-              <a:t>suggest:</a:t>
-            </a:r>
-            <a:r>
-              <a:rPr lang="zh-CN" altLang="en-US" dirty="0"/>
-              <a:t> </a:t>
-            </a:r>
-            <a:endParaRPr lang="en-US" altLang="zh-CN" dirty="0"/>
-          </a:p>
-          <a:p>
-            <a:pPr marL="0" indent="0">
-              <a:buNone/>
-            </a:pPr>
-            <a:r>
-              <a:rPr lang="en-US" altLang="zh-CN" dirty="0"/>
-              <a:t>Chrome</a:t>
-            </a:r>
-            <a:r>
-              <a:rPr lang="zh-CN" altLang="en-US" dirty="0"/>
-              <a:t> </a:t>
-            </a:r>
-            <a:r>
-              <a:rPr lang="en-US" altLang="zh-CN" dirty="0"/>
-              <a:t>Browser</a:t>
-            </a:r>
-            <a:r>
-              <a:rPr lang="zh-CN" altLang="en-US" dirty="0"/>
-              <a:t> </a:t>
-            </a:r>
-            <a:endParaRPr lang="en-US" dirty="0"/>
-          </a:p>
-          <a:p>
-            <a:endParaRPr lang="en-US" dirty="0"/>
-          </a:p>
-        </p:txBody>
-      </p:sp>
-      <p:pic>
-        <p:nvPicPr>
-          <p:cNvPr id="1026" name="Picture 2" descr="Google Chrome - Wikipedia">
-            <a:extLst>
-              <a:ext uri="{FF2B5EF4-FFF2-40B4-BE49-F238E27FC236}">
-                <a16:creationId xmlns:a16="http://schemas.microsoft.com/office/drawing/2014/main" id="{CAFBFBF7-7B65-5841-8D7E-0DCED179410A}"/>
-              </a:ext>
-            </a:extLst>
-          </p:cNvPr>
-          <p:cNvPicPr>
-            <a:picLocks noChangeAspect="1" noChangeArrowheads="1"/>
-          </p:cNvPicPr>
-          <p:nvPr/>
-        </p:nvPicPr>
-        <p:blipFill>
-          <a:blip r:embed="rId4">
-            <a:extLst>
-              <a:ext uri="{28A0092B-C50C-407E-A947-70E740481C1C}">
-                <a14:useLocalDpi xmlns:a14="http://schemas.microsoft.com/office/drawing/2010/main" val="0"/>
-              </a:ext>
-            </a:extLst>
-          </a:blip>
-          <a:srcRect/>
-          <a:stretch>
-            <a:fillRect/>
-          </a:stretch>
-        </p:blipFill>
-        <p:spPr bwMode="auto">
-          <a:xfrm>
-            <a:off x="2203978" y="4988906"/>
-            <a:ext cx="1322994" cy="1322994"/>
-          </a:xfrm>
-          <a:prstGeom prst="rect">
-            <a:avLst/>
-          </a:prstGeom>
-          <a:noFill/>
-          <a:extLst>
-            <a:ext uri="{909E8E84-426E-40DD-AFC4-6F175D3DCCD1}">
-              <a14:hiddenFill xmlns:a14="http://schemas.microsoft.com/office/drawing/2010/main">
-                <a:solidFill>
-                  <a:srgbClr val="FFFFFF"/>
-                </a:solidFill>
-              </a14:hiddenFill>
-            </a:ext>
-          </a:extLst>
-        </p:spPr>
-      </p:pic>
-      <p:pic>
-        <p:nvPicPr>
-          <p:cNvPr id="6" name="Picture 5">
-            <a:extLst>
-              <a:ext uri="{FF2B5EF4-FFF2-40B4-BE49-F238E27FC236}">
-                <a16:creationId xmlns:a16="http://schemas.microsoft.com/office/drawing/2014/main" id="{C40A252E-96EF-66E2-28C0-10E0D02E7848}"/>
-              </a:ext>
-            </a:extLst>
-          </p:cNvPr>
-          <p:cNvPicPr>
-            <a:picLocks noChangeAspect="1"/>
-          </p:cNvPicPr>
-          <p:nvPr/>
-        </p:nvPicPr>
-        <p:blipFill>
-          <a:blip r:embed="rId5"/>
-          <a:stretch>
-            <a:fillRect/>
-          </a:stretch>
-        </p:blipFill>
-        <p:spPr>
-          <a:xfrm>
-            <a:off x="4892750" y="3276337"/>
-            <a:ext cx="6123276" cy="2610896"/>
-          </a:xfrm>
-          <a:prstGeom prst="rect">
-            <a:avLst/>
-          </a:prstGeom>
-        </p:spPr>
-      </p:pic>
-    </p:spTree>
-    <p:extLst>
-      <p:ext uri="{BB962C8B-B14F-4D97-AF65-F5344CB8AC3E}">
-        <p14:creationId xmlns:p14="http://schemas.microsoft.com/office/powerpoint/2010/main" val="1989060748"/>
-      </p:ext>
-    </p:extLst>
-  </p:cSld>
-  <p:clrMapOvr>
-    <a:masterClrMapping/>
-  </p:clrMapOvr>
-</p:sld>
-</file>
-
-<file path=ppt/slides/slide3.xml><?xml version="1.0" encoding="utf-8"?>
-<p:sld xmlns:a="http://schemas.openxmlformats.org/drawingml/2006/main" xmlns:r="http://schemas.openxmlformats.org/officeDocument/2006/relationships" xmlns:p="http://schemas.openxmlformats.org/presentationml/2006/main">
-  <p:cSld>
-    <p:spTree>
-      <p:nvGrpSpPr>
-        <p:cNvPr id="1" name=""/>
-        <p:cNvGrpSpPr/>
-        <p:nvPr/>
-      </p:nvGrpSpPr>
-      <p:grpSpPr>
-        <a:xfrm>
-          <a:off x="0" y="0"/>
-          <a:ext cx="0" cy="0"/>
-          <a:chOff x="0" y="0"/>
-          <a:chExt cx="0" cy="0"/>
-        </a:xfrm>
-      </p:grpSpPr>
-      <p:pic>
-        <p:nvPicPr>
           <p:cNvPr id="3" name="Picture 2">
             <a:extLst>
               <a:ext uri="{FF2B5EF4-FFF2-40B4-BE49-F238E27FC236}">
@@ -5512,7 +3841,7 @@
 </p:sld>
 </file>
 
-<file path=ppt/slides/slide4.xml><?xml version="1.0" encoding="utf-8"?>
+<file path=ppt/slides/slide11.xml><?xml version="1.0" encoding="utf-8"?>
 <p:sld xmlns:a="http://schemas.openxmlformats.org/drawingml/2006/main" xmlns:r="http://schemas.openxmlformats.org/officeDocument/2006/relationships" xmlns:p="http://schemas.openxmlformats.org/presentationml/2006/main">
   <p:cSld>
     <p:spTree>
@@ -5973,7 +4302,7 @@
 </p:sld>
 </file>
 
-<file path=ppt/slides/slide5.xml><?xml version="1.0" encoding="utf-8"?>
+<file path=ppt/slides/slide12.xml><?xml version="1.0" encoding="utf-8"?>
 <p:sld xmlns:a="http://schemas.openxmlformats.org/drawingml/2006/main" xmlns:r="http://schemas.openxmlformats.org/officeDocument/2006/relationships" xmlns:p="http://schemas.openxmlformats.org/presentationml/2006/main">
   <p:cSld>
     <p:spTree>
@@ -6321,372 +4650,7 @@
 </p:sld>
 </file>
 
-<file path=ppt/slides/slide6.xml><?xml version="1.0" encoding="utf-8"?>
-<p:sld xmlns:a="http://schemas.openxmlformats.org/drawingml/2006/main" xmlns:r="http://schemas.openxmlformats.org/officeDocument/2006/relationships" xmlns:p="http://schemas.openxmlformats.org/presentationml/2006/main">
-  <p:cSld>
-    <p:spTree>
-      <p:nvGrpSpPr>
-        <p:cNvPr id="1" name=""/>
-        <p:cNvGrpSpPr/>
-        <p:nvPr/>
-      </p:nvGrpSpPr>
-      <p:grpSpPr>
-        <a:xfrm>
-          <a:off x="0" y="0"/>
-          <a:ext cx="0" cy="0"/>
-          <a:chOff x="0" y="0"/>
-          <a:chExt cx="0" cy="0"/>
-        </a:xfrm>
-      </p:grpSpPr>
-      <p:pic>
-        <p:nvPicPr>
-          <p:cNvPr id="4" name="Picture 3">
-            <a:extLst>
-              <a:ext uri="{FF2B5EF4-FFF2-40B4-BE49-F238E27FC236}">
-                <a16:creationId xmlns:a16="http://schemas.microsoft.com/office/drawing/2014/main" id="{2601563B-AD3B-0109-1964-788ABAA7C629}"/>
-              </a:ext>
-            </a:extLst>
-          </p:cNvPr>
-          <p:cNvPicPr>
-            <a:picLocks noChangeAspect="1"/>
-          </p:cNvPicPr>
-          <p:nvPr/>
-        </p:nvPicPr>
-        <p:blipFill>
-          <a:blip r:embed="rId2"/>
-          <a:stretch>
-            <a:fillRect/>
-          </a:stretch>
-        </p:blipFill>
-        <p:spPr>
-          <a:xfrm>
-            <a:off x="570296" y="1929727"/>
-            <a:ext cx="11051407" cy="1461779"/>
-          </a:xfrm>
-          <a:prstGeom prst="rect">
-            <a:avLst/>
-          </a:prstGeom>
-        </p:spPr>
-      </p:pic>
-      <p:sp>
-        <p:nvSpPr>
-          <p:cNvPr id="2" name="Title 1">
-            <a:extLst>
-              <a:ext uri="{FF2B5EF4-FFF2-40B4-BE49-F238E27FC236}">
-                <a16:creationId xmlns:a16="http://schemas.microsoft.com/office/drawing/2014/main" id="{B9260983-EF63-3C4F-AA32-CAE51A388850}"/>
-              </a:ext>
-            </a:extLst>
-          </p:cNvPr>
-          <p:cNvSpPr>
-            <a:spLocks noGrp="1"/>
-          </p:cNvSpPr>
-          <p:nvPr>
-            <p:ph type="title"/>
-          </p:nvPr>
-        </p:nvSpPr>
-        <p:spPr/>
-        <p:txBody>
-          <a:bodyPr/>
-          <a:lstStyle/>
-          <a:p>
-            <a:r>
-              <a:rPr lang="en-US" altLang="zh-CN" dirty="0"/>
-              <a:t>4</a:t>
-            </a:r>
-            <a:r>
-              <a:rPr lang="en-US" altLang="zh-CN" baseline="30000" dirty="0"/>
-              <a:t>th</a:t>
-            </a:r>
-            <a:r>
-              <a:rPr lang="zh-CN" altLang="en-US" dirty="0"/>
-              <a:t> </a:t>
-            </a:r>
-            <a:r>
-              <a:rPr lang="en-US" altLang="zh-CN" dirty="0"/>
-              <a:t>step:</a:t>
-            </a:r>
-            <a:r>
-              <a:rPr lang="zh-CN" altLang="en-US" dirty="0"/>
-              <a:t> </a:t>
-            </a:r>
-            <a:r>
-              <a:rPr lang="en-US" altLang="zh-CN" dirty="0"/>
-              <a:t>Install</a:t>
-            </a:r>
-            <a:r>
-              <a:rPr lang="zh-CN" altLang="en-US" dirty="0"/>
-              <a:t> </a:t>
-            </a:r>
-            <a:r>
-              <a:rPr lang="en-US" altLang="zh-CN" dirty="0"/>
-              <a:t>dependencies</a:t>
-            </a:r>
-            <a:r>
-              <a:rPr lang="zh-CN" altLang="en-US" dirty="0"/>
-              <a:t> </a:t>
-            </a:r>
-            <a:r>
-              <a:rPr lang="en-US" altLang="zh-CN" dirty="0"/>
-              <a:t>for</a:t>
-            </a:r>
-            <a:r>
-              <a:rPr lang="zh-CN" altLang="en-US" dirty="0"/>
-              <a:t> </a:t>
-            </a:r>
-            <a:r>
-              <a:rPr lang="en-US" altLang="zh-CN" dirty="0"/>
-              <a:t>refinement</a:t>
-            </a:r>
-            <a:endParaRPr lang="en-US" dirty="0"/>
-          </a:p>
-        </p:txBody>
-      </p:sp>
-      <p:sp>
-        <p:nvSpPr>
-          <p:cNvPr id="5" name="Rectangle 4">
-            <a:extLst>
-              <a:ext uri="{FF2B5EF4-FFF2-40B4-BE49-F238E27FC236}">
-                <a16:creationId xmlns:a16="http://schemas.microsoft.com/office/drawing/2014/main" id="{2E8BBCF6-F4DC-9948-9FFD-836AE103CFE2}"/>
-              </a:ext>
-            </a:extLst>
-          </p:cNvPr>
-          <p:cNvSpPr/>
-          <p:nvPr/>
-        </p:nvSpPr>
-        <p:spPr>
-          <a:xfrm>
-            <a:off x="700645" y="2324905"/>
-            <a:ext cx="308757" cy="335711"/>
-          </a:xfrm>
-          <a:prstGeom prst="rect">
-            <a:avLst/>
-          </a:prstGeom>
-          <a:noFill/>
-          <a:ln w="28575">
-            <a:solidFill>
-              <a:srgbClr val="FF0000"/>
-            </a:solidFill>
-          </a:ln>
-        </p:spPr>
-        <p:style>
-          <a:lnRef idx="2">
-            <a:schemeClr val="dk1"/>
-          </a:lnRef>
-          <a:fillRef idx="1">
-            <a:schemeClr val="lt1"/>
-          </a:fillRef>
-          <a:effectRef idx="0">
-            <a:schemeClr val="dk1"/>
-          </a:effectRef>
-          <a:fontRef idx="minor">
-            <a:schemeClr val="dk1"/>
-          </a:fontRef>
-        </p:style>
-        <p:txBody>
-          <a:bodyPr rtlCol="0" anchor="ctr"/>
-          <a:lstStyle/>
-          <a:p>
-            <a:pPr algn="ctr"/>
-            <a:endParaRPr lang="en-US"/>
-          </a:p>
-        </p:txBody>
-      </p:sp>
-      <p:sp>
-        <p:nvSpPr>
-          <p:cNvPr id="6" name="TextBox 5">
-            <a:extLst>
-              <a:ext uri="{FF2B5EF4-FFF2-40B4-BE49-F238E27FC236}">
-                <a16:creationId xmlns:a16="http://schemas.microsoft.com/office/drawing/2014/main" id="{5506CDEB-9D0B-7C4C-A08A-9DEEFC7E42B5}"/>
-              </a:ext>
-            </a:extLst>
-          </p:cNvPr>
-          <p:cNvSpPr txBox="1"/>
-          <p:nvPr/>
-        </p:nvSpPr>
-        <p:spPr>
-          <a:xfrm>
-            <a:off x="308758" y="2714989"/>
-            <a:ext cx="3230088" cy="369332"/>
-          </a:xfrm>
-          <a:prstGeom prst="rect">
-            <a:avLst/>
-          </a:prstGeom>
-          <a:noFill/>
-        </p:spPr>
-        <p:txBody>
-          <a:bodyPr wrap="square" rtlCol="0">
-            <a:spAutoFit/>
-          </a:bodyPr>
-          <a:lstStyle/>
-          <a:p>
-            <a:r>
-              <a:rPr lang="en-US" altLang="zh-CN" dirty="0">
-                <a:solidFill>
-                  <a:srgbClr val="FF0000"/>
-                </a:solidFill>
-              </a:rPr>
-              <a:t>Check</a:t>
-            </a:r>
-            <a:r>
-              <a:rPr lang="zh-CN" altLang="en-US" dirty="0">
-                <a:solidFill>
-                  <a:srgbClr val="FF0000"/>
-                </a:solidFill>
-              </a:rPr>
-              <a:t> </a:t>
-            </a:r>
-            <a:r>
-              <a:rPr lang="en-US" altLang="zh-CN" dirty="0">
-                <a:solidFill>
-                  <a:srgbClr val="FF0000"/>
-                </a:solidFill>
-              </a:rPr>
-              <a:t>here</a:t>
-            </a:r>
-            <a:r>
-              <a:rPr lang="zh-CN" altLang="en-US" dirty="0">
-                <a:solidFill>
-                  <a:srgbClr val="FF0000"/>
-                </a:solidFill>
-              </a:rPr>
-              <a:t> </a:t>
-            </a:r>
-            <a:r>
-              <a:rPr lang="en-US" altLang="zh-CN" dirty="0">
-                <a:solidFill>
-                  <a:srgbClr val="FF0000"/>
-                </a:solidFill>
-              </a:rPr>
-              <a:t>to</a:t>
-            </a:r>
-            <a:r>
-              <a:rPr lang="zh-CN" altLang="en-US" dirty="0">
-                <a:solidFill>
-                  <a:srgbClr val="FF0000"/>
-                </a:solidFill>
-              </a:rPr>
-              <a:t> </a:t>
-            </a:r>
-            <a:r>
-              <a:rPr lang="en-US" altLang="zh-CN" dirty="0">
-                <a:solidFill>
-                  <a:srgbClr val="FF0000"/>
-                </a:solidFill>
-              </a:rPr>
-              <a:t>run</a:t>
-            </a:r>
-            <a:endParaRPr lang="en-US" dirty="0">
-              <a:solidFill>
-                <a:srgbClr val="FF0000"/>
-              </a:solidFill>
-            </a:endParaRPr>
-          </a:p>
-        </p:txBody>
-      </p:sp>
-      <p:sp>
-        <p:nvSpPr>
-          <p:cNvPr id="12" name="TextBox 11">
-            <a:extLst>
-              <a:ext uri="{FF2B5EF4-FFF2-40B4-BE49-F238E27FC236}">
-                <a16:creationId xmlns:a16="http://schemas.microsoft.com/office/drawing/2014/main" id="{AAB71C84-A815-51E0-8FFB-3112780FE4EA}"/>
-              </a:ext>
-            </a:extLst>
-          </p:cNvPr>
-          <p:cNvSpPr txBox="1"/>
-          <p:nvPr/>
-        </p:nvSpPr>
-        <p:spPr>
-          <a:xfrm>
-            <a:off x="855023" y="3445879"/>
-            <a:ext cx="3230088" cy="369332"/>
-          </a:xfrm>
-          <a:prstGeom prst="rect">
-            <a:avLst/>
-          </a:prstGeom>
-          <a:noFill/>
-        </p:spPr>
-        <p:txBody>
-          <a:bodyPr wrap="square" rtlCol="0">
-            <a:spAutoFit/>
-          </a:bodyPr>
-          <a:lstStyle/>
-          <a:p>
-            <a:r>
-              <a:rPr lang="en-US" altLang="zh-CN" b="1" dirty="0">
-                <a:solidFill>
-                  <a:srgbClr val="FF0000"/>
-                </a:solidFill>
-              </a:rPr>
-              <a:t>Expected</a:t>
-            </a:r>
-            <a:r>
-              <a:rPr lang="zh-CN" altLang="en-US" b="1" dirty="0">
-                <a:solidFill>
-                  <a:srgbClr val="FF0000"/>
-                </a:solidFill>
-              </a:rPr>
-              <a:t> </a:t>
-            </a:r>
-            <a:r>
-              <a:rPr lang="en-US" altLang="zh-CN" b="1" dirty="0">
-                <a:solidFill>
-                  <a:srgbClr val="FF0000"/>
-                </a:solidFill>
-              </a:rPr>
-              <a:t>Output</a:t>
-            </a:r>
-            <a:endParaRPr lang="en-US" b="1" dirty="0">
-              <a:solidFill>
-                <a:srgbClr val="FF0000"/>
-              </a:solidFill>
-            </a:endParaRPr>
-          </a:p>
-        </p:txBody>
-      </p:sp>
-      <p:pic>
-        <p:nvPicPr>
-          <p:cNvPr id="9" name="Picture 8">
-            <a:extLst>
-              <a:ext uri="{FF2B5EF4-FFF2-40B4-BE49-F238E27FC236}">
-                <a16:creationId xmlns:a16="http://schemas.microsoft.com/office/drawing/2014/main" id="{E25FD993-FF2A-3804-7947-143D573BAAEB}"/>
-              </a:ext>
-            </a:extLst>
-          </p:cNvPr>
-          <p:cNvPicPr>
-            <a:picLocks noChangeAspect="1"/>
-          </p:cNvPicPr>
-          <p:nvPr/>
-        </p:nvPicPr>
-        <p:blipFill>
-          <a:blip r:embed="rId3"/>
-          <a:stretch>
-            <a:fillRect/>
-          </a:stretch>
-        </p:blipFill>
-        <p:spPr>
-          <a:xfrm>
-            <a:off x="2956956" y="3353931"/>
-            <a:ext cx="5707084" cy="3219002"/>
-          </a:xfrm>
-          <a:prstGeom prst="rect">
-            <a:avLst/>
-          </a:prstGeom>
-        </p:spPr>
-      </p:pic>
-    </p:spTree>
-    <p:extLst>
-      <p:ext uri="{BB962C8B-B14F-4D97-AF65-F5344CB8AC3E}">
-        <p14:creationId xmlns:p14="http://schemas.microsoft.com/office/powerpoint/2010/main" val="3209974199"/>
-      </p:ext>
-    </p:extLst>
-  </p:cSld>
-  <p:clrMapOvr>
-    <a:masterClrMapping/>
-  </p:clrMapOvr>
-</p:sld>
-</file>
-
-<file path=ppt/slides/slide7.xml><?xml version="1.0" encoding="utf-8"?>
+<file path=ppt/slides/slide13.xml><?xml version="1.0" encoding="utf-8"?>
 <p:sld xmlns:a="http://schemas.openxmlformats.org/drawingml/2006/main" xmlns:r="http://schemas.openxmlformats.org/officeDocument/2006/relationships" xmlns:p="http://schemas.openxmlformats.org/presentationml/2006/main">
   <p:cSld>
     <p:spTree>
@@ -6816,7 +4780,7 @@
           <a:p>
             <a:r>
               <a:rPr lang="en-US" altLang="zh-CN" dirty="0"/>
-              <a:t>5</a:t>
+              <a:t>4</a:t>
             </a:r>
             <a:r>
               <a:rPr lang="en-US" altLang="zh-CN" baseline="30000" dirty="0"/>
@@ -6934,70 +4898,20 @@
       </p:sp>
       <p:sp>
         <p:nvSpPr>
-          <p:cNvPr id="9" name="Rectangle 8">
-            <a:extLst>
-              <a:ext uri="{FF2B5EF4-FFF2-40B4-BE49-F238E27FC236}">
-                <a16:creationId xmlns:a16="http://schemas.microsoft.com/office/drawing/2014/main" id="{1E3BCE3C-6709-B64E-8B98-8B3C1CCD3206}"/>
-              </a:ext>
-            </a:extLst>
-          </p:cNvPr>
-          <p:cNvSpPr/>
+          <p:cNvPr id="11" name="TextBox 10">
+            <a:extLst>
+              <a:ext uri="{FF2B5EF4-FFF2-40B4-BE49-F238E27FC236}">
+                <a16:creationId xmlns:a16="http://schemas.microsoft.com/office/drawing/2014/main" id="{3ACE016C-C190-8B45-B398-311A87AEEB1E}"/>
+              </a:ext>
+            </a:extLst>
+          </p:cNvPr>
+          <p:cNvSpPr txBox="1"/>
           <p:nvPr/>
         </p:nvSpPr>
         <p:spPr>
           <a:xfrm>
-            <a:off x="2241635" y="3103524"/>
-            <a:ext cx="308757" cy="373954"/>
-          </a:xfrm>
-          <a:prstGeom prst="rect">
-            <a:avLst/>
-          </a:prstGeom>
-          <a:noFill/>
-          <a:ln w="28575">
-            <a:solidFill>
-              <a:srgbClr val="FF0000"/>
-            </a:solidFill>
-          </a:ln>
-        </p:spPr>
-        <p:style>
-          <a:lnRef idx="2">
-            <a:schemeClr val="dk1"/>
-          </a:lnRef>
-          <a:fillRef idx="1">
-            <a:schemeClr val="lt1"/>
-          </a:fillRef>
-          <a:effectRef idx="0">
-            <a:schemeClr val="dk1"/>
-          </a:effectRef>
-          <a:fontRef idx="minor">
-            <a:schemeClr val="dk1"/>
-          </a:fontRef>
-        </p:style>
-        <p:txBody>
-          <a:bodyPr rtlCol="0" anchor="ctr"/>
-          <a:lstStyle/>
-          <a:p>
-            <a:pPr algn="ctr"/>
-            <a:endParaRPr lang="en-US"/>
-          </a:p>
-        </p:txBody>
-      </p:sp>
-      <p:sp>
-        <p:nvSpPr>
-          <p:cNvPr id="10" name="TextBox 9">
-            <a:extLst>
-              <a:ext uri="{FF2B5EF4-FFF2-40B4-BE49-F238E27FC236}">
-                <a16:creationId xmlns:a16="http://schemas.microsoft.com/office/drawing/2014/main" id="{6E0FC7F1-1EE1-874D-B6CB-B5505209D7C4}"/>
-              </a:ext>
-            </a:extLst>
-          </p:cNvPr>
-          <p:cNvSpPr txBox="1"/>
-          <p:nvPr/>
-        </p:nvSpPr>
-        <p:spPr>
-          <a:xfrm>
-            <a:off x="2550392" y="2967335"/>
-            <a:ext cx="3230088" cy="923330"/>
+            <a:off x="8683998" y="2160509"/>
+            <a:ext cx="3230088" cy="1477328"/>
           </a:xfrm>
           <a:prstGeom prst="rect">
             <a:avLst/>
@@ -7016,641 +4930,196 @@
                   <a:srgbClr val="FF0000"/>
                 </a:solidFill>
               </a:rPr>
-              <a:t>1.</a:t>
-            </a:r>
-            <a:r>
-              <a:rPr lang="zh-CN" altLang="en-US" dirty="0">
-                <a:solidFill>
-                  <a:srgbClr val="FF0000"/>
-                </a:solidFill>
-              </a:rPr>
-              <a:t> </a:t>
-            </a:r>
-            <a:r>
-              <a:rPr lang="en-US" altLang="zh-CN" dirty="0">
-                <a:solidFill>
-                  <a:srgbClr val="FF0000"/>
-                </a:solidFill>
-              </a:rPr>
-              <a:t>If</a:t>
-            </a:r>
-            <a:r>
-              <a:rPr lang="zh-CN" altLang="en-US" dirty="0">
-                <a:solidFill>
-                  <a:srgbClr val="FF0000"/>
-                </a:solidFill>
-              </a:rPr>
-              <a:t> </a:t>
-            </a:r>
-            <a:r>
-              <a:rPr lang="en-US" altLang="zh-CN" dirty="0">
-                <a:solidFill>
-                  <a:srgbClr val="FF0000"/>
-                </a:solidFill>
-              </a:rPr>
-              <a:t>you</a:t>
-            </a:r>
-            <a:r>
-              <a:rPr lang="zh-CN" altLang="en-US" dirty="0">
-                <a:solidFill>
-                  <a:srgbClr val="FF0000"/>
-                </a:solidFill>
-              </a:rPr>
-              <a:t> </a:t>
-            </a:r>
-            <a:r>
-              <a:rPr lang="en-US" altLang="zh-CN" dirty="0">
-                <a:solidFill>
-                  <a:srgbClr val="FF0000"/>
-                </a:solidFill>
-              </a:rPr>
-              <a:t>want</a:t>
-            </a:r>
-            <a:r>
-              <a:rPr lang="zh-CN" altLang="en-US" dirty="0">
-                <a:solidFill>
-                  <a:srgbClr val="FF0000"/>
-                </a:solidFill>
-              </a:rPr>
-              <a:t> </a:t>
-            </a:r>
-            <a:r>
-              <a:rPr lang="en-US" altLang="zh-CN" dirty="0">
-                <a:solidFill>
-                  <a:srgbClr val="FF0000"/>
-                </a:solidFill>
-              </a:rPr>
-              <a:t>to</a:t>
-            </a:r>
-            <a:r>
-              <a:rPr lang="zh-CN" altLang="en-US" dirty="0">
-                <a:solidFill>
-                  <a:srgbClr val="FF0000"/>
-                </a:solidFill>
-              </a:rPr>
-              <a:t> </a:t>
-            </a:r>
-            <a:r>
-              <a:rPr lang="en-US" altLang="zh-CN" dirty="0">
-                <a:solidFill>
-                  <a:srgbClr val="FF0000"/>
-                </a:solidFill>
-              </a:rPr>
-              <a:t>test</a:t>
-            </a:r>
-            <a:r>
-              <a:rPr lang="zh-CN" altLang="en-US" dirty="0">
-                <a:solidFill>
-                  <a:srgbClr val="FF0000"/>
-                </a:solidFill>
-              </a:rPr>
-              <a:t> </a:t>
-            </a:r>
-            <a:r>
-              <a:rPr lang="en-US" altLang="zh-CN" dirty="0">
-                <a:solidFill>
-                  <a:srgbClr val="FF0000"/>
-                </a:solidFill>
-              </a:rPr>
-              <a:t>with</a:t>
-            </a:r>
-            <a:r>
-              <a:rPr lang="zh-CN" altLang="en-US" dirty="0">
-                <a:solidFill>
-                  <a:srgbClr val="FF0000"/>
-                </a:solidFill>
-              </a:rPr>
-              <a:t> </a:t>
-            </a:r>
-            <a:r>
-              <a:rPr lang="en-US" altLang="zh-CN" dirty="0">
-                <a:solidFill>
-                  <a:srgbClr val="FF0000"/>
-                </a:solidFill>
-              </a:rPr>
-              <a:t>our</a:t>
-            </a:r>
-            <a:r>
-              <a:rPr lang="zh-CN" altLang="en-US" dirty="0">
-                <a:solidFill>
-                  <a:srgbClr val="FF0000"/>
-                </a:solidFill>
-              </a:rPr>
-              <a:t> </a:t>
-            </a:r>
-            <a:r>
-              <a:rPr lang="en-US" altLang="zh-CN" dirty="0">
-                <a:solidFill>
-                  <a:srgbClr val="FF0000"/>
-                </a:solidFill>
-              </a:rPr>
-              <a:t>example,</a:t>
-            </a:r>
-            <a:r>
-              <a:rPr lang="zh-CN" altLang="en-US" dirty="0">
-                <a:solidFill>
-                  <a:srgbClr val="FF0000"/>
-                </a:solidFill>
-              </a:rPr>
-              <a:t> </a:t>
-            </a:r>
-            <a:r>
-              <a:rPr lang="en-US" altLang="zh-CN" dirty="0">
-                <a:solidFill>
-                  <a:srgbClr val="FF0000"/>
-                </a:solidFill>
-              </a:rPr>
-              <a:t>click</a:t>
-            </a:r>
-            <a:r>
-              <a:rPr lang="zh-CN" altLang="en-US" dirty="0">
-                <a:solidFill>
-                  <a:srgbClr val="FF0000"/>
-                </a:solidFill>
-              </a:rPr>
-              <a:t> </a:t>
-            </a:r>
-            <a:r>
-              <a:rPr lang="en-US" altLang="zh-CN" dirty="0">
-                <a:solidFill>
-                  <a:srgbClr val="FF0000"/>
-                </a:solidFill>
-              </a:rPr>
-              <a:t>this</a:t>
-            </a:r>
-            <a:r>
-              <a:rPr lang="zh-CN" altLang="en-US" dirty="0">
-                <a:solidFill>
-                  <a:srgbClr val="FF0000"/>
-                </a:solidFill>
-              </a:rPr>
-              <a:t> </a:t>
-            </a:r>
-            <a:r>
-              <a:rPr lang="en-US" altLang="zh-CN" dirty="0">
-                <a:solidFill>
-                  <a:srgbClr val="FF0000"/>
-                </a:solidFill>
-              </a:rPr>
-              <a:t>first.</a:t>
-            </a:r>
-            <a:r>
-              <a:rPr lang="zh-CN" altLang="en-US" dirty="0">
-                <a:solidFill>
-                  <a:srgbClr val="FF0000"/>
-                </a:solidFill>
-              </a:rPr>
-              <a:t> </a:t>
-            </a:r>
-            <a:r>
-              <a:rPr lang="en-US" altLang="zh-CN" dirty="0">
-                <a:solidFill>
-                  <a:srgbClr val="FF0000"/>
-                </a:solidFill>
-              </a:rPr>
-              <a:t>Otherwise,</a:t>
-            </a:r>
-            <a:r>
-              <a:rPr lang="zh-CN" altLang="en-US" dirty="0">
-                <a:solidFill>
-                  <a:srgbClr val="FF0000"/>
-                </a:solidFill>
-              </a:rPr>
-              <a:t> </a:t>
-            </a:r>
-            <a:r>
-              <a:rPr lang="en-US" altLang="zh-CN" dirty="0">
-                <a:solidFill>
-                  <a:srgbClr val="FF0000"/>
-                </a:solidFill>
-              </a:rPr>
-              <a:t>skip</a:t>
-            </a:r>
-            <a:r>
-              <a:rPr lang="zh-CN" altLang="en-US" dirty="0">
-                <a:solidFill>
-                  <a:srgbClr val="FF0000"/>
-                </a:solidFill>
-              </a:rPr>
-              <a:t> </a:t>
-            </a:r>
-            <a:r>
-              <a:rPr lang="en-US" altLang="zh-CN" dirty="0">
-                <a:solidFill>
-                  <a:srgbClr val="FF0000"/>
-                </a:solidFill>
-              </a:rPr>
-              <a:t>it.</a:t>
+              <a:t>Three</a:t>
+            </a:r>
+            <a:r>
+              <a:rPr lang="zh-CN" altLang="en-US" dirty="0">
+                <a:solidFill>
+                  <a:srgbClr val="FF0000"/>
+                </a:solidFill>
+              </a:rPr>
+              <a:t> </a:t>
+            </a:r>
+            <a:r>
+              <a:rPr lang="en-US" altLang="zh-CN" dirty="0">
+                <a:solidFill>
+                  <a:srgbClr val="FF0000"/>
+                </a:solidFill>
+              </a:rPr>
+              <a:t>Configuration</a:t>
+            </a:r>
+            <a:r>
+              <a:rPr lang="zh-CN" altLang="en-US" dirty="0">
+                <a:solidFill>
+                  <a:srgbClr val="FF0000"/>
+                </a:solidFill>
+              </a:rPr>
+              <a:t> </a:t>
+            </a:r>
+            <a:r>
+              <a:rPr lang="en-US" altLang="zh-CN" dirty="0">
+                <a:solidFill>
+                  <a:srgbClr val="FF0000"/>
+                </a:solidFill>
+              </a:rPr>
+              <a:t>choice:</a:t>
+            </a:r>
+          </a:p>
+          <a:p>
+            <a:pPr marL="342900" indent="-342900">
+              <a:buAutoNum type="arabicPeriod"/>
+            </a:pPr>
+            <a:r>
+              <a:rPr lang="en-US" altLang="zh-CN" dirty="0">
+                <a:solidFill>
+                  <a:srgbClr val="FF0000"/>
+                </a:solidFill>
+              </a:rPr>
+              <a:t>Use</a:t>
+            </a:r>
+            <a:r>
+              <a:rPr lang="zh-CN" altLang="en-US" dirty="0">
+                <a:solidFill>
+                  <a:srgbClr val="FF0000"/>
+                </a:solidFill>
+              </a:rPr>
+              <a:t> </a:t>
+            </a:r>
+            <a:r>
+              <a:rPr lang="en-US" altLang="zh-CN" dirty="0">
+                <a:solidFill>
+                  <a:srgbClr val="FF0000"/>
+                </a:solidFill>
+              </a:rPr>
+              <a:t>author</a:t>
+            </a:r>
+            <a:r>
+              <a:rPr lang="zh-CN" altLang="en-US" dirty="0">
+                <a:solidFill>
+                  <a:srgbClr val="FF0000"/>
+                </a:solidFill>
+              </a:rPr>
+              <a:t> </a:t>
+            </a:r>
+            <a:r>
+              <a:rPr lang="en-US" altLang="zh-CN" dirty="0">
+                <a:solidFill>
+                  <a:srgbClr val="FF0000"/>
+                </a:solidFill>
+              </a:rPr>
+              <a:t>example</a:t>
+            </a:r>
+          </a:p>
+          <a:p>
+            <a:pPr marL="342900" indent="-342900">
+              <a:buAutoNum type="arabicPeriod"/>
+            </a:pPr>
+            <a:r>
+              <a:rPr lang="en-US" altLang="zh-CN" dirty="0">
+                <a:solidFill>
+                  <a:srgbClr val="FF0000"/>
+                </a:solidFill>
+              </a:rPr>
+              <a:t>Specify</a:t>
+            </a:r>
+            <a:r>
+              <a:rPr lang="zh-CN" altLang="en-US" dirty="0">
+                <a:solidFill>
+                  <a:srgbClr val="FF0000"/>
+                </a:solidFill>
+              </a:rPr>
+              <a:t> </a:t>
+            </a:r>
+            <a:r>
+              <a:rPr lang="en-US" altLang="zh-CN" dirty="0">
+                <a:solidFill>
+                  <a:srgbClr val="FF0000"/>
+                </a:solidFill>
+              </a:rPr>
+              <a:t>Download</a:t>
+            </a:r>
+            <a:r>
+              <a:rPr lang="zh-CN" altLang="en-US" dirty="0">
+                <a:solidFill>
+                  <a:srgbClr val="FF0000"/>
+                </a:solidFill>
+              </a:rPr>
+              <a:t> </a:t>
+            </a:r>
+            <a:r>
+              <a:rPr lang="en-US" altLang="zh-CN" dirty="0">
+                <a:solidFill>
+                  <a:srgbClr val="FF0000"/>
+                </a:solidFill>
+              </a:rPr>
+              <a:t>link</a:t>
+            </a:r>
+            <a:r>
+              <a:rPr lang="zh-CN" altLang="en-US" dirty="0">
+                <a:solidFill>
+                  <a:srgbClr val="FF0000"/>
+                </a:solidFill>
+              </a:rPr>
+              <a:t> </a:t>
+            </a:r>
+            <a:r>
+              <a:rPr lang="en-US" altLang="zh-CN" dirty="0">
+                <a:solidFill>
+                  <a:srgbClr val="FF0000"/>
+                </a:solidFill>
+              </a:rPr>
+              <a:t>in</a:t>
+            </a:r>
+            <a:r>
+              <a:rPr lang="zh-CN" altLang="en-US" dirty="0">
+                <a:solidFill>
+                  <a:srgbClr val="FF0000"/>
+                </a:solidFill>
+              </a:rPr>
+              <a:t> </a:t>
+            </a:r>
+            <a:r>
+              <a:rPr lang="en-US" altLang="zh-CN" dirty="0">
+                <a:solidFill>
+                  <a:srgbClr val="FF0000"/>
+                </a:solidFill>
+              </a:rPr>
+              <a:t>EMDB</a:t>
+            </a:r>
+          </a:p>
+          <a:p>
+            <a:pPr marL="342900" indent="-342900">
+              <a:buAutoNum type="arabicPeriod"/>
+            </a:pPr>
+            <a:r>
+              <a:rPr lang="en-US" altLang="zh-CN" dirty="0">
+                <a:solidFill>
+                  <a:srgbClr val="FF0000"/>
+                </a:solidFill>
+              </a:rPr>
+              <a:t>Upload</a:t>
+            </a:r>
+            <a:r>
+              <a:rPr lang="zh-CN" altLang="en-US" dirty="0">
+                <a:solidFill>
+                  <a:srgbClr val="FF0000"/>
+                </a:solidFill>
+              </a:rPr>
+              <a:t> </a:t>
+            </a:r>
+            <a:r>
+              <a:rPr lang="en-US" altLang="zh-CN" dirty="0">
+                <a:solidFill>
+                  <a:srgbClr val="FF0000"/>
+                </a:solidFill>
+              </a:rPr>
+              <a:t>map</a:t>
             </a:r>
             <a:endParaRPr lang="en-US" dirty="0">
               <a:solidFill>
                 <a:srgbClr val="FF0000"/>
               </a:solidFill>
             </a:endParaRPr>
-          </a:p>
-        </p:txBody>
-      </p:sp>
-      <p:sp>
-        <p:nvSpPr>
-          <p:cNvPr id="11" name="TextBox 10">
-            <a:extLst>
-              <a:ext uri="{FF2B5EF4-FFF2-40B4-BE49-F238E27FC236}">
-                <a16:creationId xmlns:a16="http://schemas.microsoft.com/office/drawing/2014/main" id="{3ACE016C-C190-8B45-B398-311A87AEEB1E}"/>
-              </a:ext>
-            </a:extLst>
-          </p:cNvPr>
-          <p:cNvSpPr txBox="1"/>
-          <p:nvPr/>
-        </p:nvSpPr>
-        <p:spPr>
-          <a:xfrm>
-            <a:off x="1235033" y="1497471"/>
-            <a:ext cx="3230088" cy="369332"/>
-          </a:xfrm>
-          <a:prstGeom prst="rect">
-            <a:avLst/>
-          </a:prstGeom>
-          <a:noFill/>
-        </p:spPr>
-        <p:txBody>
-          <a:bodyPr wrap="square" rtlCol="0">
-            <a:spAutoFit/>
-          </a:bodyPr>
-          <a:lstStyle/>
-          <a:p>
-            <a:r>
-              <a:rPr lang="en-US" altLang="zh-CN" dirty="0">
-                <a:solidFill>
-                  <a:srgbClr val="FF0000"/>
-                </a:solidFill>
-              </a:rPr>
-              <a:t>3</a:t>
-            </a:r>
-            <a:r>
-              <a:rPr lang="zh-CN" altLang="en-US" dirty="0">
-                <a:solidFill>
-                  <a:srgbClr val="FF0000"/>
-                </a:solidFill>
-              </a:rPr>
-              <a:t> </a:t>
-            </a:r>
-            <a:r>
-              <a:rPr lang="en-US" altLang="zh-CN" dirty="0">
-                <a:solidFill>
-                  <a:srgbClr val="FF0000"/>
-                </a:solidFill>
-              </a:rPr>
-              <a:t>Click</a:t>
-            </a:r>
-            <a:r>
-              <a:rPr lang="zh-CN" altLang="en-US" dirty="0">
-                <a:solidFill>
-                  <a:srgbClr val="FF0000"/>
-                </a:solidFill>
-              </a:rPr>
-              <a:t> </a:t>
-            </a:r>
-            <a:r>
-              <a:rPr lang="en-US" altLang="zh-CN" dirty="0">
-                <a:solidFill>
-                  <a:srgbClr val="FF0000"/>
-                </a:solidFill>
-              </a:rPr>
-              <a:t>this</a:t>
-            </a:r>
-            <a:r>
-              <a:rPr lang="zh-CN" altLang="en-US" dirty="0">
-                <a:solidFill>
-                  <a:srgbClr val="FF0000"/>
-                </a:solidFill>
-              </a:rPr>
-              <a:t> </a:t>
-            </a:r>
-            <a:r>
-              <a:rPr lang="en-US" altLang="zh-CN" dirty="0">
-                <a:solidFill>
-                  <a:srgbClr val="FF0000"/>
-                </a:solidFill>
-              </a:rPr>
-              <a:t>to</a:t>
-            </a:r>
-            <a:r>
-              <a:rPr lang="zh-CN" altLang="en-US" dirty="0">
-                <a:solidFill>
-                  <a:srgbClr val="FF0000"/>
-                </a:solidFill>
-              </a:rPr>
-              <a:t> </a:t>
-            </a:r>
-            <a:r>
-              <a:rPr lang="en-US" altLang="zh-CN" dirty="0">
-                <a:solidFill>
-                  <a:srgbClr val="FF0000"/>
-                </a:solidFill>
-              </a:rPr>
-              <a:t>run</a:t>
-            </a:r>
-            <a:endParaRPr lang="en-US" dirty="0">
-              <a:solidFill>
-                <a:srgbClr val="FF0000"/>
-              </a:solidFill>
-            </a:endParaRPr>
-          </a:p>
-        </p:txBody>
-      </p:sp>
-      <p:sp>
-        <p:nvSpPr>
-          <p:cNvPr id="12" name="TextBox 11">
-            <a:extLst>
-              <a:ext uri="{FF2B5EF4-FFF2-40B4-BE49-F238E27FC236}">
-                <a16:creationId xmlns:a16="http://schemas.microsoft.com/office/drawing/2014/main" id="{6688314A-F13E-214F-9111-F2980DCF0F6A}"/>
-              </a:ext>
-            </a:extLst>
-          </p:cNvPr>
-          <p:cNvSpPr txBox="1"/>
-          <p:nvPr/>
-        </p:nvSpPr>
-        <p:spPr>
-          <a:xfrm>
-            <a:off x="1126175" y="3981033"/>
-            <a:ext cx="3849585" cy="646331"/>
-          </a:xfrm>
-          <a:prstGeom prst="rect">
-            <a:avLst/>
-          </a:prstGeom>
-          <a:noFill/>
-        </p:spPr>
-        <p:txBody>
-          <a:bodyPr wrap="square" rtlCol="0">
-            <a:spAutoFit/>
-          </a:bodyPr>
-          <a:lstStyle/>
-          <a:p>
-            <a:r>
-              <a:rPr lang="en-US" altLang="zh-CN" dirty="0">
-                <a:solidFill>
-                  <a:srgbClr val="FF0000"/>
-                </a:solidFill>
-              </a:rPr>
-              <a:t>4</a:t>
-            </a:r>
-            <a:r>
-              <a:rPr lang="zh-CN" altLang="en-US" dirty="0">
-                <a:solidFill>
-                  <a:srgbClr val="FF0000"/>
-                </a:solidFill>
-              </a:rPr>
-              <a:t> </a:t>
-            </a:r>
-            <a:r>
-              <a:rPr lang="en-US" altLang="zh-CN" dirty="0">
-                <a:solidFill>
-                  <a:srgbClr val="FF0000"/>
-                </a:solidFill>
-              </a:rPr>
-              <a:t>Click</a:t>
-            </a:r>
-            <a:r>
-              <a:rPr lang="zh-CN" altLang="en-US" dirty="0">
-                <a:solidFill>
-                  <a:srgbClr val="FF0000"/>
-                </a:solidFill>
-              </a:rPr>
-              <a:t> </a:t>
-            </a:r>
-            <a:r>
-              <a:rPr lang="en-US" altLang="zh-CN" dirty="0">
-                <a:solidFill>
-                  <a:srgbClr val="FF0000"/>
-                </a:solidFill>
-              </a:rPr>
-              <a:t>this</a:t>
-            </a:r>
-            <a:r>
-              <a:rPr lang="zh-CN" altLang="en-US" dirty="0">
-                <a:solidFill>
-                  <a:srgbClr val="FF0000"/>
-                </a:solidFill>
-              </a:rPr>
-              <a:t> </a:t>
-            </a:r>
-            <a:r>
-              <a:rPr lang="en-US" altLang="zh-CN" dirty="0">
-                <a:solidFill>
-                  <a:srgbClr val="FF0000"/>
-                </a:solidFill>
-              </a:rPr>
-              <a:t>to</a:t>
-            </a:r>
-            <a:r>
-              <a:rPr lang="zh-CN" altLang="en-US" dirty="0">
-                <a:solidFill>
-                  <a:srgbClr val="FF0000"/>
-                </a:solidFill>
-              </a:rPr>
-              <a:t> </a:t>
-            </a:r>
-            <a:r>
-              <a:rPr lang="en-US" altLang="zh-CN" dirty="0">
-                <a:solidFill>
-                  <a:srgbClr val="FF0000"/>
-                </a:solidFill>
-              </a:rPr>
-              <a:t>upload</a:t>
-            </a:r>
-            <a:r>
-              <a:rPr lang="zh-CN" altLang="en-US" dirty="0">
-                <a:solidFill>
-                  <a:srgbClr val="FF0000"/>
-                </a:solidFill>
-              </a:rPr>
-              <a:t> </a:t>
-            </a:r>
-            <a:r>
-              <a:rPr lang="en-US" altLang="zh-CN" dirty="0">
-                <a:solidFill>
-                  <a:srgbClr val="FF0000"/>
-                </a:solidFill>
-              </a:rPr>
-              <a:t>your</a:t>
-            </a:r>
-            <a:r>
-              <a:rPr lang="zh-CN" altLang="en-US" dirty="0">
-                <a:solidFill>
-                  <a:srgbClr val="FF0000"/>
-                </a:solidFill>
-              </a:rPr>
-              <a:t> </a:t>
-            </a:r>
-            <a:r>
-              <a:rPr lang="en-US" altLang="zh-CN" dirty="0">
-                <a:solidFill>
-                  <a:srgbClr val="FF0000"/>
-                </a:solidFill>
-              </a:rPr>
-              <a:t>local</a:t>
-            </a:r>
-            <a:r>
-              <a:rPr lang="zh-CN" altLang="en-US" dirty="0">
-                <a:solidFill>
-                  <a:srgbClr val="FF0000"/>
-                </a:solidFill>
-              </a:rPr>
-              <a:t> </a:t>
-            </a:r>
-            <a:r>
-              <a:rPr lang="en-US" altLang="zh-CN" dirty="0">
-                <a:solidFill>
-                  <a:srgbClr val="FF0000"/>
-                </a:solidFill>
-              </a:rPr>
-              <a:t>files.</a:t>
-            </a:r>
-          </a:p>
-          <a:p>
-            <a:r>
-              <a:rPr lang="en-US" altLang="zh-CN" dirty="0">
-                <a:solidFill>
-                  <a:srgbClr val="FF0000"/>
-                </a:solidFill>
-              </a:rPr>
-              <a:t>Then</a:t>
-            </a:r>
-            <a:r>
-              <a:rPr lang="zh-CN" altLang="en-US" dirty="0">
-                <a:solidFill>
-                  <a:srgbClr val="FF0000"/>
-                </a:solidFill>
-              </a:rPr>
-              <a:t> </a:t>
-            </a:r>
-            <a:r>
-              <a:rPr lang="en-US" altLang="zh-CN" dirty="0">
-                <a:solidFill>
-                  <a:srgbClr val="FF0000"/>
-                </a:solidFill>
-              </a:rPr>
-              <a:t>you</a:t>
-            </a:r>
-            <a:r>
-              <a:rPr lang="zh-CN" altLang="en-US" dirty="0">
-                <a:solidFill>
-                  <a:srgbClr val="FF0000"/>
-                </a:solidFill>
-              </a:rPr>
-              <a:t> </a:t>
-            </a:r>
-            <a:r>
-              <a:rPr lang="en-US" altLang="zh-CN" dirty="0">
-                <a:solidFill>
-                  <a:srgbClr val="FF0000"/>
-                </a:solidFill>
-              </a:rPr>
-              <a:t>will</a:t>
-            </a:r>
-            <a:r>
-              <a:rPr lang="zh-CN" altLang="en-US" dirty="0">
-                <a:solidFill>
-                  <a:srgbClr val="FF0000"/>
-                </a:solidFill>
-              </a:rPr>
-              <a:t> </a:t>
-            </a:r>
-            <a:r>
-              <a:rPr lang="en-US" altLang="zh-CN" dirty="0">
-                <a:solidFill>
-                  <a:srgbClr val="FF0000"/>
-                </a:solidFill>
-              </a:rPr>
-              <a:t>see</a:t>
-            </a:r>
-            <a:r>
-              <a:rPr lang="zh-CN" altLang="en-US" dirty="0">
-                <a:solidFill>
-                  <a:srgbClr val="FF0000"/>
-                </a:solidFill>
-              </a:rPr>
-              <a:t> </a:t>
-            </a:r>
-            <a:r>
-              <a:rPr lang="en-US" altLang="zh-CN" dirty="0">
-                <a:solidFill>
-                  <a:srgbClr val="FF0000"/>
-                </a:solidFill>
-              </a:rPr>
-              <a:t>the</a:t>
-            </a:r>
-            <a:r>
-              <a:rPr lang="zh-CN" altLang="en-US" dirty="0">
-                <a:solidFill>
-                  <a:srgbClr val="FF0000"/>
-                </a:solidFill>
-              </a:rPr>
-              <a:t> </a:t>
-            </a:r>
-            <a:r>
-              <a:rPr lang="en-US" altLang="zh-CN" dirty="0">
-                <a:solidFill>
-                  <a:srgbClr val="FF0000"/>
-                </a:solidFill>
-              </a:rPr>
-              <a:t>following.</a:t>
-            </a:r>
-            <a:endParaRPr lang="en-US" dirty="0">
-              <a:solidFill>
-                <a:srgbClr val="FF0000"/>
-              </a:solidFill>
-            </a:endParaRPr>
-          </a:p>
-        </p:txBody>
-      </p:sp>
-      <p:sp>
-        <p:nvSpPr>
-          <p:cNvPr id="13" name="Rectangle 12">
-            <a:extLst>
-              <a:ext uri="{FF2B5EF4-FFF2-40B4-BE49-F238E27FC236}">
-                <a16:creationId xmlns:a16="http://schemas.microsoft.com/office/drawing/2014/main" id="{74538182-DC95-F04E-870B-BC95ED3FA34C}"/>
-              </a:ext>
-            </a:extLst>
-          </p:cNvPr>
-          <p:cNvSpPr/>
-          <p:nvPr/>
-        </p:nvSpPr>
-        <p:spPr>
-          <a:xfrm>
-            <a:off x="1239981" y="3620025"/>
-            <a:ext cx="992580" cy="373954"/>
-          </a:xfrm>
-          <a:prstGeom prst="rect">
-            <a:avLst/>
-          </a:prstGeom>
-          <a:noFill/>
-          <a:ln w="28575">
-            <a:solidFill>
-              <a:srgbClr val="FF0000"/>
-            </a:solidFill>
-          </a:ln>
-        </p:spPr>
-        <p:style>
-          <a:lnRef idx="2">
-            <a:schemeClr val="dk1"/>
-          </a:lnRef>
-          <a:fillRef idx="1">
-            <a:schemeClr val="lt1"/>
-          </a:fillRef>
-          <a:effectRef idx="0">
-            <a:schemeClr val="dk1"/>
-          </a:effectRef>
-          <a:fontRef idx="minor">
-            <a:schemeClr val="dk1"/>
-          </a:fontRef>
-        </p:style>
-        <p:txBody>
-          <a:bodyPr rtlCol="0" anchor="ctr"/>
-          <a:lstStyle/>
-          <a:p>
-            <a:pPr algn="ctr"/>
-            <a:endParaRPr lang="en-US"/>
           </a:p>
         </p:txBody>
       </p:sp>
@@ -7918,10 +5387,10 @@
       </p:sp>
       <p:sp>
         <p:nvSpPr>
-          <p:cNvPr id="6" name="TextBox 5">
-            <a:extLst>
-              <a:ext uri="{FF2B5EF4-FFF2-40B4-BE49-F238E27FC236}">
-                <a16:creationId xmlns:a16="http://schemas.microsoft.com/office/drawing/2014/main" id="{1E15F4FE-EDEE-9D8E-6B9F-10442163CFDD}"/>
+          <p:cNvPr id="4" name="TextBox 3">
+            <a:extLst>
+              <a:ext uri="{FF2B5EF4-FFF2-40B4-BE49-F238E27FC236}">
+                <a16:creationId xmlns:a16="http://schemas.microsoft.com/office/drawing/2014/main" id="{F9EC1FA8-1A15-34A9-0897-5AA855969AD8}"/>
               </a:ext>
             </a:extLst>
           </p:cNvPr>
@@ -7930,8 +5399,8 @@
         </p:nvSpPr>
         <p:spPr>
           <a:xfrm>
-            <a:off x="2338449" y="2572421"/>
-            <a:ext cx="6544294" cy="369332"/>
+            <a:off x="471054" y="1278776"/>
+            <a:ext cx="3230088" cy="369332"/>
           </a:xfrm>
           <a:prstGeom prst="rect">
             <a:avLst/>
@@ -7950,87 +5419,23 @@
                   <a:srgbClr val="FF0000"/>
                 </a:solidFill>
               </a:rPr>
-              <a:t>2.</a:t>
-            </a:r>
-            <a:r>
-              <a:rPr lang="zh-CN" altLang="en-US" dirty="0">
-                <a:solidFill>
-                  <a:srgbClr val="FF0000"/>
-                </a:solidFill>
-              </a:rPr>
-              <a:t> </a:t>
-            </a:r>
-            <a:r>
-              <a:rPr lang="en-US" altLang="zh-CN" dirty="0">
-                <a:solidFill>
-                  <a:srgbClr val="FF0000"/>
-                </a:solidFill>
-              </a:rPr>
-              <a:t>You</a:t>
-            </a:r>
-            <a:r>
-              <a:rPr lang="zh-CN" altLang="en-US" dirty="0">
-                <a:solidFill>
-                  <a:srgbClr val="FF0000"/>
-                </a:solidFill>
-              </a:rPr>
-              <a:t> </a:t>
-            </a:r>
-            <a:r>
-              <a:rPr lang="en-US" altLang="zh-CN" dirty="0">
-                <a:solidFill>
-                  <a:srgbClr val="FF0000"/>
-                </a:solidFill>
-              </a:rPr>
-              <a:t>can</a:t>
-            </a:r>
-            <a:r>
-              <a:rPr lang="zh-CN" altLang="en-US" dirty="0">
-                <a:solidFill>
-                  <a:srgbClr val="FF0000"/>
-                </a:solidFill>
-              </a:rPr>
-              <a:t> </a:t>
-            </a:r>
-            <a:r>
-              <a:rPr lang="en-US" altLang="zh-CN" dirty="0">
-                <a:solidFill>
-                  <a:srgbClr val="FF0000"/>
-                </a:solidFill>
-              </a:rPr>
-              <a:t>also</a:t>
-            </a:r>
-            <a:r>
-              <a:rPr lang="zh-CN" altLang="en-US" dirty="0">
-                <a:solidFill>
-                  <a:srgbClr val="FF0000"/>
-                </a:solidFill>
-              </a:rPr>
-              <a:t> </a:t>
-            </a:r>
-            <a:r>
-              <a:rPr lang="en-US" altLang="zh-CN" dirty="0">
-                <a:solidFill>
-                  <a:srgbClr val="FF0000"/>
-                </a:solidFill>
-              </a:rPr>
-              <a:t>specify</a:t>
-            </a:r>
-            <a:r>
-              <a:rPr lang="zh-CN" altLang="en-US" dirty="0">
-                <a:solidFill>
-                  <a:srgbClr val="FF0000"/>
-                </a:solidFill>
-              </a:rPr>
-              <a:t> </a:t>
-            </a:r>
-            <a:r>
-              <a:rPr lang="en-US" altLang="zh-CN" dirty="0">
-                <a:solidFill>
-                  <a:srgbClr val="FF0000"/>
-                </a:solidFill>
-              </a:rPr>
-              <a:t>EMD-ID</a:t>
+              <a:t>Click</a:t>
+            </a:r>
+            <a:r>
+              <a:rPr lang="zh-CN" altLang="en-US" dirty="0">
+                <a:solidFill>
+                  <a:srgbClr val="FF0000"/>
+                </a:solidFill>
+              </a:rPr>
+              <a:t> </a:t>
+            </a:r>
+            <a:r>
+              <a:rPr lang="en-US" altLang="zh-CN" dirty="0">
+                <a:solidFill>
+                  <a:srgbClr val="FF0000"/>
+                </a:solidFill>
+              </a:rPr>
+              <a:t>here</a:t>
             </a:r>
             <a:r>
               <a:rPr lang="zh-CN" altLang="en-US" dirty="0">
@@ -8062,63 +5467,7 @@
                   <a:srgbClr val="FF0000"/>
                 </a:solidFill>
               </a:rPr>
-              <a:t>use</a:t>
-            </a:r>
-            <a:r>
-              <a:rPr lang="zh-CN" altLang="en-US" dirty="0">
-                <a:solidFill>
-                  <a:srgbClr val="FF0000"/>
-                </a:solidFill>
-              </a:rPr>
-              <a:t> </a:t>
-            </a:r>
-            <a:r>
-              <a:rPr lang="en-US" altLang="zh-CN" dirty="0">
-                <a:solidFill>
-                  <a:srgbClr val="FF0000"/>
-                </a:solidFill>
-              </a:rPr>
-              <a:t>structures</a:t>
-            </a:r>
-            <a:r>
-              <a:rPr lang="zh-CN" altLang="en-US" dirty="0">
-                <a:solidFill>
-                  <a:srgbClr val="FF0000"/>
-                </a:solidFill>
-              </a:rPr>
-              <a:t> </a:t>
-            </a:r>
-            <a:r>
-              <a:rPr lang="en-US" altLang="zh-CN" dirty="0">
-                <a:solidFill>
-                  <a:srgbClr val="FF0000"/>
-                </a:solidFill>
-              </a:rPr>
-              <a:t>in</a:t>
-            </a:r>
-            <a:r>
-              <a:rPr lang="zh-CN" altLang="en-US" dirty="0">
-                <a:solidFill>
-                  <a:srgbClr val="FF0000"/>
-                </a:solidFill>
-              </a:rPr>
-              <a:t> </a:t>
-            </a:r>
-            <a:r>
-              <a:rPr lang="en-US" altLang="zh-CN" dirty="0">
-                <a:solidFill>
-                  <a:srgbClr val="FF0000"/>
-                </a:solidFill>
-              </a:rPr>
-              <a:t>EMDB</a:t>
-            </a:r>
-            <a:r>
-              <a:rPr lang="zh-CN" altLang="en-US" dirty="0">
-                <a:solidFill>
-                  <a:srgbClr val="FF0000"/>
-                </a:solidFill>
-              </a:rPr>
-              <a:t>   </a:t>
+              <a:t>run</a:t>
             </a:r>
             <a:endParaRPr lang="en-US" dirty="0">
               <a:solidFill>
@@ -8141,7 +5490,7 @@
 </p:sld>
 </file>
 
-<file path=ppt/slides/slide8.xml><?xml version="1.0" encoding="utf-8"?>
+<file path=ppt/slides/slide14.xml><?xml version="1.0" encoding="utf-8"?>
 <p:sld xmlns:a="http://schemas.openxmlformats.org/drawingml/2006/main" xmlns:r="http://schemas.openxmlformats.org/officeDocument/2006/relationships" xmlns:p="http://schemas.openxmlformats.org/presentationml/2006/main">
   <p:cSld>
     <p:spTree>
@@ -8271,7 +5620,7 @@
           <a:p>
             <a:r>
               <a:rPr lang="en-US" altLang="zh-CN" dirty="0"/>
-              <a:t>6</a:t>
+              <a:t>5</a:t>
             </a:r>
             <a:r>
               <a:rPr lang="en-US" altLang="zh-CN" baseline="30000" dirty="0"/>
@@ -8520,7 +5869,7 @@
         </p:nvSpPr>
         <p:spPr>
           <a:xfrm>
-            <a:off x="451262" y="2930994"/>
+            <a:off x="598407" y="2108483"/>
             <a:ext cx="3230088" cy="369332"/>
           </a:xfrm>
           <a:prstGeom prst="rect">
@@ -9185,7 +6534,7 @@
 </p:sld>
 </file>
 
-<file path=ppt/slides/slide9.xml><?xml version="1.0" encoding="utf-8"?>
+<file path=ppt/slides/slide15.xml><?xml version="1.0" encoding="utf-8"?>
 <p:sld xmlns:a="http://schemas.openxmlformats.org/drawingml/2006/main" xmlns:r="http://schemas.openxmlformats.org/officeDocument/2006/relationships" xmlns:p="http://schemas.openxmlformats.org/presentationml/2006/main">
   <p:cSld>
     <p:spTree>
@@ -9204,10 +6553,10 @@
       </p:grpSpPr>
       <p:pic>
         <p:nvPicPr>
-          <p:cNvPr id="3" name="Picture 2">
-            <a:extLst>
-              <a:ext uri="{FF2B5EF4-FFF2-40B4-BE49-F238E27FC236}">
-                <a16:creationId xmlns:a16="http://schemas.microsoft.com/office/drawing/2014/main" id="{2B63AE10-CBCB-9B0D-773F-2DAA6C64BE77}"/>
+          <p:cNvPr id="5" name="Picture 4">
+            <a:extLst>
+              <a:ext uri="{FF2B5EF4-FFF2-40B4-BE49-F238E27FC236}">
+                <a16:creationId xmlns:a16="http://schemas.microsoft.com/office/drawing/2014/main" id="{A7581952-AF0C-67C9-DC47-0DEB79F96E2F}"/>
               </a:ext>
             </a:extLst>
           </p:cNvPr>
@@ -9224,14 +6573,44 @@
         </p:blipFill>
         <p:spPr>
           <a:xfrm>
-            <a:off x="166253" y="1745901"/>
-            <a:ext cx="11716051" cy="4274889"/>
+            <a:off x="139468" y="1740624"/>
+            <a:ext cx="673100" cy="685800"/>
           </a:xfrm>
           <a:prstGeom prst="rect">
             <a:avLst/>
           </a:prstGeom>
         </p:spPr>
       </p:pic>
+      <p:pic>
+        <p:nvPicPr>
+          <p:cNvPr id="4" name="Picture 3">
+            <a:extLst>
+              <a:ext uri="{FF2B5EF4-FFF2-40B4-BE49-F238E27FC236}">
+                <a16:creationId xmlns:a16="http://schemas.microsoft.com/office/drawing/2014/main" id="{6579907E-E9DF-5B85-708F-C9C13F4A1B84}"/>
+              </a:ext>
+            </a:extLst>
+          </p:cNvPr>
+          <p:cNvPicPr>
+            <a:picLocks noChangeAspect="1"/>
+          </p:cNvPicPr>
+          <p:nvPr/>
+        </p:nvPicPr>
+        <p:blipFill>
+          <a:blip r:embed="rId3"/>
+          <a:stretch>
+            <a:fillRect/>
+          </a:stretch>
+        </p:blipFill>
+        <p:spPr>
+          <a:xfrm>
+            <a:off x="654268" y="1896547"/>
+            <a:ext cx="10016669" cy="4596328"/>
+          </a:xfrm>
+          <a:prstGeom prst="rect">
+            <a:avLst/>
+          </a:prstGeom>
+        </p:spPr>
+      </p:pic>
       <p:sp>
         <p:nvSpPr>
           <p:cNvPr id="2" name="Title 1">
@@ -9255,7 +6634,7 @@
           <a:p>
             <a:r>
               <a:rPr lang="en-US" altLang="zh-CN" dirty="0"/>
-              <a:t>7</a:t>
+              <a:t>6</a:t>
             </a:r>
             <a:r>
               <a:rPr lang="en-US" altLang="zh-CN" baseline="30000" dirty="0"/>
@@ -9311,7 +6690,7 @@
         </p:nvSpPr>
         <p:spPr>
           <a:xfrm>
-            <a:off x="1602178" y="1943474"/>
+            <a:off x="1956458" y="1840720"/>
             <a:ext cx="5428014" cy="369332"/>
           </a:xfrm>
           <a:prstGeom prst="rect">
@@ -9483,7 +6862,7 @@
         </p:nvSpPr>
         <p:spPr>
           <a:xfrm>
-            <a:off x="166254" y="1709570"/>
+            <a:off x="321639" y="1836098"/>
             <a:ext cx="308757" cy="373954"/>
           </a:xfrm>
           <a:prstGeom prst="rect">
@@ -9553,7 +6932,7 @@
                   <a:srgbClr val="FF0000"/>
                 </a:solidFill>
               </a:rPr>
-              <a:t>5</a:t>
+              <a:t>4</a:t>
             </a:r>
             <a:r>
               <a:rPr lang="zh-CN" altLang="en-US" dirty="0">
@@ -9737,7 +7116,7 @@
         </p:nvSpPr>
         <p:spPr>
           <a:xfrm>
-            <a:off x="1956458" y="3883345"/>
+            <a:off x="2279070" y="4493933"/>
             <a:ext cx="7460673" cy="369332"/>
           </a:xfrm>
           <a:prstGeom prst="rect">
@@ -10005,7 +7384,7 @@
         </p:nvSpPr>
         <p:spPr>
           <a:xfrm>
-            <a:off x="1956458" y="4450250"/>
+            <a:off x="2145644" y="5301588"/>
             <a:ext cx="9040093" cy="369332"/>
           </a:xfrm>
           <a:prstGeom prst="rect">
@@ -10315,12 +7694,179 @@
           </a:p>
         </p:txBody>
       </p:sp>
-      <p:sp>
-        <p:nvSpPr>
-          <p:cNvPr id="14" name="TextBox 13">
-            <a:extLst>
-              <a:ext uri="{FF2B5EF4-FFF2-40B4-BE49-F238E27FC236}">
-                <a16:creationId xmlns:a16="http://schemas.microsoft.com/office/drawing/2014/main" id="{2931B3F1-FD18-8E6E-7DD5-EDFFBC144001}"/>
+    </p:spTree>
+    <p:extLst>
+      <p:ext uri="{BB962C8B-B14F-4D97-AF65-F5344CB8AC3E}">
+        <p14:creationId xmlns:p14="http://schemas.microsoft.com/office/powerpoint/2010/main" val="2520241333"/>
+      </p:ext>
+    </p:extLst>
+  </p:cSld>
+  <p:clrMapOvr>
+    <a:masterClrMapping/>
+  </p:clrMapOvr>
+</p:sld>
+</file>
+
+<file path=ppt/slides/slide16.xml><?xml version="1.0" encoding="utf-8"?>
+<p:sld xmlns:a="http://schemas.openxmlformats.org/drawingml/2006/main" xmlns:r="http://schemas.openxmlformats.org/officeDocument/2006/relationships" xmlns:p="http://schemas.openxmlformats.org/presentationml/2006/main">
+  <p:cSld>
+    <p:spTree>
+      <p:nvGrpSpPr>
+        <p:cNvPr id="1" name=""/>
+        <p:cNvGrpSpPr/>
+        <p:nvPr/>
+      </p:nvGrpSpPr>
+      <p:grpSpPr>
+        <a:xfrm>
+          <a:off x="0" y="0"/>
+          <a:ext cx="0" cy="0"/>
+          <a:chOff x="0" y="0"/>
+          <a:chExt cx="0" cy="0"/>
+        </a:xfrm>
+      </p:grpSpPr>
+      <p:pic>
+        <p:nvPicPr>
+          <p:cNvPr id="10" name="Picture 9">
+            <a:extLst>
+              <a:ext uri="{FF2B5EF4-FFF2-40B4-BE49-F238E27FC236}">
+                <a16:creationId xmlns:a16="http://schemas.microsoft.com/office/drawing/2014/main" id="{024A5703-FE53-BDF1-6B1D-7515790B09F1}"/>
+              </a:ext>
+            </a:extLst>
+          </p:cNvPr>
+          <p:cNvPicPr>
+            <a:picLocks noChangeAspect="1"/>
+          </p:cNvPicPr>
+          <p:nvPr/>
+        </p:nvPicPr>
+        <p:blipFill>
+          <a:blip r:embed="rId2"/>
+          <a:stretch>
+            <a:fillRect/>
+          </a:stretch>
+        </p:blipFill>
+        <p:spPr>
+          <a:xfrm>
+            <a:off x="838200" y="1690687"/>
+            <a:ext cx="11258384" cy="1809879"/>
+          </a:xfrm>
+          <a:prstGeom prst="rect">
+            <a:avLst/>
+          </a:prstGeom>
+        </p:spPr>
+      </p:pic>
+      <p:sp>
+        <p:nvSpPr>
+          <p:cNvPr id="2" name="Title 1">
+            <a:extLst>
+              <a:ext uri="{FF2B5EF4-FFF2-40B4-BE49-F238E27FC236}">
+                <a16:creationId xmlns:a16="http://schemas.microsoft.com/office/drawing/2014/main" id="{3EEE09D7-F2E1-274E-A3C4-6BE2F945C53F}"/>
+              </a:ext>
+            </a:extLst>
+          </p:cNvPr>
+          <p:cNvSpPr>
+            <a:spLocks noGrp="1"/>
+          </p:cNvSpPr>
+          <p:nvPr>
+            <p:ph type="title"/>
+          </p:nvPr>
+        </p:nvSpPr>
+        <p:spPr/>
+        <p:txBody>
+          <a:bodyPr/>
+          <a:lstStyle/>
+          <a:p>
+            <a:r>
+              <a:rPr lang="en-US" altLang="zh-CN" dirty="0"/>
+              <a:t>7</a:t>
+            </a:r>
+            <a:r>
+              <a:rPr lang="en-US" altLang="zh-CN" baseline="30000" dirty="0"/>
+              <a:t>th</a:t>
+            </a:r>
+            <a:r>
+              <a:rPr lang="zh-CN" altLang="en-US" dirty="0"/>
+              <a:t> </a:t>
+            </a:r>
+            <a:r>
+              <a:rPr lang="en-US" altLang="zh-CN" dirty="0"/>
+              <a:t>step:</a:t>
+            </a:r>
+            <a:r>
+              <a:rPr lang="zh-CN" altLang="en-US" dirty="0"/>
+              <a:t> </a:t>
+            </a:r>
+            <a:r>
+              <a:rPr lang="en-US" altLang="zh-CN" dirty="0"/>
+              <a:t>Run</a:t>
+            </a:r>
+            <a:r>
+              <a:rPr lang="zh-CN" altLang="en-US" dirty="0"/>
+              <a:t> </a:t>
+            </a:r>
+            <a:r>
+              <a:rPr lang="en-US" altLang="zh-CN" dirty="0" err="1"/>
+              <a:t>CryoREAD</a:t>
+            </a:r>
+            <a:endParaRPr lang="en-US" dirty="0"/>
+          </a:p>
+        </p:txBody>
+      </p:sp>
+      <p:sp>
+        <p:nvSpPr>
+          <p:cNvPr id="5" name="Rectangle 4">
+            <a:extLst>
+              <a:ext uri="{FF2B5EF4-FFF2-40B4-BE49-F238E27FC236}">
+                <a16:creationId xmlns:a16="http://schemas.microsoft.com/office/drawing/2014/main" id="{0E551044-7F1E-2347-9ED2-012290DC460A}"/>
+              </a:ext>
+            </a:extLst>
+          </p:cNvPr>
+          <p:cNvSpPr/>
+          <p:nvPr/>
+        </p:nvSpPr>
+        <p:spPr>
+          <a:xfrm>
+            <a:off x="1021279" y="2171732"/>
+            <a:ext cx="249382" cy="297360"/>
+          </a:xfrm>
+          <a:prstGeom prst="rect">
+            <a:avLst/>
+          </a:prstGeom>
+          <a:noFill/>
+          <a:ln w="28575">
+            <a:solidFill>
+              <a:srgbClr val="FF0000"/>
+            </a:solidFill>
+          </a:ln>
+        </p:spPr>
+        <p:style>
+          <a:lnRef idx="2">
+            <a:schemeClr val="dk1"/>
+          </a:lnRef>
+          <a:fillRef idx="1">
+            <a:schemeClr val="lt1"/>
+          </a:fillRef>
+          <a:effectRef idx="0">
+            <a:schemeClr val="dk1"/>
+          </a:effectRef>
+          <a:fontRef idx="minor">
+            <a:schemeClr val="dk1"/>
+          </a:fontRef>
+        </p:style>
+        <p:txBody>
+          <a:bodyPr rtlCol="0" anchor="ctr"/>
+          <a:lstStyle/>
+          <a:p>
+            <a:pPr algn="ctr"/>
+            <a:endParaRPr lang="en-US"/>
+          </a:p>
+        </p:txBody>
+      </p:sp>
+      <p:sp>
+        <p:nvSpPr>
+          <p:cNvPr id="6" name="TextBox 5">
+            <a:extLst>
+              <a:ext uri="{FF2B5EF4-FFF2-40B4-BE49-F238E27FC236}">
+                <a16:creationId xmlns:a16="http://schemas.microsoft.com/office/drawing/2014/main" id="{18E7C53D-E8E0-0A4E-8ADF-36A4AA042DBB}"/>
               </a:ext>
             </a:extLst>
           </p:cNvPr>
@@ -10329,8 +7875,8 @@
         </p:nvSpPr>
         <p:spPr>
           <a:xfrm>
-            <a:off x="1956457" y="5050854"/>
-            <a:ext cx="9040093" cy="646331"/>
+            <a:off x="1332838" y="1951080"/>
+            <a:ext cx="3621977" cy="369332"/>
           </a:xfrm>
           <a:prstGeom prst="rect">
             <a:avLst/>
@@ -10349,71 +7895,23 @@
                   <a:srgbClr val="FF0000"/>
                 </a:solidFill>
               </a:rPr>
-              <a:t>4.</a:t>
-            </a:r>
-            <a:r>
-              <a:rPr lang="zh-CN" altLang="en-US" dirty="0">
-                <a:solidFill>
-                  <a:srgbClr val="FF0000"/>
-                </a:solidFill>
-              </a:rPr>
-              <a:t> </a:t>
-            </a:r>
-            <a:r>
-              <a:rPr lang="en-US" altLang="zh-CN" dirty="0">
-                <a:solidFill>
-                  <a:srgbClr val="FF0000"/>
-                </a:solidFill>
-              </a:rPr>
-              <a:t>Please</a:t>
-            </a:r>
-            <a:r>
-              <a:rPr lang="zh-CN" altLang="en-US" dirty="0">
-                <a:solidFill>
-                  <a:srgbClr val="FF0000"/>
-                </a:solidFill>
-              </a:rPr>
-              <a:t> </a:t>
-            </a:r>
-            <a:r>
-              <a:rPr lang="en-US" altLang="zh-CN" dirty="0">
-                <a:solidFill>
-                  <a:srgbClr val="FF0000"/>
-                </a:solidFill>
-              </a:rPr>
-              <a:t>change</a:t>
-            </a:r>
-            <a:r>
-              <a:rPr lang="zh-CN" altLang="en-US" dirty="0">
-                <a:solidFill>
-                  <a:srgbClr val="FF0000"/>
-                </a:solidFill>
-              </a:rPr>
-              <a:t> </a:t>
-            </a:r>
-            <a:r>
-              <a:rPr lang="en-US" altLang="zh-CN" dirty="0">
-                <a:solidFill>
-                  <a:srgbClr val="FF0000"/>
-                </a:solidFill>
-              </a:rPr>
-              <a:t>resolution</a:t>
-            </a:r>
-            <a:r>
-              <a:rPr lang="zh-CN" altLang="en-US" dirty="0">
-                <a:solidFill>
-                  <a:srgbClr val="FF0000"/>
-                </a:solidFill>
-              </a:rPr>
-              <a:t> </a:t>
-            </a:r>
-            <a:r>
-              <a:rPr lang="en-US" altLang="zh-CN" dirty="0">
-                <a:solidFill>
-                  <a:srgbClr val="FF0000"/>
-                </a:solidFill>
-              </a:rPr>
-              <a:t>according</a:t>
+              <a:t>Click</a:t>
+            </a:r>
+            <a:r>
+              <a:rPr lang="zh-CN" altLang="en-US" dirty="0">
+                <a:solidFill>
+                  <a:srgbClr val="FF0000"/>
+                </a:solidFill>
+              </a:rPr>
+              <a:t> </a:t>
+            </a:r>
+            <a:r>
+              <a:rPr lang="en-US" altLang="zh-CN" dirty="0">
+                <a:solidFill>
+                  <a:srgbClr val="FF0000"/>
+                </a:solidFill>
+              </a:rPr>
+              <a:t>here</a:t>
             </a:r>
             <a:r>
               <a:rPr lang="zh-CN" altLang="en-US" dirty="0">
@@ -10445,375 +7943,7 @@
                   <a:srgbClr val="FF0000"/>
                 </a:solidFill>
               </a:rPr>
-              <a:t>map</a:t>
-            </a:r>
-            <a:r>
-              <a:rPr lang="zh-CN" altLang="en-US" dirty="0">
-                <a:solidFill>
-                  <a:srgbClr val="FF0000"/>
-                </a:solidFill>
-              </a:rPr>
-              <a:t> </a:t>
-            </a:r>
-            <a:r>
-              <a:rPr lang="en-US" altLang="zh-CN" dirty="0">
-                <a:solidFill>
-                  <a:srgbClr val="FF0000"/>
-                </a:solidFill>
-              </a:rPr>
-              <a:t>info</a:t>
-            </a:r>
-            <a:r>
-              <a:rPr lang="zh-CN" altLang="en-US" dirty="0">
-                <a:solidFill>
-                  <a:srgbClr val="FF0000"/>
-                </a:solidFill>
-              </a:rPr>
-              <a:t> </a:t>
-            </a:r>
-            <a:r>
-              <a:rPr lang="en-US" altLang="zh-CN" dirty="0">
-                <a:solidFill>
-                  <a:srgbClr val="FF0000"/>
-                </a:solidFill>
-              </a:rPr>
-              <a:t>(for</a:t>
-            </a:r>
-            <a:r>
-              <a:rPr lang="zh-CN" altLang="en-US" dirty="0">
-                <a:solidFill>
-                  <a:srgbClr val="FF0000"/>
-                </a:solidFill>
-              </a:rPr>
-              <a:t> </a:t>
-            </a:r>
-            <a:r>
-              <a:rPr lang="en-US" altLang="zh-CN" dirty="0">
-                <a:solidFill>
-                  <a:srgbClr val="FF0000"/>
-                </a:solidFill>
-              </a:rPr>
-              <a:t>refinement</a:t>
-            </a:r>
-            <a:r>
-              <a:rPr lang="zh-CN" altLang="en-US" dirty="0">
-                <a:solidFill>
-                  <a:srgbClr val="FF0000"/>
-                </a:solidFill>
-              </a:rPr>
-              <a:t> </a:t>
-            </a:r>
-            <a:r>
-              <a:rPr lang="en-US" altLang="zh-CN" dirty="0">
-                <a:solidFill>
-                  <a:srgbClr val="FF0000"/>
-                </a:solidFill>
-              </a:rPr>
-              <a:t>purpose).</a:t>
-            </a:r>
-            <a:r>
-              <a:rPr lang="zh-CN" altLang="en-US" dirty="0">
-                <a:solidFill>
-                  <a:srgbClr val="FF0000"/>
-                </a:solidFill>
-              </a:rPr>
-              <a:t> </a:t>
-            </a:r>
-            <a:r>
-              <a:rPr lang="en-US" altLang="zh-CN" dirty="0">
-                <a:solidFill>
-                  <a:srgbClr val="FF0000"/>
-                </a:solidFill>
-              </a:rPr>
-              <a:t>If</a:t>
-            </a:r>
-            <a:r>
-              <a:rPr lang="zh-CN" altLang="en-US" dirty="0">
-                <a:solidFill>
-                  <a:srgbClr val="FF0000"/>
-                </a:solidFill>
-              </a:rPr>
-              <a:t> </a:t>
-            </a:r>
-            <a:r>
-              <a:rPr lang="en-US" altLang="zh-CN" dirty="0">
-                <a:solidFill>
-                  <a:srgbClr val="FF0000"/>
-                </a:solidFill>
-              </a:rPr>
-              <a:t>you</a:t>
-            </a:r>
-            <a:r>
-              <a:rPr lang="zh-CN" altLang="en-US" dirty="0">
-                <a:solidFill>
-                  <a:srgbClr val="FF0000"/>
-                </a:solidFill>
-              </a:rPr>
-              <a:t> </a:t>
-            </a:r>
-            <a:r>
-              <a:rPr lang="en-US" altLang="zh-CN" dirty="0">
-                <a:solidFill>
-                  <a:srgbClr val="FF0000"/>
-                </a:solidFill>
-              </a:rPr>
-              <a:t>don’t</a:t>
-            </a:r>
-            <a:r>
-              <a:rPr lang="zh-CN" altLang="en-US" dirty="0">
-                <a:solidFill>
-                  <a:srgbClr val="FF0000"/>
-                </a:solidFill>
-              </a:rPr>
-              <a:t> </a:t>
-            </a:r>
-            <a:r>
-              <a:rPr lang="en-US" altLang="zh-CN" dirty="0">
-                <a:solidFill>
-                  <a:srgbClr val="FF0000"/>
-                </a:solidFill>
-              </a:rPr>
-              <a:t>want</a:t>
-            </a:r>
-            <a:r>
-              <a:rPr lang="zh-CN" altLang="en-US" dirty="0">
-                <a:solidFill>
-                  <a:srgbClr val="FF0000"/>
-                </a:solidFill>
-              </a:rPr>
-              <a:t>  </a:t>
-            </a:r>
-            <a:r>
-              <a:rPr lang="en-US" altLang="zh-CN" dirty="0">
-                <a:solidFill>
-                  <a:srgbClr val="FF0000"/>
-                </a:solidFill>
-              </a:rPr>
-              <a:t>refinement</a:t>
-            </a:r>
-            <a:r>
-              <a:rPr lang="zh-CN" altLang="en-US" dirty="0">
-                <a:solidFill>
-                  <a:srgbClr val="FF0000"/>
-                </a:solidFill>
-              </a:rPr>
-              <a:t> </a:t>
-            </a:r>
-            <a:r>
-              <a:rPr lang="en-US" altLang="zh-CN" dirty="0">
-                <a:solidFill>
-                  <a:srgbClr val="FF0000"/>
-                </a:solidFill>
-              </a:rPr>
-              <a:t>or</a:t>
-            </a:r>
-            <a:r>
-              <a:rPr lang="zh-CN" altLang="en-US" dirty="0">
-                <a:solidFill>
-                  <a:srgbClr val="FF0000"/>
-                </a:solidFill>
-              </a:rPr>
-              <a:t> </a:t>
-            </a:r>
-            <a:r>
-              <a:rPr lang="en-US" altLang="zh-CN" dirty="0">
-                <a:solidFill>
-                  <a:srgbClr val="FF0000"/>
-                </a:solidFill>
-              </a:rPr>
-              <a:t>you</a:t>
-            </a:r>
-            <a:r>
-              <a:rPr lang="zh-CN" altLang="en-US" dirty="0">
-                <a:solidFill>
-                  <a:srgbClr val="FF0000"/>
-                </a:solidFill>
-              </a:rPr>
-              <a:t> </a:t>
-            </a:r>
-            <a:r>
-              <a:rPr lang="en-US" altLang="zh-CN" dirty="0">
-                <a:solidFill>
-                  <a:srgbClr val="FF0000"/>
-                </a:solidFill>
-              </a:rPr>
-              <a:t>did</a:t>
-            </a:r>
-            <a:r>
-              <a:rPr lang="zh-CN" altLang="en-US" dirty="0">
-                <a:solidFill>
-                  <a:srgbClr val="FF0000"/>
-                </a:solidFill>
-              </a:rPr>
-              <a:t> </a:t>
-            </a:r>
-            <a:r>
-              <a:rPr lang="en-US" altLang="zh-CN" dirty="0">
-                <a:solidFill>
-                  <a:srgbClr val="FF0000"/>
-                </a:solidFill>
-              </a:rPr>
-              <a:t>not</a:t>
-            </a:r>
-            <a:r>
-              <a:rPr lang="zh-CN" altLang="en-US" dirty="0">
-                <a:solidFill>
-                  <a:srgbClr val="FF0000"/>
-                </a:solidFill>
-              </a:rPr>
-              <a:t> </a:t>
-            </a:r>
-            <a:r>
-              <a:rPr lang="en-US" altLang="zh-CN" dirty="0">
-                <a:solidFill>
-                  <a:srgbClr val="FF0000"/>
-                </a:solidFill>
-              </a:rPr>
-              <a:t>install</a:t>
-            </a:r>
-            <a:r>
-              <a:rPr lang="zh-CN" altLang="en-US" dirty="0">
-                <a:solidFill>
-                  <a:srgbClr val="FF0000"/>
-                </a:solidFill>
-              </a:rPr>
-              <a:t> </a:t>
-            </a:r>
-            <a:r>
-              <a:rPr lang="en-US" altLang="zh-CN" dirty="0">
-                <a:solidFill>
-                  <a:srgbClr val="FF0000"/>
-                </a:solidFill>
-              </a:rPr>
-              <a:t>the</a:t>
-            </a:r>
-            <a:r>
-              <a:rPr lang="zh-CN" altLang="en-US" dirty="0">
-                <a:solidFill>
-                  <a:srgbClr val="FF0000"/>
-                </a:solidFill>
-              </a:rPr>
-              <a:t> </a:t>
-            </a:r>
-            <a:r>
-              <a:rPr lang="en-US" altLang="zh-CN" dirty="0">
-                <a:solidFill>
-                  <a:srgbClr val="FF0000"/>
-                </a:solidFill>
-              </a:rPr>
-              <a:t>refinement</a:t>
-            </a:r>
-            <a:r>
-              <a:rPr lang="zh-CN" altLang="en-US" dirty="0">
-                <a:solidFill>
-                  <a:srgbClr val="FF0000"/>
-                </a:solidFill>
-              </a:rPr>
-              <a:t> </a:t>
-            </a:r>
-            <a:r>
-              <a:rPr lang="en-US" altLang="zh-CN" dirty="0">
-                <a:solidFill>
-                  <a:srgbClr val="FF0000"/>
-                </a:solidFill>
-              </a:rPr>
-              <a:t>dependency</a:t>
-            </a:r>
-            <a:r>
-              <a:rPr lang="zh-CN" altLang="en-US" dirty="0">
-                <a:solidFill>
-                  <a:srgbClr val="FF0000"/>
-                </a:solidFill>
-              </a:rPr>
-              <a:t> </a:t>
-            </a:r>
-            <a:r>
-              <a:rPr lang="en-US" altLang="zh-CN" dirty="0">
-                <a:solidFill>
-                  <a:srgbClr val="FF0000"/>
-                </a:solidFill>
-              </a:rPr>
-              <a:t>in</a:t>
-            </a:r>
-            <a:r>
-              <a:rPr lang="zh-CN" altLang="en-US" dirty="0">
-                <a:solidFill>
-                  <a:srgbClr val="FF0000"/>
-                </a:solidFill>
-              </a:rPr>
-              <a:t> </a:t>
-            </a:r>
-            <a:r>
-              <a:rPr lang="en-US" altLang="zh-CN" dirty="0">
-                <a:solidFill>
-                  <a:srgbClr val="FF0000"/>
-                </a:solidFill>
-              </a:rPr>
-              <a:t>step</a:t>
-            </a:r>
-            <a:r>
-              <a:rPr lang="zh-CN" altLang="en-US" dirty="0">
-                <a:solidFill>
-                  <a:srgbClr val="FF0000"/>
-                </a:solidFill>
-              </a:rPr>
-              <a:t> </a:t>
-            </a:r>
-            <a:r>
-              <a:rPr lang="en-US" altLang="zh-CN" dirty="0">
-                <a:solidFill>
-                  <a:srgbClr val="FF0000"/>
-                </a:solidFill>
-              </a:rPr>
-              <a:t>4,</a:t>
-            </a:r>
-            <a:r>
-              <a:rPr lang="zh-CN" altLang="en-US" dirty="0">
-                <a:solidFill>
-                  <a:srgbClr val="FF0000"/>
-                </a:solidFill>
-              </a:rPr>
-              <a:t> </a:t>
-            </a:r>
-            <a:r>
-              <a:rPr lang="en-US" altLang="zh-CN" dirty="0">
-                <a:solidFill>
-                  <a:srgbClr val="FF0000"/>
-                </a:solidFill>
-              </a:rPr>
-              <a:t>set</a:t>
-            </a:r>
-            <a:r>
-              <a:rPr lang="zh-CN" altLang="en-US" dirty="0">
-                <a:solidFill>
-                  <a:srgbClr val="FF0000"/>
-                </a:solidFill>
-              </a:rPr>
-              <a:t> </a:t>
-            </a:r>
-            <a:r>
-              <a:rPr lang="en-US" altLang="zh-CN" dirty="0">
-                <a:solidFill>
-                  <a:srgbClr val="FF0000"/>
-                </a:solidFill>
-              </a:rPr>
-              <a:t>to</a:t>
-            </a:r>
-            <a:r>
-              <a:rPr lang="zh-CN" altLang="en-US" dirty="0">
-                <a:solidFill>
-                  <a:srgbClr val="FF0000"/>
-                </a:solidFill>
-              </a:rPr>
-              <a:t> </a:t>
-            </a:r>
-            <a:r>
-              <a:rPr lang="en-US" altLang="zh-CN" dirty="0">
-                <a:solidFill>
-                  <a:srgbClr val="FF0000"/>
-                </a:solidFill>
-              </a:rPr>
-              <a:t>0.</a:t>
+              <a:t>run</a:t>
             </a:r>
             <a:endParaRPr lang="en-US" dirty="0">
               <a:solidFill>
@@ -10823,10 +7953,3114 @@
           </a:p>
         </p:txBody>
       </p:sp>
+      <p:sp>
+        <p:nvSpPr>
+          <p:cNvPr id="8" name="TextBox 7">
+            <a:extLst>
+              <a:ext uri="{FF2B5EF4-FFF2-40B4-BE49-F238E27FC236}">
+                <a16:creationId xmlns:a16="http://schemas.microsoft.com/office/drawing/2014/main" id="{929AF83A-2341-9A4A-8B05-B5839BF4031E}"/>
+              </a:ext>
+            </a:extLst>
+          </p:cNvPr>
+          <p:cNvSpPr txBox="1"/>
+          <p:nvPr/>
+        </p:nvSpPr>
+        <p:spPr>
+          <a:xfrm>
+            <a:off x="635000" y="3888061"/>
+            <a:ext cx="5017655" cy="369332"/>
+          </a:xfrm>
+          <a:prstGeom prst="rect">
+            <a:avLst/>
+          </a:prstGeom>
+          <a:noFill/>
+        </p:spPr>
+        <p:txBody>
+          <a:bodyPr wrap="square" rtlCol="0">
+            <a:spAutoFit/>
+          </a:bodyPr>
+          <a:lstStyle/>
+          <a:p>
+            <a:r>
+              <a:rPr lang="en-US" altLang="zh-CN" dirty="0">
+                <a:solidFill>
+                  <a:srgbClr val="FF0000"/>
+                </a:solidFill>
+              </a:rPr>
+              <a:t>Successful</a:t>
+            </a:r>
+            <a:r>
+              <a:rPr lang="zh-CN" altLang="en-US" dirty="0">
+                <a:solidFill>
+                  <a:srgbClr val="FF0000"/>
+                </a:solidFill>
+              </a:rPr>
+              <a:t> </a:t>
+            </a:r>
+            <a:r>
+              <a:rPr lang="en-US" altLang="zh-CN" dirty="0">
+                <a:solidFill>
+                  <a:srgbClr val="FF0000"/>
+                </a:solidFill>
+              </a:rPr>
+              <a:t>running</a:t>
+            </a:r>
+            <a:r>
+              <a:rPr lang="zh-CN" altLang="en-US" dirty="0">
+                <a:solidFill>
+                  <a:srgbClr val="FF0000"/>
+                </a:solidFill>
+              </a:rPr>
+              <a:t> </a:t>
+            </a:r>
+            <a:r>
+              <a:rPr lang="en-US" altLang="zh-CN" dirty="0">
+                <a:solidFill>
+                  <a:srgbClr val="FF0000"/>
+                </a:solidFill>
+              </a:rPr>
+              <a:t>message:</a:t>
+            </a:r>
+            <a:endParaRPr lang="en-US" dirty="0">
+              <a:solidFill>
+                <a:srgbClr val="FF0000"/>
+              </a:solidFill>
+            </a:endParaRPr>
+          </a:p>
+        </p:txBody>
+      </p:sp>
+      <p:pic>
+        <p:nvPicPr>
+          <p:cNvPr id="4" name="Picture 3">
+            <a:extLst>
+              <a:ext uri="{FF2B5EF4-FFF2-40B4-BE49-F238E27FC236}">
+                <a16:creationId xmlns:a16="http://schemas.microsoft.com/office/drawing/2014/main" id="{78BEE85C-8AAC-904F-E653-65AF3AE0B159}"/>
+              </a:ext>
+            </a:extLst>
+          </p:cNvPr>
+          <p:cNvPicPr>
+            <a:picLocks noChangeAspect="1"/>
+          </p:cNvPicPr>
+          <p:nvPr/>
+        </p:nvPicPr>
+        <p:blipFill>
+          <a:blip r:embed="rId3"/>
+          <a:stretch>
+            <a:fillRect/>
+          </a:stretch>
+        </p:blipFill>
+        <p:spPr>
+          <a:xfrm>
+            <a:off x="1589690" y="4395062"/>
+            <a:ext cx="7772400" cy="1389146"/>
+          </a:xfrm>
+          <a:prstGeom prst="rect">
+            <a:avLst/>
+          </a:prstGeom>
+        </p:spPr>
+      </p:pic>
+      <p:sp>
+        <p:nvSpPr>
+          <p:cNvPr id="3" name="Rectangle 2">
+            <a:extLst>
+              <a:ext uri="{FF2B5EF4-FFF2-40B4-BE49-F238E27FC236}">
+                <a16:creationId xmlns:a16="http://schemas.microsoft.com/office/drawing/2014/main" id="{81E10C4E-EF41-F51E-BCC2-09185F26C446}"/>
+              </a:ext>
+            </a:extLst>
+          </p:cNvPr>
+          <p:cNvSpPr/>
+          <p:nvPr/>
+        </p:nvSpPr>
+        <p:spPr>
+          <a:xfrm>
+            <a:off x="2083496" y="5583831"/>
+            <a:ext cx="1006545" cy="200377"/>
+          </a:xfrm>
+          <a:prstGeom prst="rect">
+            <a:avLst/>
+          </a:prstGeom>
+          <a:noFill/>
+          <a:ln w="28575">
+            <a:solidFill>
+              <a:srgbClr val="FF0000"/>
+            </a:solidFill>
+          </a:ln>
+        </p:spPr>
+        <p:style>
+          <a:lnRef idx="2">
+            <a:schemeClr val="dk1"/>
+          </a:lnRef>
+          <a:fillRef idx="1">
+            <a:schemeClr val="lt1"/>
+          </a:fillRef>
+          <a:effectRef idx="0">
+            <a:schemeClr val="dk1"/>
+          </a:effectRef>
+          <a:fontRef idx="minor">
+            <a:schemeClr val="dk1"/>
+          </a:fontRef>
+        </p:style>
+        <p:txBody>
+          <a:bodyPr rtlCol="0" anchor="ctr"/>
+          <a:lstStyle/>
+          <a:p>
+            <a:pPr algn="ctr"/>
+            <a:endParaRPr lang="en-US"/>
+          </a:p>
+        </p:txBody>
+      </p:sp>
     </p:spTree>
     <p:extLst>
       <p:ext uri="{BB962C8B-B14F-4D97-AF65-F5344CB8AC3E}">
-        <p14:creationId xmlns:p14="http://schemas.microsoft.com/office/powerpoint/2010/main" val="2520241333"/>
+        <p14:creationId xmlns:p14="http://schemas.microsoft.com/office/powerpoint/2010/main" val="3069183508"/>
+      </p:ext>
+    </p:extLst>
+  </p:cSld>
+  <p:clrMapOvr>
+    <a:masterClrMapping/>
+  </p:clrMapOvr>
+</p:sld>
+</file>
+
+<file path=ppt/slides/slide17.xml><?xml version="1.0" encoding="utf-8"?>
+<p:sld xmlns:a="http://schemas.openxmlformats.org/drawingml/2006/main" xmlns:r="http://schemas.openxmlformats.org/officeDocument/2006/relationships" xmlns:p="http://schemas.openxmlformats.org/presentationml/2006/main">
+  <p:cSld>
+    <p:spTree>
+      <p:nvGrpSpPr>
+        <p:cNvPr id="1" name=""/>
+        <p:cNvGrpSpPr/>
+        <p:nvPr/>
+      </p:nvGrpSpPr>
+      <p:grpSpPr>
+        <a:xfrm>
+          <a:off x="0" y="0"/>
+          <a:ext cx="0" cy="0"/>
+          <a:chOff x="0" y="0"/>
+          <a:chExt cx="0" cy="0"/>
+        </a:xfrm>
+      </p:grpSpPr>
+      <p:pic>
+        <p:nvPicPr>
+          <p:cNvPr id="8" name="Picture 7">
+            <a:extLst>
+              <a:ext uri="{FF2B5EF4-FFF2-40B4-BE49-F238E27FC236}">
+                <a16:creationId xmlns:a16="http://schemas.microsoft.com/office/drawing/2014/main" id="{69E92F4C-5D09-E0B3-94AC-8798276A8C84}"/>
+              </a:ext>
+            </a:extLst>
+          </p:cNvPr>
+          <p:cNvPicPr>
+            <a:picLocks noChangeAspect="1"/>
+          </p:cNvPicPr>
+          <p:nvPr/>
+        </p:nvPicPr>
+        <p:blipFill>
+          <a:blip r:embed="rId2"/>
+          <a:stretch>
+            <a:fillRect/>
+          </a:stretch>
+        </p:blipFill>
+        <p:spPr>
+          <a:xfrm>
+            <a:off x="707571" y="1473963"/>
+            <a:ext cx="10452225" cy="1955037"/>
+          </a:xfrm>
+          <a:prstGeom prst="rect">
+            <a:avLst/>
+          </a:prstGeom>
+        </p:spPr>
+      </p:pic>
+      <p:sp>
+        <p:nvSpPr>
+          <p:cNvPr id="2" name="Title 1">
+            <a:extLst>
+              <a:ext uri="{FF2B5EF4-FFF2-40B4-BE49-F238E27FC236}">
+                <a16:creationId xmlns:a16="http://schemas.microsoft.com/office/drawing/2014/main" id="{669D4382-E589-544A-A7D2-05F56A1BD64A}"/>
+              </a:ext>
+            </a:extLst>
+          </p:cNvPr>
+          <p:cNvSpPr>
+            <a:spLocks noGrp="1"/>
+          </p:cNvSpPr>
+          <p:nvPr>
+            <p:ph type="title"/>
+          </p:nvPr>
+        </p:nvSpPr>
+        <p:spPr/>
+        <p:txBody>
+          <a:bodyPr/>
+          <a:lstStyle/>
+          <a:p>
+            <a:r>
+              <a:rPr lang="en-US" altLang="zh-CN" dirty="0"/>
+              <a:t>8</a:t>
+            </a:r>
+            <a:r>
+              <a:rPr lang="en-US" altLang="zh-CN" baseline="30000" dirty="0"/>
+              <a:t>th</a:t>
+            </a:r>
+            <a:r>
+              <a:rPr lang="zh-CN" altLang="en-US" dirty="0"/>
+              <a:t> </a:t>
+            </a:r>
+            <a:r>
+              <a:rPr lang="en-US" altLang="zh-CN" dirty="0"/>
+              <a:t>step:</a:t>
+            </a:r>
+            <a:r>
+              <a:rPr lang="zh-CN" altLang="en-US" dirty="0"/>
+              <a:t> </a:t>
+            </a:r>
+            <a:r>
+              <a:rPr lang="en-US" altLang="zh-CN" dirty="0"/>
+              <a:t>Download</a:t>
+            </a:r>
+            <a:r>
+              <a:rPr lang="zh-CN" altLang="en-US" dirty="0"/>
+              <a:t> </a:t>
+            </a:r>
+            <a:r>
+              <a:rPr lang="en-US" altLang="zh-CN" dirty="0"/>
+              <a:t>detection</a:t>
+            </a:r>
+            <a:r>
+              <a:rPr lang="zh-CN" altLang="en-US" dirty="0"/>
+              <a:t> </a:t>
+            </a:r>
+            <a:r>
+              <a:rPr lang="en-US" altLang="zh-CN" dirty="0"/>
+              <a:t>and</a:t>
+            </a:r>
+            <a:r>
+              <a:rPr lang="zh-CN" altLang="en-US" dirty="0"/>
+              <a:t> </a:t>
+            </a:r>
+            <a:r>
+              <a:rPr lang="en-US" altLang="zh-CN" dirty="0" err="1"/>
+              <a:t>pdb</a:t>
+            </a:r>
+            <a:r>
+              <a:rPr lang="zh-CN" altLang="en-US" dirty="0"/>
+              <a:t> </a:t>
+            </a:r>
+            <a:r>
+              <a:rPr lang="en-US" altLang="zh-CN" dirty="0"/>
+              <a:t>files</a:t>
+            </a:r>
+            <a:r>
+              <a:rPr lang="zh-CN" altLang="en-US" dirty="0"/>
+              <a:t> </a:t>
+            </a:r>
+            <a:r>
+              <a:rPr lang="en-US" altLang="zh-CN" dirty="0"/>
+              <a:t>locally</a:t>
+            </a:r>
+            <a:endParaRPr lang="en-US" dirty="0"/>
+          </a:p>
+        </p:txBody>
+      </p:sp>
+      <p:sp>
+        <p:nvSpPr>
+          <p:cNvPr id="5" name="Rectangle 4">
+            <a:extLst>
+              <a:ext uri="{FF2B5EF4-FFF2-40B4-BE49-F238E27FC236}">
+                <a16:creationId xmlns:a16="http://schemas.microsoft.com/office/drawing/2014/main" id="{58CF30E3-15CA-DC40-A583-76989D0959ED}"/>
+              </a:ext>
+            </a:extLst>
+          </p:cNvPr>
+          <p:cNvSpPr/>
+          <p:nvPr/>
+        </p:nvSpPr>
+        <p:spPr>
+          <a:xfrm>
+            <a:off x="838200" y="1780821"/>
+            <a:ext cx="308757" cy="373954"/>
+          </a:xfrm>
+          <a:prstGeom prst="rect">
+            <a:avLst/>
+          </a:prstGeom>
+          <a:noFill/>
+          <a:ln w="28575">
+            <a:solidFill>
+              <a:srgbClr val="FF0000"/>
+            </a:solidFill>
+          </a:ln>
+        </p:spPr>
+        <p:style>
+          <a:lnRef idx="2">
+            <a:schemeClr val="dk1"/>
+          </a:lnRef>
+          <a:fillRef idx="1">
+            <a:schemeClr val="lt1"/>
+          </a:fillRef>
+          <a:effectRef idx="0">
+            <a:schemeClr val="dk1"/>
+          </a:effectRef>
+          <a:fontRef idx="minor">
+            <a:schemeClr val="dk1"/>
+          </a:fontRef>
+        </p:style>
+        <p:txBody>
+          <a:bodyPr rtlCol="0" anchor="ctr"/>
+          <a:lstStyle/>
+          <a:p>
+            <a:pPr algn="ctr"/>
+            <a:endParaRPr lang="en-US"/>
+          </a:p>
+        </p:txBody>
+      </p:sp>
+      <p:sp>
+        <p:nvSpPr>
+          <p:cNvPr id="6" name="TextBox 5">
+            <a:extLst>
+              <a:ext uri="{FF2B5EF4-FFF2-40B4-BE49-F238E27FC236}">
+                <a16:creationId xmlns:a16="http://schemas.microsoft.com/office/drawing/2014/main" id="{11CE65E4-76AB-1744-A722-15AE543F5B17}"/>
+              </a:ext>
+            </a:extLst>
+          </p:cNvPr>
+          <p:cNvSpPr txBox="1"/>
+          <p:nvPr/>
+        </p:nvSpPr>
+        <p:spPr>
+          <a:xfrm>
+            <a:off x="1146957" y="1692111"/>
+            <a:ext cx="3621977" cy="369332"/>
+          </a:xfrm>
+          <a:prstGeom prst="rect">
+            <a:avLst/>
+          </a:prstGeom>
+          <a:noFill/>
+        </p:spPr>
+        <p:txBody>
+          <a:bodyPr wrap="square" rtlCol="0">
+            <a:spAutoFit/>
+          </a:bodyPr>
+          <a:lstStyle/>
+          <a:p>
+            <a:r>
+              <a:rPr lang="en-US" altLang="zh-CN" dirty="0">
+                <a:solidFill>
+                  <a:srgbClr val="FF0000"/>
+                </a:solidFill>
+              </a:rPr>
+              <a:t>Click</a:t>
+            </a:r>
+            <a:r>
+              <a:rPr lang="zh-CN" altLang="en-US" dirty="0">
+                <a:solidFill>
+                  <a:srgbClr val="FF0000"/>
+                </a:solidFill>
+              </a:rPr>
+              <a:t> </a:t>
+            </a:r>
+            <a:r>
+              <a:rPr lang="en-US" altLang="zh-CN" dirty="0">
+                <a:solidFill>
+                  <a:srgbClr val="FF0000"/>
+                </a:solidFill>
+              </a:rPr>
+              <a:t>here</a:t>
+            </a:r>
+            <a:r>
+              <a:rPr lang="zh-CN" altLang="en-US" dirty="0">
+                <a:solidFill>
+                  <a:srgbClr val="FF0000"/>
+                </a:solidFill>
+              </a:rPr>
+              <a:t> </a:t>
+            </a:r>
+            <a:r>
+              <a:rPr lang="en-US" altLang="zh-CN" dirty="0">
+                <a:solidFill>
+                  <a:srgbClr val="FF0000"/>
+                </a:solidFill>
+              </a:rPr>
+              <a:t>to</a:t>
+            </a:r>
+            <a:r>
+              <a:rPr lang="zh-CN" altLang="en-US" dirty="0">
+                <a:solidFill>
+                  <a:srgbClr val="FF0000"/>
+                </a:solidFill>
+              </a:rPr>
+              <a:t> </a:t>
+            </a:r>
+            <a:r>
+              <a:rPr lang="en-US" altLang="zh-CN" dirty="0">
+                <a:solidFill>
+                  <a:srgbClr val="FF0000"/>
+                </a:solidFill>
+              </a:rPr>
+              <a:t>download</a:t>
+            </a:r>
+            <a:endParaRPr lang="en-US" dirty="0">
+              <a:solidFill>
+                <a:srgbClr val="FF0000"/>
+              </a:solidFill>
+            </a:endParaRPr>
+          </a:p>
+        </p:txBody>
+      </p:sp>
+      <p:sp>
+        <p:nvSpPr>
+          <p:cNvPr id="10" name="TextBox 9">
+            <a:extLst>
+              <a:ext uri="{FF2B5EF4-FFF2-40B4-BE49-F238E27FC236}">
+                <a16:creationId xmlns:a16="http://schemas.microsoft.com/office/drawing/2014/main" id="{F12FA132-40B4-4FE8-47FD-3B9961E1403E}"/>
+              </a:ext>
+            </a:extLst>
+          </p:cNvPr>
+          <p:cNvSpPr txBox="1"/>
+          <p:nvPr/>
+        </p:nvSpPr>
+        <p:spPr>
+          <a:xfrm>
+            <a:off x="818407" y="3517710"/>
+            <a:ext cx="5277593" cy="369332"/>
+          </a:xfrm>
+          <a:prstGeom prst="rect">
+            <a:avLst/>
+          </a:prstGeom>
+          <a:noFill/>
+        </p:spPr>
+        <p:txBody>
+          <a:bodyPr wrap="square" rtlCol="0">
+            <a:spAutoFit/>
+          </a:bodyPr>
+          <a:lstStyle/>
+          <a:p>
+            <a:r>
+              <a:rPr lang="en-US" altLang="zh-CN" dirty="0">
+                <a:solidFill>
+                  <a:srgbClr val="FF0000"/>
+                </a:solidFill>
+              </a:rPr>
+              <a:t>Detection</a:t>
+            </a:r>
+            <a:r>
+              <a:rPr lang="zh-CN" altLang="en-US" dirty="0">
+                <a:solidFill>
+                  <a:srgbClr val="FF0000"/>
+                </a:solidFill>
+              </a:rPr>
+              <a:t> </a:t>
+            </a:r>
+            <a:r>
+              <a:rPr lang="en-US" altLang="zh-CN" dirty="0">
+                <a:solidFill>
+                  <a:srgbClr val="FF0000"/>
+                </a:solidFill>
+              </a:rPr>
+              <a:t>Results</a:t>
+            </a:r>
+            <a:r>
+              <a:rPr lang="zh-CN" altLang="en-US" dirty="0">
+                <a:solidFill>
+                  <a:srgbClr val="FF0000"/>
+                </a:solidFill>
+              </a:rPr>
+              <a:t> </a:t>
+            </a:r>
+            <a:r>
+              <a:rPr lang="en-US" altLang="zh-CN" dirty="0">
+                <a:solidFill>
+                  <a:srgbClr val="FF0000"/>
+                </a:solidFill>
+              </a:rPr>
+              <a:t>and</a:t>
+            </a:r>
+            <a:r>
+              <a:rPr lang="zh-CN" altLang="en-US" dirty="0">
+                <a:solidFill>
+                  <a:srgbClr val="FF0000"/>
+                </a:solidFill>
+              </a:rPr>
+              <a:t> </a:t>
+            </a:r>
+            <a:r>
+              <a:rPr lang="en-US" altLang="zh-CN" dirty="0">
+                <a:solidFill>
+                  <a:srgbClr val="FF0000"/>
+                </a:solidFill>
+              </a:rPr>
+              <a:t>structure</a:t>
+            </a:r>
+            <a:r>
+              <a:rPr lang="zh-CN" altLang="en-US" dirty="0">
+                <a:solidFill>
+                  <a:srgbClr val="FF0000"/>
+                </a:solidFill>
+              </a:rPr>
+              <a:t> </a:t>
+            </a:r>
+            <a:r>
+              <a:rPr lang="en-US" altLang="zh-CN" dirty="0" err="1">
+                <a:solidFill>
+                  <a:srgbClr val="FF0000"/>
+                </a:solidFill>
+              </a:rPr>
+              <a:t>pdb</a:t>
+            </a:r>
+            <a:r>
+              <a:rPr lang="zh-CN" altLang="en-US" dirty="0">
+                <a:solidFill>
+                  <a:srgbClr val="FF0000"/>
+                </a:solidFill>
+              </a:rPr>
+              <a:t> </a:t>
+            </a:r>
+            <a:r>
+              <a:rPr lang="en-US" altLang="zh-CN" dirty="0">
+                <a:solidFill>
+                  <a:srgbClr val="FF0000"/>
+                </a:solidFill>
+              </a:rPr>
+              <a:t>files</a:t>
+            </a:r>
+            <a:endParaRPr lang="en-US" dirty="0">
+              <a:solidFill>
+                <a:srgbClr val="FF0000"/>
+              </a:solidFill>
+            </a:endParaRPr>
+          </a:p>
+        </p:txBody>
+      </p:sp>
+      <p:pic>
+        <p:nvPicPr>
+          <p:cNvPr id="4" name="Picture 3">
+            <a:extLst>
+              <a:ext uri="{FF2B5EF4-FFF2-40B4-BE49-F238E27FC236}">
+                <a16:creationId xmlns:a16="http://schemas.microsoft.com/office/drawing/2014/main" id="{AB629F2F-97DA-7329-80FD-3C884F45645D}"/>
+              </a:ext>
+            </a:extLst>
+          </p:cNvPr>
+          <p:cNvPicPr>
+            <a:picLocks noChangeAspect="1"/>
+          </p:cNvPicPr>
+          <p:nvPr/>
+        </p:nvPicPr>
+        <p:blipFill>
+          <a:blip r:embed="rId3"/>
+          <a:stretch>
+            <a:fillRect/>
+          </a:stretch>
+        </p:blipFill>
+        <p:spPr>
+          <a:xfrm>
+            <a:off x="726703" y="4067339"/>
+            <a:ext cx="5461000" cy="2197100"/>
+          </a:xfrm>
+          <a:prstGeom prst="rect">
+            <a:avLst/>
+          </a:prstGeom>
+        </p:spPr>
+      </p:pic>
+    </p:spTree>
+    <p:extLst>
+      <p:ext uri="{BB962C8B-B14F-4D97-AF65-F5344CB8AC3E}">
+        <p14:creationId xmlns:p14="http://schemas.microsoft.com/office/powerpoint/2010/main" val="2273542674"/>
+      </p:ext>
+    </p:extLst>
+  </p:cSld>
+  <p:clrMapOvr>
+    <a:masterClrMapping/>
+  </p:clrMapOvr>
+</p:sld>
+</file>
+
+<file path=ppt/slides/slide18.xml><?xml version="1.0" encoding="utf-8"?>
+<p:sld xmlns:a="http://schemas.openxmlformats.org/drawingml/2006/main" xmlns:r="http://schemas.openxmlformats.org/officeDocument/2006/relationships" xmlns:p="http://schemas.openxmlformats.org/presentationml/2006/main">
+  <p:cSld>
+    <p:spTree>
+      <p:nvGrpSpPr>
+        <p:cNvPr id="1" name=""/>
+        <p:cNvGrpSpPr/>
+        <p:nvPr/>
+      </p:nvGrpSpPr>
+      <p:grpSpPr>
+        <a:xfrm>
+          <a:off x="0" y="0"/>
+          <a:ext cx="0" cy="0"/>
+          <a:chOff x="0" y="0"/>
+          <a:chExt cx="0" cy="0"/>
+        </a:xfrm>
+      </p:grpSpPr>
+      <p:pic>
+        <p:nvPicPr>
+          <p:cNvPr id="3" name="Picture 2">
+            <a:extLst>
+              <a:ext uri="{FF2B5EF4-FFF2-40B4-BE49-F238E27FC236}">
+                <a16:creationId xmlns:a16="http://schemas.microsoft.com/office/drawing/2014/main" id="{A0A0EC22-66EC-CEAB-8DE0-98F3EBDD8F7F}"/>
+              </a:ext>
+            </a:extLst>
+          </p:cNvPr>
+          <p:cNvPicPr>
+            <a:picLocks noChangeAspect="1"/>
+          </p:cNvPicPr>
+          <p:nvPr/>
+        </p:nvPicPr>
+        <p:blipFill>
+          <a:blip r:embed="rId2"/>
+          <a:stretch>
+            <a:fillRect/>
+          </a:stretch>
+        </p:blipFill>
+        <p:spPr>
+          <a:xfrm>
+            <a:off x="1209909" y="1205453"/>
+            <a:ext cx="9772182" cy="1628697"/>
+          </a:xfrm>
+          <a:prstGeom prst="rect">
+            <a:avLst/>
+          </a:prstGeom>
+        </p:spPr>
+      </p:pic>
+      <p:sp>
+        <p:nvSpPr>
+          <p:cNvPr id="2" name="Title 1">
+            <a:extLst>
+              <a:ext uri="{FF2B5EF4-FFF2-40B4-BE49-F238E27FC236}">
+                <a16:creationId xmlns:a16="http://schemas.microsoft.com/office/drawing/2014/main" id="{1FEDE80B-BEC2-8045-94AB-8DB0B282E18C}"/>
+              </a:ext>
+            </a:extLst>
+          </p:cNvPr>
+          <p:cNvSpPr>
+            <a:spLocks noGrp="1"/>
+          </p:cNvSpPr>
+          <p:nvPr>
+            <p:ph type="title"/>
+          </p:nvPr>
+        </p:nvSpPr>
+        <p:spPr/>
+        <p:txBody>
+          <a:bodyPr/>
+          <a:lstStyle/>
+          <a:p>
+            <a:r>
+              <a:rPr lang="en-US" altLang="zh-CN" dirty="0"/>
+              <a:t>9</a:t>
+            </a:r>
+            <a:r>
+              <a:rPr lang="en-US" altLang="zh-CN" baseline="30000" dirty="0"/>
+              <a:t>th</a:t>
+            </a:r>
+            <a:r>
+              <a:rPr lang="zh-CN" altLang="en-US" dirty="0"/>
+              <a:t> </a:t>
+            </a:r>
+            <a:r>
+              <a:rPr lang="en-US" altLang="zh-CN" dirty="0"/>
+              <a:t>Structure</a:t>
+            </a:r>
+            <a:r>
+              <a:rPr lang="zh-CN" altLang="en-US" dirty="0"/>
+              <a:t> </a:t>
+            </a:r>
+            <a:r>
+              <a:rPr lang="en-US" altLang="zh-CN" dirty="0"/>
+              <a:t>Visualization</a:t>
+            </a:r>
+            <a:endParaRPr lang="en-US" dirty="0"/>
+          </a:p>
+        </p:txBody>
+      </p:sp>
+      <p:sp>
+        <p:nvSpPr>
+          <p:cNvPr id="5" name="Rectangle 4">
+            <a:extLst>
+              <a:ext uri="{FF2B5EF4-FFF2-40B4-BE49-F238E27FC236}">
+                <a16:creationId xmlns:a16="http://schemas.microsoft.com/office/drawing/2014/main" id="{7A0AF655-6B31-524D-AEAC-3B2AC8834DAD}"/>
+              </a:ext>
+            </a:extLst>
+          </p:cNvPr>
+          <p:cNvSpPr/>
+          <p:nvPr/>
+        </p:nvSpPr>
+        <p:spPr>
+          <a:xfrm>
+            <a:off x="1325088" y="1645848"/>
+            <a:ext cx="308757" cy="373954"/>
+          </a:xfrm>
+          <a:prstGeom prst="rect">
+            <a:avLst/>
+          </a:prstGeom>
+          <a:noFill/>
+          <a:ln w="28575">
+            <a:solidFill>
+              <a:srgbClr val="FF0000"/>
+            </a:solidFill>
+          </a:ln>
+        </p:spPr>
+        <p:style>
+          <a:lnRef idx="2">
+            <a:schemeClr val="dk1"/>
+          </a:lnRef>
+          <a:fillRef idx="1">
+            <a:schemeClr val="lt1"/>
+          </a:fillRef>
+          <a:effectRef idx="0">
+            <a:schemeClr val="dk1"/>
+          </a:effectRef>
+          <a:fontRef idx="minor">
+            <a:schemeClr val="dk1"/>
+          </a:fontRef>
+        </p:style>
+        <p:txBody>
+          <a:bodyPr rtlCol="0" anchor="ctr"/>
+          <a:lstStyle/>
+          <a:p>
+            <a:pPr algn="ctr"/>
+            <a:endParaRPr lang="en-US"/>
+          </a:p>
+        </p:txBody>
+      </p:sp>
+      <p:sp>
+        <p:nvSpPr>
+          <p:cNvPr id="6" name="TextBox 5">
+            <a:extLst>
+              <a:ext uri="{FF2B5EF4-FFF2-40B4-BE49-F238E27FC236}">
+                <a16:creationId xmlns:a16="http://schemas.microsoft.com/office/drawing/2014/main" id="{CD011359-B87D-4840-B956-B27285520642}"/>
+              </a:ext>
+            </a:extLst>
+          </p:cNvPr>
+          <p:cNvSpPr txBox="1"/>
+          <p:nvPr/>
+        </p:nvSpPr>
+        <p:spPr>
+          <a:xfrm>
+            <a:off x="648194" y="2108259"/>
+            <a:ext cx="3621977" cy="369332"/>
+          </a:xfrm>
+          <a:prstGeom prst="rect">
+            <a:avLst/>
+          </a:prstGeom>
+          <a:noFill/>
+        </p:spPr>
+        <p:txBody>
+          <a:bodyPr wrap="square" rtlCol="0">
+            <a:spAutoFit/>
+          </a:bodyPr>
+          <a:lstStyle/>
+          <a:p>
+            <a:r>
+              <a:rPr lang="en-US" altLang="zh-CN" dirty="0">
+                <a:solidFill>
+                  <a:srgbClr val="FF0000"/>
+                </a:solidFill>
+              </a:rPr>
+              <a:t>Click</a:t>
+            </a:r>
+            <a:r>
+              <a:rPr lang="zh-CN" altLang="en-US" dirty="0">
+                <a:solidFill>
+                  <a:srgbClr val="FF0000"/>
+                </a:solidFill>
+              </a:rPr>
+              <a:t> </a:t>
+            </a:r>
+            <a:r>
+              <a:rPr lang="en-US" altLang="zh-CN" dirty="0">
+                <a:solidFill>
+                  <a:srgbClr val="FF0000"/>
+                </a:solidFill>
+              </a:rPr>
+              <a:t>here</a:t>
+            </a:r>
+            <a:r>
+              <a:rPr lang="zh-CN" altLang="en-US" dirty="0">
+                <a:solidFill>
+                  <a:srgbClr val="FF0000"/>
+                </a:solidFill>
+              </a:rPr>
+              <a:t> </a:t>
+            </a:r>
+            <a:r>
+              <a:rPr lang="en-US" altLang="zh-CN" dirty="0">
+                <a:solidFill>
+                  <a:srgbClr val="FF0000"/>
+                </a:solidFill>
+              </a:rPr>
+              <a:t>to</a:t>
+            </a:r>
+            <a:r>
+              <a:rPr lang="zh-CN" altLang="en-US" dirty="0">
+                <a:solidFill>
+                  <a:srgbClr val="FF0000"/>
+                </a:solidFill>
+              </a:rPr>
+              <a:t> </a:t>
+            </a:r>
+            <a:r>
+              <a:rPr lang="en-US" altLang="zh-CN" dirty="0">
+                <a:solidFill>
+                  <a:srgbClr val="FF0000"/>
+                </a:solidFill>
+              </a:rPr>
+              <a:t>visualize</a:t>
+            </a:r>
+            <a:endParaRPr lang="en-US" dirty="0">
+              <a:solidFill>
+                <a:srgbClr val="FF0000"/>
+              </a:solidFill>
+            </a:endParaRPr>
+          </a:p>
+        </p:txBody>
+      </p:sp>
+      <p:pic>
+        <p:nvPicPr>
+          <p:cNvPr id="9" name="Picture 8">
+            <a:extLst>
+              <a:ext uri="{FF2B5EF4-FFF2-40B4-BE49-F238E27FC236}">
+                <a16:creationId xmlns:a16="http://schemas.microsoft.com/office/drawing/2014/main" id="{2E9C6102-6F06-06E8-DB9E-883983A4A16F}"/>
+              </a:ext>
+            </a:extLst>
+          </p:cNvPr>
+          <p:cNvPicPr>
+            <a:picLocks noChangeAspect="1"/>
+          </p:cNvPicPr>
+          <p:nvPr/>
+        </p:nvPicPr>
+        <p:blipFill>
+          <a:blip r:embed="rId3"/>
+          <a:stretch>
+            <a:fillRect/>
+          </a:stretch>
+        </p:blipFill>
+        <p:spPr>
+          <a:xfrm>
+            <a:off x="2771156" y="2895162"/>
+            <a:ext cx="5295900" cy="3213100"/>
+          </a:xfrm>
+          <a:prstGeom prst="rect">
+            <a:avLst/>
+          </a:prstGeom>
+        </p:spPr>
+      </p:pic>
+    </p:spTree>
+    <p:extLst>
+      <p:ext uri="{BB962C8B-B14F-4D97-AF65-F5344CB8AC3E}">
+        <p14:creationId xmlns:p14="http://schemas.microsoft.com/office/powerpoint/2010/main" val="1378924758"/>
+      </p:ext>
+    </p:extLst>
+  </p:cSld>
+  <p:clrMapOvr>
+    <a:masterClrMapping/>
+  </p:clrMapOvr>
+</p:sld>
+</file>
+
+<file path=ppt/slides/slide19.xml><?xml version="1.0" encoding="utf-8"?>
+<p:sld xmlns:a="http://schemas.openxmlformats.org/drawingml/2006/main" xmlns:r="http://schemas.openxmlformats.org/officeDocument/2006/relationships" xmlns:p="http://schemas.openxmlformats.org/presentationml/2006/main">
+  <p:cSld>
+    <p:spTree>
+      <p:nvGrpSpPr>
+        <p:cNvPr id="1" name=""/>
+        <p:cNvGrpSpPr/>
+        <p:nvPr/>
+      </p:nvGrpSpPr>
+      <p:grpSpPr>
+        <a:xfrm>
+          <a:off x="0" y="0"/>
+          <a:ext cx="0" cy="0"/>
+          <a:chOff x="0" y="0"/>
+          <a:chExt cx="0" cy="0"/>
+        </a:xfrm>
+      </p:grpSpPr>
+      <p:sp>
+        <p:nvSpPr>
+          <p:cNvPr id="2" name="Title 1">
+            <a:extLst>
+              <a:ext uri="{FF2B5EF4-FFF2-40B4-BE49-F238E27FC236}">
+                <a16:creationId xmlns:a16="http://schemas.microsoft.com/office/drawing/2014/main" id="{2060A6F2-FD51-CC47-A5B7-AD93C32E1369}"/>
+              </a:ext>
+            </a:extLst>
+          </p:cNvPr>
+          <p:cNvSpPr>
+            <a:spLocks noGrp="1"/>
+          </p:cNvSpPr>
+          <p:nvPr>
+            <p:ph type="title"/>
+          </p:nvPr>
+        </p:nvSpPr>
+        <p:spPr/>
+        <p:txBody>
+          <a:bodyPr/>
+          <a:lstStyle/>
+          <a:p>
+            <a:r>
+              <a:rPr lang="en-US" altLang="zh-CN" dirty="0"/>
+              <a:t>Contact</a:t>
+            </a:r>
+            <a:endParaRPr lang="en-US" dirty="0"/>
+          </a:p>
+        </p:txBody>
+      </p:sp>
+      <p:sp>
+        <p:nvSpPr>
+          <p:cNvPr id="3" name="Content Placeholder 2">
+            <a:extLst>
+              <a:ext uri="{FF2B5EF4-FFF2-40B4-BE49-F238E27FC236}">
+                <a16:creationId xmlns:a16="http://schemas.microsoft.com/office/drawing/2014/main" id="{D937B5BC-CBD2-2A45-A5ED-5CDB32CD6103}"/>
+              </a:ext>
+            </a:extLst>
+          </p:cNvPr>
+          <p:cNvSpPr>
+            <a:spLocks noGrp="1"/>
+          </p:cNvSpPr>
+          <p:nvPr>
+            <p:ph idx="1"/>
+          </p:nvPr>
+        </p:nvSpPr>
+        <p:spPr/>
+        <p:txBody>
+          <a:bodyPr/>
+          <a:lstStyle/>
+          <a:p>
+            <a:r>
+              <a:rPr lang="en-US" altLang="zh-CN" dirty="0"/>
+              <a:t>Professor:</a:t>
+            </a:r>
+          </a:p>
+          <a:p>
+            <a:r>
+              <a:rPr lang="en-US" altLang="zh-CN" dirty="0"/>
+              <a:t>Daisuke</a:t>
+            </a:r>
+            <a:r>
+              <a:rPr lang="zh-CN" altLang="en-US" dirty="0"/>
+              <a:t> </a:t>
+            </a:r>
+            <a:r>
+              <a:rPr lang="en-US" altLang="zh-CN" dirty="0" err="1"/>
+              <a:t>Kihara</a:t>
+            </a:r>
+            <a:r>
+              <a:rPr lang="zh-CN" altLang="en-US" dirty="0"/>
+              <a:t> </a:t>
+            </a:r>
+            <a:r>
+              <a:rPr lang="en-US" altLang="zh-CN" dirty="0"/>
+              <a:t>(</a:t>
+            </a:r>
+            <a:r>
+              <a:rPr lang="en-US" altLang="zh-CN" dirty="0">
+                <a:hlinkClick r:id="rId2"/>
+              </a:rPr>
+              <a:t>dkihara@purdue.edu</a:t>
+            </a:r>
+            <a:r>
+              <a:rPr lang="en-US" altLang="zh-CN" dirty="0"/>
+              <a:t>)</a:t>
+            </a:r>
+          </a:p>
+          <a:p>
+            <a:endParaRPr lang="en-US" dirty="0"/>
+          </a:p>
+          <a:p>
+            <a:r>
+              <a:rPr lang="en-US" altLang="zh-CN" dirty="0"/>
+              <a:t>Developer:</a:t>
+            </a:r>
+          </a:p>
+          <a:p>
+            <a:r>
+              <a:rPr lang="en-US" altLang="zh-CN" dirty="0"/>
+              <a:t>Xiao</a:t>
+            </a:r>
+            <a:r>
+              <a:rPr lang="zh-CN" altLang="en-US" dirty="0"/>
+              <a:t> </a:t>
+            </a:r>
+            <a:r>
+              <a:rPr lang="en-US" altLang="zh-CN" dirty="0"/>
+              <a:t>Wang</a:t>
+            </a:r>
+            <a:r>
+              <a:rPr lang="zh-CN" altLang="en-US" dirty="0"/>
+              <a:t> </a:t>
+            </a:r>
+            <a:r>
+              <a:rPr lang="en-US" altLang="zh-CN" dirty="0"/>
+              <a:t>(</a:t>
+            </a:r>
+            <a:r>
+              <a:rPr lang="en-US" altLang="zh-CN" dirty="0">
+                <a:hlinkClick r:id="rId3"/>
+              </a:rPr>
+              <a:t>wang3702@purdue.edu</a:t>
+            </a:r>
+            <a:r>
+              <a:rPr lang="en-US" altLang="zh-CN" dirty="0"/>
+              <a:t>)</a:t>
+            </a:r>
+            <a:endParaRPr lang="en-US" dirty="0"/>
+          </a:p>
+        </p:txBody>
+      </p:sp>
+    </p:spTree>
+    <p:extLst>
+      <p:ext uri="{BB962C8B-B14F-4D97-AF65-F5344CB8AC3E}">
+        <p14:creationId xmlns:p14="http://schemas.microsoft.com/office/powerpoint/2010/main" val="3490670645"/>
+      </p:ext>
+    </p:extLst>
+  </p:cSld>
+  <p:clrMapOvr>
+    <a:masterClrMapping/>
+  </p:clrMapOvr>
+</p:sld>
+</file>
+
+<file path=ppt/slides/slide2.xml><?xml version="1.0" encoding="utf-8"?>
+<p:sld xmlns:a="http://schemas.openxmlformats.org/drawingml/2006/main" xmlns:r="http://schemas.openxmlformats.org/officeDocument/2006/relationships" xmlns:p="http://schemas.openxmlformats.org/presentationml/2006/main">
+  <p:cSld>
+    <p:spTree>
+      <p:nvGrpSpPr>
+        <p:cNvPr id="1" name=""/>
+        <p:cNvGrpSpPr/>
+        <p:nvPr/>
+      </p:nvGrpSpPr>
+      <p:grpSpPr>
+        <a:xfrm>
+          <a:off x="0" y="0"/>
+          <a:ext cx="0" cy="0"/>
+          <a:chOff x="0" y="0"/>
+          <a:chExt cx="0" cy="0"/>
+        </a:xfrm>
+      </p:grpSpPr>
+      <p:sp>
+        <p:nvSpPr>
+          <p:cNvPr id="2" name="Title 1">
+            <a:extLst>
+              <a:ext uri="{FF2B5EF4-FFF2-40B4-BE49-F238E27FC236}">
+                <a16:creationId xmlns:a16="http://schemas.microsoft.com/office/drawing/2014/main" id="{5B26988A-2AEC-3E45-BAD6-DC7D92F75D0A}"/>
+              </a:ext>
+            </a:extLst>
+          </p:cNvPr>
+          <p:cNvSpPr>
+            <a:spLocks noGrp="1"/>
+          </p:cNvSpPr>
+          <p:nvPr>
+            <p:ph type="title"/>
+          </p:nvPr>
+        </p:nvSpPr>
+        <p:spPr/>
+        <p:txBody>
+          <a:bodyPr/>
+          <a:lstStyle/>
+          <a:p>
+            <a:r>
+              <a:rPr lang="en-US" altLang="zh-CN" dirty="0" err="1"/>
+              <a:t>CryoREAD</a:t>
+            </a:r>
+            <a:r>
+              <a:rPr lang="zh-CN" altLang="en-US" dirty="0"/>
+              <a:t> </a:t>
+            </a:r>
+            <a:r>
+              <a:rPr lang="en-US" altLang="zh-CN" dirty="0"/>
+              <a:t>EM</a:t>
+            </a:r>
+            <a:r>
+              <a:rPr lang="zh-CN" altLang="en-US" dirty="0"/>
+              <a:t> </a:t>
+            </a:r>
+            <a:r>
+              <a:rPr lang="en-US" altLang="zh-CN" dirty="0"/>
+              <a:t>Server</a:t>
+            </a:r>
+            <a:endParaRPr lang="en-US" dirty="0"/>
+          </a:p>
+        </p:txBody>
+      </p:sp>
+      <p:sp>
+        <p:nvSpPr>
+          <p:cNvPr id="3" name="Content Placeholder 2">
+            <a:extLst>
+              <a:ext uri="{FF2B5EF4-FFF2-40B4-BE49-F238E27FC236}">
+                <a16:creationId xmlns:a16="http://schemas.microsoft.com/office/drawing/2014/main" id="{7B1E136A-903A-DD41-9C51-3F472339321B}"/>
+              </a:ext>
+            </a:extLst>
+          </p:cNvPr>
+          <p:cNvSpPr>
+            <a:spLocks noGrp="1"/>
+          </p:cNvSpPr>
+          <p:nvPr>
+            <p:ph idx="1"/>
+          </p:nvPr>
+        </p:nvSpPr>
+        <p:spPr/>
+        <p:txBody>
+          <a:bodyPr/>
+          <a:lstStyle/>
+          <a:p>
+            <a:r>
+              <a:rPr lang="en-US" altLang="zh-CN" dirty="0"/>
+              <a:t>Code:</a:t>
+            </a:r>
+          </a:p>
+          <a:p>
+            <a:r>
+              <a:rPr lang="en-US" dirty="0">
+                <a:hlinkClick r:id="rId2"/>
+              </a:rPr>
+              <a:t>https://github.com/kiharalab/CryoREAD</a:t>
+            </a:r>
+            <a:r>
+              <a:rPr lang="zh-CN" altLang="en-US" dirty="0"/>
+              <a:t> </a:t>
+            </a:r>
+            <a:endParaRPr lang="en-US" dirty="0"/>
+          </a:p>
+          <a:p>
+            <a:r>
+              <a:rPr lang="en-US" altLang="zh-CN" dirty="0"/>
+              <a:t>Server:</a:t>
+            </a:r>
+          </a:p>
+          <a:p>
+            <a:r>
+              <a:rPr lang="en-US" dirty="0">
+                <a:hlinkClick r:id="rId3"/>
+              </a:rPr>
+              <a:t>https://em.kiharalab.org/algorithm/CryoREAD</a:t>
+            </a:r>
+            <a:r>
+              <a:rPr lang="zh-CN" altLang="en-US" dirty="0"/>
+              <a:t> </a:t>
+            </a:r>
+            <a:endParaRPr lang="en-US" dirty="0"/>
+          </a:p>
+        </p:txBody>
+      </p:sp>
+      <p:pic>
+        <p:nvPicPr>
+          <p:cNvPr id="4" name="Picture 3">
+            <a:extLst>
+              <a:ext uri="{FF2B5EF4-FFF2-40B4-BE49-F238E27FC236}">
+                <a16:creationId xmlns:a16="http://schemas.microsoft.com/office/drawing/2014/main" id="{E91A09D2-0DFA-0067-B2BB-0C94E9658C9C}"/>
+              </a:ext>
+            </a:extLst>
+          </p:cNvPr>
+          <p:cNvPicPr>
+            <a:picLocks noChangeAspect="1"/>
+          </p:cNvPicPr>
+          <p:nvPr/>
+        </p:nvPicPr>
+        <p:blipFill>
+          <a:blip r:embed="rId4"/>
+          <a:stretch>
+            <a:fillRect/>
+          </a:stretch>
+        </p:blipFill>
+        <p:spPr>
+          <a:xfrm>
+            <a:off x="8491404" y="1825625"/>
+            <a:ext cx="2061266" cy="2029796"/>
+          </a:xfrm>
+          <a:prstGeom prst="rect">
+            <a:avLst/>
+          </a:prstGeom>
+        </p:spPr>
+      </p:pic>
+    </p:spTree>
+    <p:extLst>
+      <p:ext uri="{BB962C8B-B14F-4D97-AF65-F5344CB8AC3E}">
+        <p14:creationId xmlns:p14="http://schemas.microsoft.com/office/powerpoint/2010/main" val="1989060748"/>
+      </p:ext>
+    </p:extLst>
+  </p:cSld>
+  <p:clrMapOvr>
+    <a:masterClrMapping/>
+  </p:clrMapOvr>
+</p:sld>
+</file>
+
+<file path=ppt/slides/slide20.xml><?xml version="1.0" encoding="utf-8"?>
+<p:sld xmlns:a="http://schemas.openxmlformats.org/drawingml/2006/main" xmlns:r="http://schemas.openxmlformats.org/officeDocument/2006/relationships" xmlns:p="http://schemas.openxmlformats.org/presentationml/2006/main">
+  <p:cSld>
+    <p:spTree>
+      <p:nvGrpSpPr>
+        <p:cNvPr id="1" name=""/>
+        <p:cNvGrpSpPr/>
+        <p:nvPr/>
+      </p:nvGrpSpPr>
+      <p:grpSpPr>
+        <a:xfrm>
+          <a:off x="0" y="0"/>
+          <a:ext cx="0" cy="0"/>
+          <a:chOff x="0" y="0"/>
+          <a:chExt cx="0" cy="0"/>
+        </a:xfrm>
+      </p:grpSpPr>
+      <p:sp>
+        <p:nvSpPr>
+          <p:cNvPr id="2" name="Rectangle 1">
+            <a:extLst>
+              <a:ext uri="{FF2B5EF4-FFF2-40B4-BE49-F238E27FC236}">
+                <a16:creationId xmlns:a16="http://schemas.microsoft.com/office/drawing/2014/main" id="{0AB11C23-7A95-EC48-9EF8-4998FEAAE2B7}"/>
+              </a:ext>
+            </a:extLst>
+          </p:cNvPr>
+          <p:cNvSpPr/>
+          <p:nvPr/>
+        </p:nvSpPr>
+        <p:spPr>
+          <a:xfrm>
+            <a:off x="4408517" y="2967335"/>
+            <a:ext cx="3374963" cy="923330"/>
+          </a:xfrm>
+          <a:prstGeom prst="rect">
+            <a:avLst/>
+          </a:prstGeom>
+          <a:noFill/>
+        </p:spPr>
+        <p:txBody>
+          <a:bodyPr wrap="none" lIns="91440" tIns="45720" rIns="91440" bIns="45720">
+            <a:spAutoFit/>
+          </a:bodyPr>
+          <a:lstStyle/>
+          <a:p>
+            <a:pPr algn="ctr"/>
+            <a:r>
+              <a:rPr lang="en-US" altLang="zh-CN" sz="5400" b="1" cap="none" spc="0" dirty="0">
+                <a:ln w="9525">
+                  <a:solidFill>
+                    <a:schemeClr val="bg1"/>
+                  </a:solidFill>
+                  <a:prstDash val="solid"/>
+                </a:ln>
+                <a:solidFill>
+                  <a:schemeClr val="accent5"/>
+                </a:solidFill>
+                <a:effectLst>
+                  <a:outerShdw blurRad="12700" dist="38100" dir="2700000" algn="tl" rotWithShape="0">
+                    <a:schemeClr val="accent5">
+                      <a:lumMod val="60000"/>
+                      <a:lumOff val="40000"/>
+                    </a:schemeClr>
+                  </a:outerShdw>
+                </a:effectLst>
+              </a:rPr>
+              <a:t>Thank</a:t>
+            </a:r>
+            <a:r>
+              <a:rPr lang="zh-CN" altLang="en-US" sz="5400" b="1" cap="none" spc="0" dirty="0">
+                <a:ln w="9525">
+                  <a:solidFill>
+                    <a:schemeClr val="bg1"/>
+                  </a:solidFill>
+                  <a:prstDash val="solid"/>
+                </a:ln>
+                <a:solidFill>
+                  <a:schemeClr val="accent5"/>
+                </a:solidFill>
+                <a:effectLst>
+                  <a:outerShdw blurRad="12700" dist="38100" dir="2700000" algn="tl" rotWithShape="0">
+                    <a:schemeClr val="accent5">
+                      <a:lumMod val="60000"/>
+                      <a:lumOff val="40000"/>
+                    </a:schemeClr>
+                  </a:outerShdw>
+                </a:effectLst>
+              </a:rPr>
+              <a:t> </a:t>
+            </a:r>
+            <a:r>
+              <a:rPr lang="en-US" altLang="zh-CN" sz="5400" b="1" cap="none" spc="0" dirty="0">
+                <a:ln w="9525">
+                  <a:solidFill>
+                    <a:schemeClr val="bg1"/>
+                  </a:solidFill>
+                  <a:prstDash val="solid"/>
+                </a:ln>
+                <a:solidFill>
+                  <a:schemeClr val="accent5"/>
+                </a:solidFill>
+                <a:effectLst>
+                  <a:outerShdw blurRad="12700" dist="38100" dir="2700000" algn="tl" rotWithShape="0">
+                    <a:schemeClr val="accent5">
+                      <a:lumMod val="60000"/>
+                      <a:lumOff val="40000"/>
+                    </a:schemeClr>
+                  </a:outerShdw>
+                </a:effectLst>
+              </a:rPr>
+              <a:t>You</a:t>
+            </a:r>
+            <a:r>
+              <a:rPr lang="en-US" altLang="zh-CN" sz="5400" b="1" dirty="0">
+                <a:ln w="9525">
+                  <a:solidFill>
+                    <a:schemeClr val="bg1"/>
+                  </a:solidFill>
+                  <a:prstDash val="solid"/>
+                </a:ln>
+                <a:solidFill>
+                  <a:schemeClr val="accent5"/>
+                </a:solidFill>
+                <a:effectLst>
+                  <a:outerShdw blurRad="12700" dist="38100" dir="2700000" algn="tl" rotWithShape="0">
+                    <a:schemeClr val="accent5">
+                      <a:lumMod val="60000"/>
+                      <a:lumOff val="40000"/>
+                    </a:schemeClr>
+                  </a:outerShdw>
+                </a:effectLst>
+              </a:rPr>
+              <a:t>!</a:t>
+            </a:r>
+            <a:endParaRPr lang="en-US" sz="5400" b="1" cap="none" spc="0" dirty="0">
+              <a:ln w="9525">
+                <a:solidFill>
+                  <a:schemeClr val="bg1"/>
+                </a:solidFill>
+                <a:prstDash val="solid"/>
+              </a:ln>
+              <a:solidFill>
+                <a:schemeClr val="accent5"/>
+              </a:solidFill>
+              <a:effectLst>
+                <a:outerShdw blurRad="12700" dist="38100" dir="2700000" algn="tl" rotWithShape="0">
+                  <a:schemeClr val="accent5">
+                    <a:lumMod val="60000"/>
+                    <a:lumOff val="40000"/>
+                  </a:schemeClr>
+                </a:outerShdw>
+              </a:effectLst>
+            </a:endParaRPr>
+          </a:p>
+        </p:txBody>
+      </p:sp>
+    </p:spTree>
+    <p:extLst>
+      <p:ext uri="{BB962C8B-B14F-4D97-AF65-F5344CB8AC3E}">
+        <p14:creationId xmlns:p14="http://schemas.microsoft.com/office/powerpoint/2010/main" val="230687441"/>
+      </p:ext>
+    </p:extLst>
+  </p:cSld>
+  <p:clrMapOvr>
+    <a:masterClrMapping/>
+  </p:clrMapOvr>
+</p:sld>
+</file>
+
+<file path=ppt/slides/slide3.xml><?xml version="1.0" encoding="utf-8"?>
+<p:sld xmlns:a="http://schemas.openxmlformats.org/drawingml/2006/main" xmlns:r="http://schemas.openxmlformats.org/officeDocument/2006/relationships" xmlns:p="http://schemas.openxmlformats.org/presentationml/2006/main">
+  <p:cSld>
+    <p:spTree>
+      <p:nvGrpSpPr>
+        <p:cNvPr id="1" name=""/>
+        <p:cNvGrpSpPr/>
+        <p:nvPr/>
+      </p:nvGrpSpPr>
+      <p:grpSpPr>
+        <a:xfrm>
+          <a:off x="0" y="0"/>
+          <a:ext cx="0" cy="0"/>
+          <a:chOff x="0" y="0"/>
+          <a:chExt cx="0" cy="0"/>
+        </a:xfrm>
+      </p:grpSpPr>
+      <p:sp>
+        <p:nvSpPr>
+          <p:cNvPr id="2" name="Title 1">
+            <a:extLst>
+              <a:ext uri="{FF2B5EF4-FFF2-40B4-BE49-F238E27FC236}">
+                <a16:creationId xmlns:a16="http://schemas.microsoft.com/office/drawing/2014/main" id="{5B26988A-2AEC-3E45-BAD6-DC7D92F75D0A}"/>
+              </a:ext>
+            </a:extLst>
+          </p:cNvPr>
+          <p:cNvSpPr>
+            <a:spLocks noGrp="1"/>
+          </p:cNvSpPr>
+          <p:nvPr>
+            <p:ph type="title"/>
+          </p:nvPr>
+        </p:nvSpPr>
+        <p:spPr/>
+        <p:txBody>
+          <a:bodyPr/>
+          <a:lstStyle/>
+          <a:p>
+            <a:r>
+              <a:rPr lang="en-US" altLang="zh-CN" dirty="0"/>
+              <a:t>1</a:t>
+            </a:r>
+            <a:r>
+              <a:rPr lang="en-US" altLang="zh-CN" baseline="30000" dirty="0"/>
+              <a:t>st</a:t>
+            </a:r>
+            <a:r>
+              <a:rPr lang="zh-CN" altLang="en-US" dirty="0"/>
+              <a:t> </a:t>
+            </a:r>
+            <a:r>
+              <a:rPr lang="en-US" altLang="zh-CN" dirty="0"/>
+              <a:t>step</a:t>
+            </a:r>
+            <a:r>
+              <a:rPr lang="zh-CN" altLang="en-US" dirty="0"/>
+              <a:t> </a:t>
+            </a:r>
+            <a:r>
+              <a:rPr lang="en-US" altLang="zh-CN" dirty="0"/>
+              <a:t>(optional):</a:t>
+            </a:r>
+            <a:r>
+              <a:rPr lang="zh-CN" altLang="en-US" dirty="0"/>
+              <a:t> </a:t>
+            </a:r>
+            <a:r>
+              <a:rPr lang="en-US" altLang="zh-CN" dirty="0"/>
+              <a:t>Registration</a:t>
+            </a:r>
+            <a:r>
+              <a:rPr lang="zh-CN" altLang="en-US" dirty="0"/>
+              <a:t>  </a:t>
+            </a:r>
+            <a:endParaRPr lang="en-US" dirty="0"/>
+          </a:p>
+        </p:txBody>
+      </p:sp>
+      <p:sp>
+        <p:nvSpPr>
+          <p:cNvPr id="6" name="Content Placeholder 5">
+            <a:extLst>
+              <a:ext uri="{FF2B5EF4-FFF2-40B4-BE49-F238E27FC236}">
+                <a16:creationId xmlns:a16="http://schemas.microsoft.com/office/drawing/2014/main" id="{0029DC44-0B73-8482-EDBC-C5B74FF332B1}"/>
+              </a:ext>
+            </a:extLst>
+          </p:cNvPr>
+          <p:cNvSpPr>
+            <a:spLocks noGrp="1"/>
+          </p:cNvSpPr>
+          <p:nvPr>
+            <p:ph idx="1"/>
+          </p:nvPr>
+        </p:nvSpPr>
+        <p:spPr>
+          <a:xfrm>
+            <a:off x="838200" y="1568066"/>
+            <a:ext cx="10515600" cy="4351338"/>
+          </a:xfrm>
+        </p:spPr>
+        <p:txBody>
+          <a:bodyPr/>
+          <a:lstStyle/>
+          <a:p>
+            <a:r>
+              <a:rPr lang="en-US" dirty="0">
+                <a:hlinkClick r:id="rId2"/>
+              </a:rPr>
+              <a:t>https://em.kiharalab.org/users/registerpage</a:t>
+            </a:r>
+            <a:endParaRPr lang="en-US" dirty="0"/>
+          </a:p>
+          <a:p>
+            <a:pPr algn="l"/>
+            <a:r>
+              <a:rPr lang="en-US" b="0" i="0" dirty="0">
+                <a:solidFill>
+                  <a:srgbClr val="212529"/>
+                </a:solidFill>
+                <a:effectLst/>
+                <a:latin typeface="Arial" panose="020B0604020202020204" pitchFamily="34" charset="0"/>
+              </a:rPr>
+              <a:t> You will need to verify your email address to activate the account. The email will usually arrive instantly, but it might also take up to 1-2 hours.</a:t>
+            </a:r>
+            <a:br>
+              <a:rPr lang="en-US" dirty="0"/>
+            </a:br>
+            <a:endParaRPr lang="en-US" dirty="0"/>
+          </a:p>
+        </p:txBody>
+      </p:sp>
+      <p:pic>
+        <p:nvPicPr>
+          <p:cNvPr id="7" name="Picture 6">
+            <a:extLst>
+              <a:ext uri="{FF2B5EF4-FFF2-40B4-BE49-F238E27FC236}">
+                <a16:creationId xmlns:a16="http://schemas.microsoft.com/office/drawing/2014/main" id="{864C2076-AFFC-19FF-5DA7-423EF3959BBE}"/>
+              </a:ext>
+            </a:extLst>
+          </p:cNvPr>
+          <p:cNvPicPr>
+            <a:picLocks noChangeAspect="1"/>
+          </p:cNvPicPr>
+          <p:nvPr/>
+        </p:nvPicPr>
+        <p:blipFill>
+          <a:blip r:embed="rId3"/>
+          <a:stretch>
+            <a:fillRect/>
+          </a:stretch>
+        </p:blipFill>
+        <p:spPr>
+          <a:xfrm>
+            <a:off x="3369879" y="3429000"/>
+            <a:ext cx="2053459" cy="3080188"/>
+          </a:xfrm>
+          <a:prstGeom prst="rect">
+            <a:avLst/>
+          </a:prstGeom>
+        </p:spPr>
+      </p:pic>
+      <p:pic>
+        <p:nvPicPr>
+          <p:cNvPr id="1026" name="Picture 2" descr="Step 1 Screenshot">
+            <a:extLst>
+              <a:ext uri="{FF2B5EF4-FFF2-40B4-BE49-F238E27FC236}">
+                <a16:creationId xmlns:a16="http://schemas.microsoft.com/office/drawing/2014/main" id="{852C219A-EAE2-D1CC-1B03-FA4DBD01A211}"/>
+              </a:ext>
+            </a:extLst>
+          </p:cNvPr>
+          <p:cNvPicPr>
+            <a:picLocks noChangeAspect="1" noChangeArrowheads="1"/>
+          </p:cNvPicPr>
+          <p:nvPr/>
+        </p:nvPicPr>
+        <p:blipFill>
+          <a:blip r:embed="rId4">
+            <a:extLst>
+              <a:ext uri="{28A0092B-C50C-407E-A947-70E740481C1C}">
+                <a14:useLocalDpi xmlns:a14="http://schemas.microsoft.com/office/drawing/2010/main" val="0"/>
+              </a:ext>
+            </a:extLst>
+          </a:blip>
+          <a:srcRect/>
+          <a:stretch>
+            <a:fillRect/>
+          </a:stretch>
+        </p:blipFill>
+        <p:spPr bwMode="auto">
+          <a:xfrm>
+            <a:off x="6360890" y="3429000"/>
+            <a:ext cx="2448538" cy="3200510"/>
+          </a:xfrm>
+          <a:prstGeom prst="rect">
+            <a:avLst/>
+          </a:prstGeom>
+          <a:noFill/>
+          <a:extLst>
+            <a:ext uri="{909E8E84-426E-40DD-AFC4-6F175D3DCCD1}">
+              <a14:hiddenFill xmlns:a14="http://schemas.microsoft.com/office/drawing/2010/main">
+                <a:solidFill>
+                  <a:srgbClr val="FFFFFF"/>
+                </a:solidFill>
+              </a14:hiddenFill>
+            </a:ext>
+          </a:extLst>
+        </p:spPr>
+      </p:pic>
+    </p:spTree>
+    <p:extLst>
+      <p:ext uri="{BB962C8B-B14F-4D97-AF65-F5344CB8AC3E}">
+        <p14:creationId xmlns:p14="http://schemas.microsoft.com/office/powerpoint/2010/main" val="3898453046"/>
+      </p:ext>
+    </p:extLst>
+  </p:cSld>
+  <p:clrMapOvr>
+    <a:masterClrMapping/>
+  </p:clrMapOvr>
+</p:sld>
+</file>
+
+<file path=ppt/slides/slide4.xml><?xml version="1.0" encoding="utf-8"?>
+<p:sld xmlns:a="http://schemas.openxmlformats.org/drawingml/2006/main" xmlns:r="http://schemas.openxmlformats.org/officeDocument/2006/relationships" xmlns:p="http://schemas.openxmlformats.org/presentationml/2006/main">
+  <p:cSld>
+    <p:spTree>
+      <p:nvGrpSpPr>
+        <p:cNvPr id="1" name=""/>
+        <p:cNvGrpSpPr/>
+        <p:nvPr/>
+      </p:nvGrpSpPr>
+      <p:grpSpPr>
+        <a:xfrm>
+          <a:off x="0" y="0"/>
+          <a:ext cx="0" cy="0"/>
+          <a:chOff x="0" y="0"/>
+          <a:chExt cx="0" cy="0"/>
+        </a:xfrm>
+      </p:grpSpPr>
+      <p:sp>
+        <p:nvSpPr>
+          <p:cNvPr id="2" name="Title 1">
+            <a:extLst>
+              <a:ext uri="{FF2B5EF4-FFF2-40B4-BE49-F238E27FC236}">
+                <a16:creationId xmlns:a16="http://schemas.microsoft.com/office/drawing/2014/main" id="{5B26988A-2AEC-3E45-BAD6-DC7D92F75D0A}"/>
+              </a:ext>
+            </a:extLst>
+          </p:cNvPr>
+          <p:cNvSpPr>
+            <a:spLocks noGrp="1"/>
+          </p:cNvSpPr>
+          <p:nvPr>
+            <p:ph type="title"/>
+          </p:nvPr>
+        </p:nvSpPr>
+        <p:spPr/>
+        <p:txBody>
+          <a:bodyPr/>
+          <a:lstStyle/>
+          <a:p>
+            <a:r>
+              <a:rPr lang="en-US" altLang="zh-CN" dirty="0"/>
+              <a:t>2</a:t>
+            </a:r>
+            <a:r>
+              <a:rPr lang="en-US" altLang="zh-CN" baseline="30000" dirty="0"/>
+              <a:t>nd</a:t>
+            </a:r>
+            <a:r>
+              <a:rPr lang="zh-CN" altLang="en-US" dirty="0"/>
+              <a:t> </a:t>
+            </a:r>
+            <a:r>
+              <a:rPr lang="en-US" altLang="zh-CN" dirty="0"/>
+              <a:t>step:</a:t>
+            </a:r>
+            <a:r>
+              <a:rPr lang="zh-CN" altLang="en-US" dirty="0"/>
+              <a:t> </a:t>
+            </a:r>
+            <a:r>
+              <a:rPr lang="en-US" altLang="zh-CN" dirty="0"/>
+              <a:t>Submit</a:t>
+            </a:r>
+            <a:r>
+              <a:rPr lang="zh-CN" altLang="en-US" dirty="0"/>
+              <a:t> </a:t>
+            </a:r>
+            <a:r>
+              <a:rPr lang="en-US" altLang="zh-CN" dirty="0"/>
+              <a:t>Jobs</a:t>
+            </a:r>
+            <a:endParaRPr lang="en-US" dirty="0"/>
+          </a:p>
+        </p:txBody>
+      </p:sp>
+      <p:sp>
+        <p:nvSpPr>
+          <p:cNvPr id="6" name="Content Placeholder 5">
+            <a:extLst>
+              <a:ext uri="{FF2B5EF4-FFF2-40B4-BE49-F238E27FC236}">
+                <a16:creationId xmlns:a16="http://schemas.microsoft.com/office/drawing/2014/main" id="{0029DC44-0B73-8482-EDBC-C5B74FF332B1}"/>
+              </a:ext>
+            </a:extLst>
+          </p:cNvPr>
+          <p:cNvSpPr>
+            <a:spLocks noGrp="1"/>
+          </p:cNvSpPr>
+          <p:nvPr>
+            <p:ph idx="1"/>
+          </p:nvPr>
+        </p:nvSpPr>
+        <p:spPr>
+          <a:xfrm>
+            <a:off x="838200" y="1568066"/>
+            <a:ext cx="10515600" cy="4351338"/>
+          </a:xfrm>
+        </p:spPr>
+        <p:txBody>
+          <a:bodyPr/>
+          <a:lstStyle/>
+          <a:p>
+            <a:r>
+              <a:rPr lang="en-US" dirty="0">
+                <a:hlinkClick r:id="rId2"/>
+              </a:rPr>
+              <a:t>https://em.kiharalab.org/algorithm/CryoREAD</a:t>
+            </a:r>
+            <a:r>
+              <a:rPr lang="zh-CN" altLang="en-US" dirty="0"/>
+              <a:t> </a:t>
+            </a:r>
+            <a:br>
+              <a:rPr lang="en-US" dirty="0"/>
+            </a:br>
+            <a:endParaRPr lang="en-US" dirty="0"/>
+          </a:p>
+        </p:txBody>
+      </p:sp>
+      <p:pic>
+        <p:nvPicPr>
+          <p:cNvPr id="3" name="Picture 2">
+            <a:extLst>
+              <a:ext uri="{FF2B5EF4-FFF2-40B4-BE49-F238E27FC236}">
+                <a16:creationId xmlns:a16="http://schemas.microsoft.com/office/drawing/2014/main" id="{A0DD2DFE-6093-5457-9BAD-8283E49BB39A}"/>
+              </a:ext>
+            </a:extLst>
+          </p:cNvPr>
+          <p:cNvPicPr>
+            <a:picLocks noChangeAspect="1"/>
+          </p:cNvPicPr>
+          <p:nvPr/>
+        </p:nvPicPr>
+        <p:blipFill>
+          <a:blip r:embed="rId3"/>
+          <a:stretch>
+            <a:fillRect/>
+          </a:stretch>
+        </p:blipFill>
+        <p:spPr>
+          <a:xfrm>
+            <a:off x="1968062" y="2047826"/>
+            <a:ext cx="7772400" cy="4528085"/>
+          </a:xfrm>
+          <a:prstGeom prst="rect">
+            <a:avLst/>
+          </a:prstGeom>
+        </p:spPr>
+      </p:pic>
+    </p:spTree>
+    <p:extLst>
+      <p:ext uri="{BB962C8B-B14F-4D97-AF65-F5344CB8AC3E}">
+        <p14:creationId xmlns:p14="http://schemas.microsoft.com/office/powerpoint/2010/main" val="2130598532"/>
+      </p:ext>
+    </p:extLst>
+  </p:cSld>
+  <p:clrMapOvr>
+    <a:masterClrMapping/>
+  </p:clrMapOvr>
+</p:sld>
+</file>
+
+<file path=ppt/slides/slide5.xml><?xml version="1.0" encoding="utf-8"?>
+<p:sld xmlns:a="http://schemas.openxmlformats.org/drawingml/2006/main" xmlns:r="http://schemas.openxmlformats.org/officeDocument/2006/relationships" xmlns:p="http://schemas.openxmlformats.org/presentationml/2006/main">
+  <p:cSld>
+    <p:spTree>
+      <p:nvGrpSpPr>
+        <p:cNvPr id="1" name=""/>
+        <p:cNvGrpSpPr/>
+        <p:nvPr/>
+      </p:nvGrpSpPr>
+      <p:grpSpPr>
+        <a:xfrm>
+          <a:off x="0" y="0"/>
+          <a:ext cx="0" cy="0"/>
+          <a:chOff x="0" y="0"/>
+          <a:chExt cx="0" cy="0"/>
+        </a:xfrm>
+      </p:grpSpPr>
+      <p:sp>
+        <p:nvSpPr>
+          <p:cNvPr id="2" name="Title 1">
+            <a:extLst>
+              <a:ext uri="{FF2B5EF4-FFF2-40B4-BE49-F238E27FC236}">
+                <a16:creationId xmlns:a16="http://schemas.microsoft.com/office/drawing/2014/main" id="{5B26988A-2AEC-3E45-BAD6-DC7D92F75D0A}"/>
+              </a:ext>
+            </a:extLst>
+          </p:cNvPr>
+          <p:cNvSpPr>
+            <a:spLocks noGrp="1"/>
+          </p:cNvSpPr>
+          <p:nvPr>
+            <p:ph type="title"/>
+          </p:nvPr>
+        </p:nvSpPr>
+        <p:spPr/>
+        <p:txBody>
+          <a:bodyPr/>
+          <a:lstStyle/>
+          <a:p>
+            <a:r>
+              <a:rPr lang="en-US" altLang="zh-CN" dirty="0"/>
+              <a:t>2</a:t>
+            </a:r>
+            <a:r>
+              <a:rPr lang="en-US" altLang="zh-CN" baseline="30000" dirty="0"/>
+              <a:t>nd</a:t>
+            </a:r>
+            <a:r>
+              <a:rPr lang="zh-CN" altLang="en-US" dirty="0"/>
+              <a:t> </a:t>
+            </a:r>
+            <a:r>
+              <a:rPr lang="en-US" altLang="zh-CN" dirty="0"/>
+              <a:t>step:</a:t>
+            </a:r>
+            <a:r>
+              <a:rPr lang="zh-CN" altLang="en-US" dirty="0"/>
+              <a:t> </a:t>
+            </a:r>
+            <a:r>
+              <a:rPr lang="en-US" altLang="zh-CN" dirty="0"/>
+              <a:t>Submit</a:t>
+            </a:r>
+            <a:r>
+              <a:rPr lang="zh-CN" altLang="en-US" dirty="0"/>
+              <a:t> </a:t>
+            </a:r>
+            <a:r>
+              <a:rPr lang="en-US" altLang="zh-CN" dirty="0"/>
+              <a:t>Jobs</a:t>
+            </a:r>
+            <a:endParaRPr lang="en-US" dirty="0"/>
+          </a:p>
+        </p:txBody>
+      </p:sp>
+      <p:sp>
+        <p:nvSpPr>
+          <p:cNvPr id="6" name="Content Placeholder 5">
+            <a:extLst>
+              <a:ext uri="{FF2B5EF4-FFF2-40B4-BE49-F238E27FC236}">
+                <a16:creationId xmlns:a16="http://schemas.microsoft.com/office/drawing/2014/main" id="{0029DC44-0B73-8482-EDBC-C5B74FF332B1}"/>
+              </a:ext>
+            </a:extLst>
+          </p:cNvPr>
+          <p:cNvSpPr>
+            <a:spLocks noGrp="1"/>
+          </p:cNvSpPr>
+          <p:nvPr>
+            <p:ph idx="1"/>
+          </p:nvPr>
+        </p:nvSpPr>
+        <p:spPr>
+          <a:xfrm>
+            <a:off x="838200" y="1568066"/>
+            <a:ext cx="10515600" cy="4351338"/>
+          </a:xfrm>
+        </p:spPr>
+        <p:txBody>
+          <a:bodyPr/>
+          <a:lstStyle/>
+          <a:p>
+            <a:r>
+              <a:rPr lang="en-US" dirty="0">
+                <a:hlinkClick r:id="rId2"/>
+              </a:rPr>
+              <a:t>https://em.kiharalab.org/algorithm/CryoREAD</a:t>
+            </a:r>
+            <a:r>
+              <a:rPr lang="zh-CN" altLang="en-US" dirty="0"/>
+              <a:t> </a:t>
+            </a:r>
+            <a:br>
+              <a:rPr lang="en-US" dirty="0"/>
+            </a:br>
+            <a:endParaRPr lang="en-US" dirty="0"/>
+          </a:p>
+        </p:txBody>
+      </p:sp>
+      <p:pic>
+        <p:nvPicPr>
+          <p:cNvPr id="4" name="Picture 3">
+            <a:extLst>
+              <a:ext uri="{FF2B5EF4-FFF2-40B4-BE49-F238E27FC236}">
+                <a16:creationId xmlns:a16="http://schemas.microsoft.com/office/drawing/2014/main" id="{F43EAC6D-8321-D9C3-4024-9DCE38D960BD}"/>
+              </a:ext>
+            </a:extLst>
+          </p:cNvPr>
+          <p:cNvPicPr>
+            <a:picLocks noChangeAspect="1"/>
+          </p:cNvPicPr>
+          <p:nvPr/>
+        </p:nvPicPr>
+        <p:blipFill>
+          <a:blip r:embed="rId3"/>
+          <a:stretch>
+            <a:fillRect/>
+          </a:stretch>
+        </p:blipFill>
+        <p:spPr>
+          <a:xfrm>
+            <a:off x="3258208" y="2266034"/>
+            <a:ext cx="5147442" cy="4226841"/>
+          </a:xfrm>
+          <a:prstGeom prst="rect">
+            <a:avLst/>
+          </a:prstGeom>
+        </p:spPr>
+      </p:pic>
+    </p:spTree>
+    <p:extLst>
+      <p:ext uri="{BB962C8B-B14F-4D97-AF65-F5344CB8AC3E}">
+        <p14:creationId xmlns:p14="http://schemas.microsoft.com/office/powerpoint/2010/main" val="2013770326"/>
+      </p:ext>
+    </p:extLst>
+  </p:cSld>
+  <p:clrMapOvr>
+    <a:masterClrMapping/>
+  </p:clrMapOvr>
+</p:sld>
+</file>
+
+<file path=ppt/slides/slide6.xml><?xml version="1.0" encoding="utf-8"?>
+<p:sld xmlns:a="http://schemas.openxmlformats.org/drawingml/2006/main" xmlns:r="http://schemas.openxmlformats.org/officeDocument/2006/relationships" xmlns:p="http://schemas.openxmlformats.org/presentationml/2006/main">
+  <p:cSld>
+    <p:spTree>
+      <p:nvGrpSpPr>
+        <p:cNvPr id="1" name=""/>
+        <p:cNvGrpSpPr/>
+        <p:nvPr/>
+      </p:nvGrpSpPr>
+      <p:grpSpPr>
+        <a:xfrm>
+          <a:off x="0" y="0"/>
+          <a:ext cx="0" cy="0"/>
+          <a:chOff x="0" y="0"/>
+          <a:chExt cx="0" cy="0"/>
+        </a:xfrm>
+      </p:grpSpPr>
+      <p:sp>
+        <p:nvSpPr>
+          <p:cNvPr id="2" name="Title 1">
+            <a:extLst>
+              <a:ext uri="{FF2B5EF4-FFF2-40B4-BE49-F238E27FC236}">
+                <a16:creationId xmlns:a16="http://schemas.microsoft.com/office/drawing/2014/main" id="{5B26988A-2AEC-3E45-BAD6-DC7D92F75D0A}"/>
+              </a:ext>
+            </a:extLst>
+          </p:cNvPr>
+          <p:cNvSpPr>
+            <a:spLocks noGrp="1"/>
+          </p:cNvSpPr>
+          <p:nvPr>
+            <p:ph type="title"/>
+          </p:nvPr>
+        </p:nvSpPr>
+        <p:spPr/>
+        <p:txBody>
+          <a:bodyPr/>
+          <a:lstStyle/>
+          <a:p>
+            <a:r>
+              <a:rPr lang="en-US" altLang="zh-CN" dirty="0"/>
+              <a:t>3</a:t>
+            </a:r>
+            <a:r>
+              <a:rPr lang="en-US" altLang="zh-CN" baseline="30000" dirty="0"/>
+              <a:t>rd</a:t>
+            </a:r>
+            <a:r>
+              <a:rPr lang="zh-CN" altLang="en-US" dirty="0"/>
+              <a:t> </a:t>
+            </a:r>
+            <a:r>
+              <a:rPr lang="en-US" altLang="zh-CN" dirty="0"/>
+              <a:t>step:</a:t>
+            </a:r>
+            <a:r>
+              <a:rPr lang="zh-CN" altLang="en-US" dirty="0"/>
+              <a:t> </a:t>
+            </a:r>
+            <a:r>
+              <a:rPr lang="en-US" altLang="zh-CN" dirty="0"/>
+              <a:t>Visualize</a:t>
+            </a:r>
+            <a:r>
+              <a:rPr lang="zh-CN" altLang="en-US" dirty="0"/>
+              <a:t> </a:t>
+            </a:r>
+            <a:r>
+              <a:rPr lang="en-US" altLang="zh-CN" dirty="0"/>
+              <a:t>jobs/Download</a:t>
+            </a:r>
+            <a:r>
+              <a:rPr lang="zh-CN" altLang="en-US" dirty="0"/>
+              <a:t> </a:t>
+            </a:r>
+            <a:r>
+              <a:rPr lang="en-US" altLang="zh-CN" dirty="0"/>
+              <a:t>Results</a:t>
+            </a:r>
+            <a:endParaRPr lang="en-US" dirty="0"/>
+          </a:p>
+        </p:txBody>
+      </p:sp>
+      <p:sp>
+        <p:nvSpPr>
+          <p:cNvPr id="5" name="Content Placeholder 4">
+            <a:extLst>
+              <a:ext uri="{FF2B5EF4-FFF2-40B4-BE49-F238E27FC236}">
+                <a16:creationId xmlns:a16="http://schemas.microsoft.com/office/drawing/2014/main" id="{485DEA24-B083-1D60-35C0-444000D32E28}"/>
+              </a:ext>
+            </a:extLst>
+          </p:cNvPr>
+          <p:cNvSpPr>
+            <a:spLocks noGrp="1"/>
+          </p:cNvSpPr>
+          <p:nvPr>
+            <p:ph idx="1"/>
+          </p:nvPr>
+        </p:nvSpPr>
+        <p:spPr/>
+        <p:txBody>
+          <a:bodyPr/>
+          <a:lstStyle/>
+          <a:p>
+            <a:r>
+              <a:rPr lang="en-US" altLang="zh-CN" dirty="0"/>
+              <a:t>After</a:t>
+            </a:r>
+            <a:r>
+              <a:rPr lang="zh-CN" altLang="en-US" dirty="0"/>
+              <a:t> </a:t>
+            </a:r>
+            <a:r>
+              <a:rPr lang="en-US" altLang="zh-CN" dirty="0"/>
+              <a:t>submission,</a:t>
+            </a:r>
+            <a:r>
+              <a:rPr lang="zh-CN" altLang="en-US" dirty="0"/>
+              <a:t> </a:t>
+            </a:r>
+            <a:r>
+              <a:rPr lang="en-US" altLang="zh-CN" dirty="0"/>
+              <a:t>you</a:t>
+            </a:r>
+            <a:r>
+              <a:rPr lang="zh-CN" altLang="en-US" dirty="0"/>
+              <a:t> </a:t>
+            </a:r>
+            <a:r>
+              <a:rPr lang="en-US" altLang="zh-CN" dirty="0"/>
+              <a:t>will</a:t>
+            </a:r>
+            <a:r>
+              <a:rPr lang="zh-CN" altLang="en-US" dirty="0"/>
+              <a:t> </a:t>
+            </a:r>
+            <a:r>
+              <a:rPr lang="en-US" altLang="zh-CN" dirty="0"/>
+              <a:t>be</a:t>
+            </a:r>
+            <a:r>
+              <a:rPr lang="zh-CN" altLang="en-US" dirty="0"/>
+              <a:t> </a:t>
+            </a:r>
+            <a:r>
+              <a:rPr lang="en-US" altLang="zh-CN" dirty="0"/>
+              <a:t>redirected</a:t>
+            </a:r>
+            <a:r>
+              <a:rPr lang="zh-CN" altLang="en-US" dirty="0"/>
+              <a:t> </a:t>
+            </a:r>
+            <a:r>
+              <a:rPr lang="en-US" altLang="zh-CN" dirty="0"/>
+              <a:t>to</a:t>
+            </a:r>
+            <a:r>
+              <a:rPr lang="zh-CN" altLang="en-US" dirty="0"/>
+              <a:t> </a:t>
+            </a:r>
+            <a:r>
+              <a:rPr lang="en-US" altLang="zh-CN" dirty="0"/>
+              <a:t>a</a:t>
+            </a:r>
+            <a:r>
+              <a:rPr lang="zh-CN" altLang="en-US" dirty="0"/>
+              <a:t> </a:t>
+            </a:r>
+            <a:r>
+              <a:rPr lang="en-US" altLang="zh-CN" dirty="0"/>
+              <a:t>job</a:t>
+            </a:r>
+            <a:r>
+              <a:rPr lang="zh-CN" altLang="en-US" dirty="0"/>
+              <a:t> </a:t>
+            </a:r>
+            <a:r>
+              <a:rPr lang="en-US" altLang="zh-CN" dirty="0"/>
+              <a:t>view</a:t>
+            </a:r>
+            <a:r>
+              <a:rPr lang="zh-CN" altLang="en-US" dirty="0"/>
+              <a:t> </a:t>
+            </a:r>
+            <a:r>
+              <a:rPr lang="en-US" altLang="zh-CN" dirty="0"/>
+              <a:t>page,</a:t>
+            </a:r>
+            <a:r>
+              <a:rPr lang="zh-CN" altLang="en-US" dirty="0"/>
+              <a:t> </a:t>
+            </a:r>
+            <a:r>
+              <a:rPr lang="en-US" altLang="zh-CN" dirty="0"/>
+              <a:t>please</a:t>
+            </a:r>
+            <a:r>
+              <a:rPr lang="zh-CN" altLang="en-US" dirty="0"/>
+              <a:t> </a:t>
+            </a:r>
+            <a:r>
+              <a:rPr lang="en-US" altLang="zh-CN" dirty="0"/>
+              <a:t>bookmark</a:t>
+            </a:r>
+            <a:r>
+              <a:rPr lang="zh-CN" altLang="en-US" dirty="0"/>
+              <a:t> </a:t>
+            </a:r>
+            <a:r>
+              <a:rPr lang="en-US" altLang="zh-CN" dirty="0"/>
+              <a:t>it</a:t>
+            </a:r>
+            <a:r>
+              <a:rPr lang="zh-CN" altLang="en-US" dirty="0"/>
+              <a:t> </a:t>
+            </a:r>
+            <a:r>
+              <a:rPr lang="en-US" altLang="zh-CN" dirty="0"/>
+              <a:t>if</a:t>
+            </a:r>
+            <a:r>
+              <a:rPr lang="zh-CN" altLang="en-US" dirty="0"/>
+              <a:t> </a:t>
+            </a:r>
+            <a:r>
+              <a:rPr lang="en-US" altLang="zh-CN" dirty="0"/>
+              <a:t>you</a:t>
+            </a:r>
+            <a:r>
+              <a:rPr lang="zh-CN" altLang="en-US" dirty="0"/>
+              <a:t> </a:t>
+            </a:r>
+            <a:r>
+              <a:rPr lang="en-US" altLang="zh-CN" dirty="0"/>
+              <a:t>did</a:t>
+            </a:r>
+            <a:r>
+              <a:rPr lang="zh-CN" altLang="en-US" dirty="0"/>
+              <a:t> </a:t>
+            </a:r>
+            <a:r>
+              <a:rPr lang="en-US" altLang="zh-CN" dirty="0"/>
+              <a:t>not</a:t>
+            </a:r>
+            <a:r>
+              <a:rPr lang="zh-CN" altLang="en-US" dirty="0"/>
+              <a:t> </a:t>
+            </a:r>
+            <a:r>
+              <a:rPr lang="en-US" altLang="zh-CN" dirty="0"/>
+              <a:t>register.</a:t>
+            </a:r>
+          </a:p>
+          <a:p>
+            <a:r>
+              <a:rPr lang="en-US" altLang="zh-CN" dirty="0"/>
+              <a:t>If</a:t>
+            </a:r>
+            <a:r>
+              <a:rPr lang="zh-CN" altLang="en-US" dirty="0"/>
+              <a:t> </a:t>
+            </a:r>
+            <a:r>
+              <a:rPr lang="en-US" altLang="zh-CN" dirty="0"/>
+              <a:t>registered,</a:t>
+            </a:r>
+            <a:r>
+              <a:rPr lang="zh-CN" altLang="en-US" dirty="0"/>
+              <a:t> </a:t>
+            </a:r>
+            <a:r>
+              <a:rPr lang="en-US" altLang="zh-CN" dirty="0"/>
+              <a:t>check</a:t>
+            </a:r>
+            <a:r>
+              <a:rPr lang="zh-CN" altLang="en-US" dirty="0"/>
+              <a:t> </a:t>
+            </a:r>
+            <a:r>
+              <a:rPr lang="en-US" altLang="zh-CN" dirty="0"/>
+              <a:t>the</a:t>
+            </a:r>
+            <a:r>
+              <a:rPr lang="zh-CN" altLang="en-US" dirty="0"/>
+              <a:t> </a:t>
+            </a:r>
+            <a:r>
+              <a:rPr lang="en-US" altLang="zh-CN" dirty="0"/>
+              <a:t>results</a:t>
+            </a:r>
+            <a:r>
+              <a:rPr lang="zh-CN" altLang="en-US" dirty="0"/>
+              <a:t> </a:t>
+            </a:r>
+            <a:r>
+              <a:rPr lang="en-US" altLang="zh-CN" dirty="0"/>
+              <a:t>under</a:t>
+            </a:r>
+            <a:r>
+              <a:rPr lang="zh-CN" altLang="en-US" dirty="0"/>
+              <a:t> </a:t>
+            </a:r>
+            <a:r>
+              <a:rPr lang="en-US" altLang="zh-CN" dirty="0"/>
+              <a:t>My Jobs</a:t>
+            </a:r>
+            <a:endParaRPr lang="en-US" dirty="0"/>
+          </a:p>
+        </p:txBody>
+      </p:sp>
+      <p:pic>
+        <p:nvPicPr>
+          <p:cNvPr id="3" name="Picture 2">
+            <a:extLst>
+              <a:ext uri="{FF2B5EF4-FFF2-40B4-BE49-F238E27FC236}">
+                <a16:creationId xmlns:a16="http://schemas.microsoft.com/office/drawing/2014/main" id="{60C549C6-BE60-00BE-D1D9-5B38174E6B9B}"/>
+              </a:ext>
+            </a:extLst>
+          </p:cNvPr>
+          <p:cNvPicPr>
+            <a:picLocks noChangeAspect="1"/>
+          </p:cNvPicPr>
+          <p:nvPr/>
+        </p:nvPicPr>
+        <p:blipFill>
+          <a:blip r:embed="rId2"/>
+          <a:stretch>
+            <a:fillRect/>
+          </a:stretch>
+        </p:blipFill>
+        <p:spPr>
+          <a:xfrm>
+            <a:off x="1513136" y="3328211"/>
+            <a:ext cx="8976582" cy="2664815"/>
+          </a:xfrm>
+          <a:prstGeom prst="rect">
+            <a:avLst/>
+          </a:prstGeom>
+        </p:spPr>
+      </p:pic>
+      <p:sp>
+        <p:nvSpPr>
+          <p:cNvPr id="4" name="Rectangle 3">
+            <a:extLst>
+              <a:ext uri="{FF2B5EF4-FFF2-40B4-BE49-F238E27FC236}">
+                <a16:creationId xmlns:a16="http://schemas.microsoft.com/office/drawing/2014/main" id="{7F01F40E-F6E6-F127-7E08-C9BBE14D82BA}"/>
+              </a:ext>
+            </a:extLst>
+          </p:cNvPr>
+          <p:cNvSpPr/>
+          <p:nvPr/>
+        </p:nvSpPr>
+        <p:spPr>
+          <a:xfrm>
+            <a:off x="7164915" y="5320333"/>
+            <a:ext cx="780906" cy="421455"/>
+          </a:xfrm>
+          <a:prstGeom prst="rect">
+            <a:avLst/>
+          </a:prstGeom>
+          <a:noFill/>
+          <a:ln w="28575">
+            <a:solidFill>
+              <a:srgbClr val="FF0000"/>
+            </a:solidFill>
+          </a:ln>
+        </p:spPr>
+        <p:style>
+          <a:lnRef idx="2">
+            <a:schemeClr val="dk1"/>
+          </a:lnRef>
+          <a:fillRef idx="1">
+            <a:schemeClr val="lt1"/>
+          </a:fillRef>
+          <a:effectRef idx="0">
+            <a:schemeClr val="dk1"/>
+          </a:effectRef>
+          <a:fontRef idx="minor">
+            <a:schemeClr val="dk1"/>
+          </a:fontRef>
+        </p:style>
+        <p:txBody>
+          <a:bodyPr rtlCol="0" anchor="ctr"/>
+          <a:lstStyle/>
+          <a:p>
+            <a:pPr algn="ctr"/>
+            <a:endParaRPr lang="en-US"/>
+          </a:p>
+        </p:txBody>
+      </p:sp>
+    </p:spTree>
+    <p:extLst>
+      <p:ext uri="{BB962C8B-B14F-4D97-AF65-F5344CB8AC3E}">
+        <p14:creationId xmlns:p14="http://schemas.microsoft.com/office/powerpoint/2010/main" val="1226098920"/>
+      </p:ext>
+    </p:extLst>
+  </p:cSld>
+  <p:clrMapOvr>
+    <a:masterClrMapping/>
+  </p:clrMapOvr>
+</p:sld>
+</file>
+
+<file path=ppt/slides/slide7.xml><?xml version="1.0" encoding="utf-8"?>
+<p:sld xmlns:a="http://schemas.openxmlformats.org/drawingml/2006/main" xmlns:r="http://schemas.openxmlformats.org/officeDocument/2006/relationships" xmlns:p="http://schemas.openxmlformats.org/presentationml/2006/main">
+  <p:cSld>
+    <p:spTree>
+      <p:nvGrpSpPr>
+        <p:cNvPr id="1" name=""/>
+        <p:cNvGrpSpPr/>
+        <p:nvPr/>
+      </p:nvGrpSpPr>
+      <p:grpSpPr>
+        <a:xfrm>
+          <a:off x="0" y="0"/>
+          <a:ext cx="0" cy="0"/>
+          <a:chOff x="0" y="0"/>
+          <a:chExt cx="0" cy="0"/>
+        </a:xfrm>
+      </p:grpSpPr>
+      <p:sp>
+        <p:nvSpPr>
+          <p:cNvPr id="2" name="Title 1">
+            <a:extLst>
+              <a:ext uri="{FF2B5EF4-FFF2-40B4-BE49-F238E27FC236}">
+                <a16:creationId xmlns:a16="http://schemas.microsoft.com/office/drawing/2014/main" id="{5B26988A-2AEC-3E45-BAD6-DC7D92F75D0A}"/>
+              </a:ext>
+            </a:extLst>
+          </p:cNvPr>
+          <p:cNvSpPr>
+            <a:spLocks noGrp="1"/>
+          </p:cNvSpPr>
+          <p:nvPr>
+            <p:ph type="title"/>
+          </p:nvPr>
+        </p:nvSpPr>
+        <p:spPr/>
+        <p:txBody>
+          <a:bodyPr/>
+          <a:lstStyle/>
+          <a:p>
+            <a:r>
+              <a:rPr lang="en-US" altLang="zh-CN" dirty="0"/>
+              <a:t>3</a:t>
+            </a:r>
+            <a:r>
+              <a:rPr lang="en-US" altLang="zh-CN" baseline="30000" dirty="0"/>
+              <a:t>rd</a:t>
+            </a:r>
+            <a:r>
+              <a:rPr lang="zh-CN" altLang="en-US" dirty="0"/>
+              <a:t> </a:t>
+            </a:r>
+            <a:r>
+              <a:rPr lang="en-US" altLang="zh-CN" dirty="0"/>
+              <a:t>step:</a:t>
+            </a:r>
+            <a:r>
+              <a:rPr lang="zh-CN" altLang="en-US" dirty="0"/>
+              <a:t> </a:t>
+            </a:r>
+            <a:r>
+              <a:rPr lang="en-US" altLang="zh-CN" dirty="0"/>
+              <a:t>Visualize</a:t>
+            </a:r>
+            <a:r>
+              <a:rPr lang="zh-CN" altLang="en-US" dirty="0"/>
+              <a:t> </a:t>
+            </a:r>
+            <a:r>
+              <a:rPr lang="en-US" altLang="zh-CN" dirty="0"/>
+              <a:t>jobs/Download</a:t>
+            </a:r>
+            <a:r>
+              <a:rPr lang="zh-CN" altLang="en-US" dirty="0"/>
+              <a:t> </a:t>
+            </a:r>
+            <a:r>
+              <a:rPr lang="en-US" altLang="zh-CN" dirty="0"/>
+              <a:t>Results</a:t>
+            </a:r>
+            <a:endParaRPr lang="en-US" dirty="0"/>
+          </a:p>
+        </p:txBody>
+      </p:sp>
+      <p:pic>
+        <p:nvPicPr>
+          <p:cNvPr id="8" name="Picture 7">
+            <a:extLst>
+              <a:ext uri="{FF2B5EF4-FFF2-40B4-BE49-F238E27FC236}">
+                <a16:creationId xmlns:a16="http://schemas.microsoft.com/office/drawing/2014/main" id="{66AC595C-96EF-23C9-C6BE-9D4008074EC8}"/>
+              </a:ext>
+            </a:extLst>
+          </p:cNvPr>
+          <p:cNvPicPr>
+            <a:picLocks noChangeAspect="1"/>
+          </p:cNvPicPr>
+          <p:nvPr/>
+        </p:nvPicPr>
+        <p:blipFill>
+          <a:blip r:embed="rId2"/>
+          <a:stretch>
+            <a:fillRect/>
+          </a:stretch>
+        </p:blipFill>
+        <p:spPr>
+          <a:xfrm>
+            <a:off x="2209800" y="1611533"/>
+            <a:ext cx="7772400" cy="4580866"/>
+          </a:xfrm>
+          <a:prstGeom prst="rect">
+            <a:avLst/>
+          </a:prstGeom>
+        </p:spPr>
+      </p:pic>
+      <p:sp>
+        <p:nvSpPr>
+          <p:cNvPr id="9" name="Rectangle 8">
+            <a:extLst>
+              <a:ext uri="{FF2B5EF4-FFF2-40B4-BE49-F238E27FC236}">
+                <a16:creationId xmlns:a16="http://schemas.microsoft.com/office/drawing/2014/main" id="{7922FF69-8424-1C23-9119-EAF2772A289C}"/>
+              </a:ext>
+            </a:extLst>
+          </p:cNvPr>
+          <p:cNvSpPr/>
+          <p:nvPr/>
+        </p:nvSpPr>
+        <p:spPr>
+          <a:xfrm>
+            <a:off x="8131867" y="2240803"/>
+            <a:ext cx="970092" cy="376274"/>
+          </a:xfrm>
+          <a:prstGeom prst="rect">
+            <a:avLst/>
+          </a:prstGeom>
+          <a:noFill/>
+          <a:ln w="28575">
+            <a:solidFill>
+              <a:srgbClr val="FF0000"/>
+            </a:solidFill>
+          </a:ln>
+        </p:spPr>
+        <p:style>
+          <a:lnRef idx="2">
+            <a:schemeClr val="dk1"/>
+          </a:lnRef>
+          <a:fillRef idx="1">
+            <a:schemeClr val="lt1"/>
+          </a:fillRef>
+          <a:effectRef idx="0">
+            <a:schemeClr val="dk1"/>
+          </a:effectRef>
+          <a:fontRef idx="minor">
+            <a:schemeClr val="dk1"/>
+          </a:fontRef>
+        </p:style>
+        <p:txBody>
+          <a:bodyPr rtlCol="0" anchor="ctr"/>
+          <a:lstStyle/>
+          <a:p>
+            <a:pPr algn="ctr"/>
+            <a:endParaRPr lang="en-US"/>
+          </a:p>
+        </p:txBody>
+      </p:sp>
+      <p:sp>
+        <p:nvSpPr>
+          <p:cNvPr id="10" name="TextBox 9">
+            <a:extLst>
+              <a:ext uri="{FF2B5EF4-FFF2-40B4-BE49-F238E27FC236}">
+                <a16:creationId xmlns:a16="http://schemas.microsoft.com/office/drawing/2014/main" id="{FF24A52F-7606-1285-DAB7-5E35109EEC63}"/>
+              </a:ext>
+            </a:extLst>
+          </p:cNvPr>
+          <p:cNvSpPr txBox="1"/>
+          <p:nvPr/>
+        </p:nvSpPr>
+        <p:spPr>
+          <a:xfrm>
+            <a:off x="8367156" y="1594472"/>
+            <a:ext cx="3230088" cy="646331"/>
+          </a:xfrm>
+          <a:prstGeom prst="rect">
+            <a:avLst/>
+          </a:prstGeom>
+          <a:noFill/>
+        </p:spPr>
+        <p:txBody>
+          <a:bodyPr wrap="square" rtlCol="0">
+            <a:spAutoFit/>
+          </a:bodyPr>
+          <a:lstStyle/>
+          <a:p>
+            <a:r>
+              <a:rPr lang="en-US" altLang="zh-CN" dirty="0">
+                <a:solidFill>
+                  <a:srgbClr val="FF0000"/>
+                </a:solidFill>
+              </a:rPr>
+              <a:t>Check</a:t>
+            </a:r>
+            <a:r>
+              <a:rPr lang="zh-CN" altLang="en-US" dirty="0">
+                <a:solidFill>
+                  <a:srgbClr val="FF0000"/>
+                </a:solidFill>
+              </a:rPr>
+              <a:t> </a:t>
+            </a:r>
+            <a:r>
+              <a:rPr lang="en-US" altLang="zh-CN" dirty="0">
+                <a:solidFill>
+                  <a:srgbClr val="FF0000"/>
+                </a:solidFill>
+              </a:rPr>
+              <a:t>here</a:t>
+            </a:r>
+            <a:r>
+              <a:rPr lang="zh-CN" altLang="en-US" dirty="0">
+                <a:solidFill>
+                  <a:srgbClr val="FF0000"/>
+                </a:solidFill>
+              </a:rPr>
+              <a:t> </a:t>
+            </a:r>
+            <a:r>
+              <a:rPr lang="en-US" altLang="zh-CN" dirty="0">
+                <a:solidFill>
+                  <a:srgbClr val="FF0000"/>
+                </a:solidFill>
+              </a:rPr>
+              <a:t>to</a:t>
+            </a:r>
+            <a:r>
+              <a:rPr lang="zh-CN" altLang="en-US" dirty="0">
+                <a:solidFill>
+                  <a:srgbClr val="FF0000"/>
+                </a:solidFill>
+              </a:rPr>
+              <a:t> </a:t>
+            </a:r>
+            <a:r>
+              <a:rPr lang="en-US" altLang="zh-CN" dirty="0">
+                <a:solidFill>
+                  <a:srgbClr val="FF0000"/>
+                </a:solidFill>
+              </a:rPr>
+              <a:t>download modeled structure.</a:t>
+            </a:r>
+            <a:endParaRPr lang="en-US" dirty="0">
+              <a:solidFill>
+                <a:srgbClr val="FF0000"/>
+              </a:solidFill>
+            </a:endParaRPr>
+          </a:p>
+        </p:txBody>
+      </p:sp>
+    </p:spTree>
+    <p:extLst>
+      <p:ext uri="{BB962C8B-B14F-4D97-AF65-F5344CB8AC3E}">
+        <p14:creationId xmlns:p14="http://schemas.microsoft.com/office/powerpoint/2010/main" val="2911234375"/>
+      </p:ext>
+    </p:extLst>
+  </p:cSld>
+  <p:clrMapOvr>
+    <a:masterClrMapping/>
+  </p:clrMapOvr>
+</p:sld>
+</file>
+
+<file path=ppt/slides/slide8.xml><?xml version="1.0" encoding="utf-8"?>
+<p:sld xmlns:a="http://schemas.openxmlformats.org/drawingml/2006/main" xmlns:r="http://schemas.openxmlformats.org/officeDocument/2006/relationships" xmlns:p="http://schemas.openxmlformats.org/presentationml/2006/main">
+  <p:cSld>
+    <p:spTree>
+      <p:nvGrpSpPr>
+        <p:cNvPr id="1" name=""/>
+        <p:cNvGrpSpPr/>
+        <p:nvPr/>
+      </p:nvGrpSpPr>
+      <p:grpSpPr>
+        <a:xfrm>
+          <a:off x="0" y="0"/>
+          <a:ext cx="0" cy="0"/>
+          <a:chOff x="0" y="0"/>
+          <a:chExt cx="0" cy="0"/>
+        </a:xfrm>
+      </p:grpSpPr>
+      <p:pic>
+        <p:nvPicPr>
+          <p:cNvPr id="3" name="Picture 2">
+            <a:extLst>
+              <a:ext uri="{FF2B5EF4-FFF2-40B4-BE49-F238E27FC236}">
+                <a16:creationId xmlns:a16="http://schemas.microsoft.com/office/drawing/2014/main" id="{84A57C55-93B8-4B4C-C7B2-4B3D2D587320}"/>
+              </a:ext>
+            </a:extLst>
+          </p:cNvPr>
+          <p:cNvPicPr>
+            <a:picLocks noChangeAspect="1"/>
+          </p:cNvPicPr>
+          <p:nvPr/>
+        </p:nvPicPr>
+        <p:blipFill>
+          <a:blip r:embed="rId2"/>
+          <a:stretch>
+            <a:fillRect/>
+          </a:stretch>
+        </p:blipFill>
+        <p:spPr>
+          <a:xfrm>
+            <a:off x="1724754" y="1594472"/>
+            <a:ext cx="7772400" cy="4449650"/>
+          </a:xfrm>
+          <a:prstGeom prst="rect">
+            <a:avLst/>
+          </a:prstGeom>
+        </p:spPr>
+      </p:pic>
+      <p:sp>
+        <p:nvSpPr>
+          <p:cNvPr id="2" name="Title 1">
+            <a:extLst>
+              <a:ext uri="{FF2B5EF4-FFF2-40B4-BE49-F238E27FC236}">
+                <a16:creationId xmlns:a16="http://schemas.microsoft.com/office/drawing/2014/main" id="{5B26988A-2AEC-3E45-BAD6-DC7D92F75D0A}"/>
+              </a:ext>
+            </a:extLst>
+          </p:cNvPr>
+          <p:cNvSpPr>
+            <a:spLocks noGrp="1"/>
+          </p:cNvSpPr>
+          <p:nvPr>
+            <p:ph type="title"/>
+          </p:nvPr>
+        </p:nvSpPr>
+        <p:spPr/>
+        <p:txBody>
+          <a:bodyPr/>
+          <a:lstStyle/>
+          <a:p>
+            <a:r>
+              <a:rPr lang="en-US" altLang="zh-CN" dirty="0"/>
+              <a:t>4</a:t>
+            </a:r>
+            <a:r>
+              <a:rPr lang="en-US" altLang="zh-CN" baseline="30000" dirty="0"/>
+              <a:t>th</a:t>
+            </a:r>
+            <a:r>
+              <a:rPr lang="en-US" altLang="zh-CN" dirty="0"/>
+              <a:t> step: Show map online(optional)</a:t>
+            </a:r>
+            <a:endParaRPr lang="en-US" dirty="0"/>
+          </a:p>
+        </p:txBody>
+      </p:sp>
+      <p:sp>
+        <p:nvSpPr>
+          <p:cNvPr id="9" name="Rectangle 8">
+            <a:extLst>
+              <a:ext uri="{FF2B5EF4-FFF2-40B4-BE49-F238E27FC236}">
+                <a16:creationId xmlns:a16="http://schemas.microsoft.com/office/drawing/2014/main" id="{7922FF69-8424-1C23-9119-EAF2772A289C}"/>
+              </a:ext>
+            </a:extLst>
+          </p:cNvPr>
+          <p:cNvSpPr/>
+          <p:nvPr/>
+        </p:nvSpPr>
+        <p:spPr>
+          <a:xfrm>
+            <a:off x="7309432" y="3683473"/>
+            <a:ext cx="1897630" cy="1224857"/>
+          </a:xfrm>
+          <a:prstGeom prst="rect">
+            <a:avLst/>
+          </a:prstGeom>
+          <a:noFill/>
+          <a:ln w="28575">
+            <a:solidFill>
+              <a:srgbClr val="FF0000"/>
+            </a:solidFill>
+          </a:ln>
+        </p:spPr>
+        <p:style>
+          <a:lnRef idx="2">
+            <a:schemeClr val="dk1"/>
+          </a:lnRef>
+          <a:fillRef idx="1">
+            <a:schemeClr val="lt1"/>
+          </a:fillRef>
+          <a:effectRef idx="0">
+            <a:schemeClr val="dk1"/>
+          </a:effectRef>
+          <a:fontRef idx="minor">
+            <a:schemeClr val="dk1"/>
+          </a:fontRef>
+        </p:style>
+        <p:txBody>
+          <a:bodyPr rtlCol="0" anchor="ctr"/>
+          <a:lstStyle/>
+          <a:p>
+            <a:pPr algn="ctr"/>
+            <a:endParaRPr lang="en-US"/>
+          </a:p>
+        </p:txBody>
+      </p:sp>
+      <p:sp>
+        <p:nvSpPr>
+          <p:cNvPr id="10" name="TextBox 9">
+            <a:extLst>
+              <a:ext uri="{FF2B5EF4-FFF2-40B4-BE49-F238E27FC236}">
+                <a16:creationId xmlns:a16="http://schemas.microsoft.com/office/drawing/2014/main" id="{FF24A52F-7606-1285-DAB7-5E35109EEC63}"/>
+              </a:ext>
+            </a:extLst>
+          </p:cNvPr>
+          <p:cNvSpPr txBox="1"/>
+          <p:nvPr/>
+        </p:nvSpPr>
+        <p:spPr>
+          <a:xfrm>
+            <a:off x="9497154" y="3834236"/>
+            <a:ext cx="2694846" cy="923330"/>
+          </a:xfrm>
+          <a:prstGeom prst="rect">
+            <a:avLst/>
+          </a:prstGeom>
+          <a:noFill/>
+        </p:spPr>
+        <p:txBody>
+          <a:bodyPr wrap="square" rtlCol="0">
+            <a:spAutoFit/>
+          </a:bodyPr>
+          <a:lstStyle/>
+          <a:p>
+            <a:r>
+              <a:rPr lang="en-US" altLang="zh-CN" dirty="0">
+                <a:solidFill>
+                  <a:srgbClr val="FF0000"/>
+                </a:solidFill>
+              </a:rPr>
+              <a:t>Click … to expand the “</a:t>
+            </a:r>
+            <a:r>
+              <a:rPr lang="en-US" altLang="zh-CN" dirty="0" err="1">
+                <a:solidFill>
+                  <a:srgbClr val="FF0000"/>
+                </a:solidFill>
+              </a:rPr>
+              <a:t>isosurface</a:t>
+            </a:r>
+            <a:r>
+              <a:rPr lang="en-US" altLang="zh-CN" dirty="0">
+                <a:solidFill>
+                  <a:srgbClr val="FF0000"/>
+                </a:solidFill>
+              </a:rPr>
+              <a:t>”</a:t>
+            </a:r>
+            <a:r>
+              <a:rPr lang="zh-CN" altLang="en-US" dirty="0">
+                <a:solidFill>
+                  <a:srgbClr val="FF0000"/>
+                </a:solidFill>
+              </a:rPr>
+              <a:t> </a:t>
+            </a:r>
+            <a:r>
+              <a:rPr lang="en-US" altLang="zh-CN" dirty="0">
+                <a:solidFill>
+                  <a:srgbClr val="FF0000"/>
+                </a:solidFill>
+              </a:rPr>
+              <a:t>tab to adjust the</a:t>
+            </a:r>
+            <a:r>
+              <a:rPr lang="zh-CN" altLang="en-US" dirty="0">
+                <a:solidFill>
+                  <a:srgbClr val="FF0000"/>
+                </a:solidFill>
+              </a:rPr>
+              <a:t> </a:t>
+            </a:r>
+            <a:r>
+              <a:rPr lang="en-US" altLang="zh-CN" dirty="0">
+                <a:solidFill>
+                  <a:srgbClr val="FF0000"/>
+                </a:solidFill>
+              </a:rPr>
+              <a:t>contour level.</a:t>
+            </a:r>
+            <a:endParaRPr lang="en-US" dirty="0">
+              <a:solidFill>
+                <a:srgbClr val="FF0000"/>
+              </a:solidFill>
+            </a:endParaRPr>
+          </a:p>
+        </p:txBody>
+      </p:sp>
+    </p:spTree>
+    <p:extLst>
+      <p:ext uri="{BB962C8B-B14F-4D97-AF65-F5344CB8AC3E}">
+        <p14:creationId xmlns:p14="http://schemas.microsoft.com/office/powerpoint/2010/main" val="1619799832"/>
+      </p:ext>
+    </p:extLst>
+  </p:cSld>
+  <p:clrMapOvr>
+    <a:masterClrMapping/>
+  </p:clrMapOvr>
+</p:sld>
+</file>
+
+<file path=ppt/slides/slide9.xml><?xml version="1.0" encoding="utf-8"?>
+<p:sld xmlns:a="http://schemas.openxmlformats.org/drawingml/2006/main" xmlns:r="http://schemas.openxmlformats.org/officeDocument/2006/relationships" xmlns:p="http://schemas.openxmlformats.org/presentationml/2006/main">
+  <p:cSld>
+    <p:spTree>
+      <p:nvGrpSpPr>
+        <p:cNvPr id="1" name=""/>
+        <p:cNvGrpSpPr/>
+        <p:nvPr/>
+      </p:nvGrpSpPr>
+      <p:grpSpPr>
+        <a:xfrm>
+          <a:off x="0" y="0"/>
+          <a:ext cx="0" cy="0"/>
+          <a:chOff x="0" y="0"/>
+          <a:chExt cx="0" cy="0"/>
+        </a:xfrm>
+      </p:grpSpPr>
+      <p:sp>
+        <p:nvSpPr>
+          <p:cNvPr id="2" name="Title 1">
+            <a:extLst>
+              <a:ext uri="{FF2B5EF4-FFF2-40B4-BE49-F238E27FC236}">
+                <a16:creationId xmlns:a16="http://schemas.microsoft.com/office/drawing/2014/main" id="{5B26988A-2AEC-3E45-BAD6-DC7D92F75D0A}"/>
+              </a:ext>
+            </a:extLst>
+          </p:cNvPr>
+          <p:cNvSpPr>
+            <a:spLocks noGrp="1"/>
+          </p:cNvSpPr>
+          <p:nvPr>
+            <p:ph type="title"/>
+          </p:nvPr>
+        </p:nvSpPr>
+        <p:spPr/>
+        <p:txBody>
+          <a:bodyPr/>
+          <a:lstStyle/>
+          <a:p>
+            <a:r>
+              <a:rPr lang="en-US" altLang="zh-CN" dirty="0" err="1"/>
+              <a:t>Colab</a:t>
+            </a:r>
+            <a:r>
+              <a:rPr lang="zh-CN" altLang="en-US" dirty="0"/>
+              <a:t> </a:t>
+            </a:r>
+            <a:r>
+              <a:rPr lang="en-US" altLang="zh-CN" dirty="0"/>
+              <a:t>Platform</a:t>
+            </a:r>
+            <a:endParaRPr lang="en-US" dirty="0"/>
+          </a:p>
+        </p:txBody>
+      </p:sp>
+      <p:sp>
+        <p:nvSpPr>
+          <p:cNvPr id="3" name="Content Placeholder 2">
+            <a:extLst>
+              <a:ext uri="{FF2B5EF4-FFF2-40B4-BE49-F238E27FC236}">
+                <a16:creationId xmlns:a16="http://schemas.microsoft.com/office/drawing/2014/main" id="{7B1E136A-903A-DD41-9C51-3F472339321B}"/>
+              </a:ext>
+            </a:extLst>
+          </p:cNvPr>
+          <p:cNvSpPr>
+            <a:spLocks noGrp="1"/>
+          </p:cNvSpPr>
+          <p:nvPr>
+            <p:ph idx="1"/>
+          </p:nvPr>
+        </p:nvSpPr>
+        <p:spPr/>
+        <p:txBody>
+          <a:bodyPr/>
+          <a:lstStyle/>
+          <a:p>
+            <a:r>
+              <a:rPr lang="en-US" altLang="zh-CN" dirty="0"/>
+              <a:t>Code:</a:t>
+            </a:r>
+          </a:p>
+          <a:p>
+            <a:r>
+              <a:rPr lang="en-US" dirty="0">
+                <a:hlinkClick r:id="rId2"/>
+              </a:rPr>
+              <a:t>https://github.com/kiharalab/CryoREAD</a:t>
+            </a:r>
+            <a:r>
+              <a:rPr lang="zh-CN" altLang="en-US" dirty="0"/>
+              <a:t> </a:t>
+            </a:r>
+            <a:endParaRPr lang="en-US" dirty="0"/>
+          </a:p>
+          <a:p>
+            <a:r>
+              <a:rPr lang="en-US" altLang="zh-CN" dirty="0"/>
+              <a:t>Platform:</a:t>
+            </a:r>
+          </a:p>
+          <a:p>
+            <a:r>
+              <a:rPr lang="en-US" dirty="0">
+                <a:hlinkClick r:id="rId3"/>
+              </a:rPr>
+              <a:t>https://bit.ly/CryoREAD</a:t>
+            </a:r>
+            <a:r>
+              <a:rPr lang="zh-CN" altLang="en-US" dirty="0"/>
+              <a:t> </a:t>
+            </a:r>
+            <a:endParaRPr lang="en-US" dirty="0"/>
+          </a:p>
+          <a:p>
+            <a:r>
+              <a:rPr lang="en-US" altLang="zh-CN" dirty="0"/>
+              <a:t>We</a:t>
+            </a:r>
+            <a:r>
+              <a:rPr lang="zh-CN" altLang="en-US" dirty="0"/>
+              <a:t> </a:t>
+            </a:r>
+            <a:r>
+              <a:rPr lang="en-US" altLang="zh-CN" dirty="0"/>
+              <a:t>suggest:</a:t>
+            </a:r>
+            <a:r>
+              <a:rPr lang="zh-CN" altLang="en-US" dirty="0"/>
+              <a:t> </a:t>
+            </a:r>
+            <a:endParaRPr lang="en-US" altLang="zh-CN" dirty="0"/>
+          </a:p>
+          <a:p>
+            <a:pPr marL="0" indent="0">
+              <a:buNone/>
+            </a:pPr>
+            <a:r>
+              <a:rPr lang="en-US" altLang="zh-CN" dirty="0"/>
+              <a:t>Chrome</a:t>
+            </a:r>
+            <a:r>
+              <a:rPr lang="zh-CN" altLang="en-US" dirty="0"/>
+              <a:t> </a:t>
+            </a:r>
+            <a:r>
+              <a:rPr lang="en-US" altLang="zh-CN" dirty="0"/>
+              <a:t>Browser</a:t>
+            </a:r>
+            <a:r>
+              <a:rPr lang="zh-CN" altLang="en-US" dirty="0"/>
+              <a:t> </a:t>
+            </a:r>
+            <a:endParaRPr lang="en-US" dirty="0"/>
+          </a:p>
+          <a:p>
+            <a:endParaRPr lang="en-US" dirty="0"/>
+          </a:p>
+        </p:txBody>
+      </p:sp>
+      <p:pic>
+        <p:nvPicPr>
+          <p:cNvPr id="1026" name="Picture 2" descr="Google Chrome - Wikipedia">
+            <a:extLst>
+              <a:ext uri="{FF2B5EF4-FFF2-40B4-BE49-F238E27FC236}">
+                <a16:creationId xmlns:a16="http://schemas.microsoft.com/office/drawing/2014/main" id="{CAFBFBF7-7B65-5841-8D7E-0DCED179410A}"/>
+              </a:ext>
+            </a:extLst>
+          </p:cNvPr>
+          <p:cNvPicPr>
+            <a:picLocks noChangeAspect="1" noChangeArrowheads="1"/>
+          </p:cNvPicPr>
+          <p:nvPr/>
+        </p:nvPicPr>
+        <p:blipFill>
+          <a:blip r:embed="rId4">
+            <a:extLst>
+              <a:ext uri="{28A0092B-C50C-407E-A947-70E740481C1C}">
+                <a14:useLocalDpi xmlns:a14="http://schemas.microsoft.com/office/drawing/2010/main" val="0"/>
+              </a:ext>
+            </a:extLst>
+          </a:blip>
+          <a:srcRect/>
+          <a:stretch>
+            <a:fillRect/>
+          </a:stretch>
+        </p:blipFill>
+        <p:spPr bwMode="auto">
+          <a:xfrm>
+            <a:off x="2203978" y="4988906"/>
+            <a:ext cx="1322994" cy="1322994"/>
+          </a:xfrm>
+          <a:prstGeom prst="rect">
+            <a:avLst/>
+          </a:prstGeom>
+          <a:noFill/>
+          <a:extLst>
+            <a:ext uri="{909E8E84-426E-40DD-AFC4-6F175D3DCCD1}">
+              <a14:hiddenFill xmlns:a14="http://schemas.microsoft.com/office/drawing/2010/main">
+                <a:solidFill>
+                  <a:srgbClr val="FFFFFF"/>
+                </a:solidFill>
+              </a14:hiddenFill>
+            </a:ext>
+          </a:extLst>
+        </p:spPr>
+      </p:pic>
+      <p:pic>
+        <p:nvPicPr>
+          <p:cNvPr id="6" name="Picture 5">
+            <a:extLst>
+              <a:ext uri="{FF2B5EF4-FFF2-40B4-BE49-F238E27FC236}">
+                <a16:creationId xmlns:a16="http://schemas.microsoft.com/office/drawing/2014/main" id="{C40A252E-96EF-66E2-28C0-10E0D02E7848}"/>
+              </a:ext>
+            </a:extLst>
+          </p:cNvPr>
+          <p:cNvPicPr>
+            <a:picLocks noChangeAspect="1"/>
+          </p:cNvPicPr>
+          <p:nvPr/>
+        </p:nvPicPr>
+        <p:blipFill>
+          <a:blip r:embed="rId5"/>
+          <a:stretch>
+            <a:fillRect/>
+          </a:stretch>
+        </p:blipFill>
+        <p:spPr>
+          <a:xfrm>
+            <a:off x="4892750" y="3276337"/>
+            <a:ext cx="6123276" cy="2610896"/>
+          </a:xfrm>
+          <a:prstGeom prst="rect">
+            <a:avLst/>
+          </a:prstGeom>
+        </p:spPr>
+      </p:pic>
+      <p:pic>
+        <p:nvPicPr>
+          <p:cNvPr id="4" name="Picture 3">
+            <a:extLst>
+              <a:ext uri="{FF2B5EF4-FFF2-40B4-BE49-F238E27FC236}">
+                <a16:creationId xmlns:a16="http://schemas.microsoft.com/office/drawing/2014/main" id="{3C9A9CFE-DA86-7DDC-D52B-A9A9E0FD305B}"/>
+              </a:ext>
+            </a:extLst>
+          </p:cNvPr>
+          <p:cNvPicPr>
+            <a:picLocks noChangeAspect="1"/>
+          </p:cNvPicPr>
+          <p:nvPr/>
+        </p:nvPicPr>
+        <p:blipFill>
+          <a:blip r:embed="rId6"/>
+          <a:stretch>
+            <a:fillRect/>
+          </a:stretch>
+        </p:blipFill>
+        <p:spPr>
+          <a:xfrm>
+            <a:off x="8886490" y="1459436"/>
+            <a:ext cx="1700861" cy="1681964"/>
+          </a:xfrm>
+          <a:prstGeom prst="rect">
+            <a:avLst/>
+          </a:prstGeom>
+        </p:spPr>
+      </p:pic>
+    </p:spTree>
+    <p:extLst>
+      <p:ext uri="{BB962C8B-B14F-4D97-AF65-F5344CB8AC3E}">
+        <p14:creationId xmlns:p14="http://schemas.microsoft.com/office/powerpoint/2010/main" val="70564452"/>
       </p:ext>
     </p:extLst>
   </p:cSld>
